--- a/docs/juliacon/EvoTrees-JuliaCon2025.pptx
+++ b/docs/juliacon/EvoTrees-JuliaCon2025.pptx
@@ -5555,36 +5555,6 @@
           </a:prstGeom>
         </p:spPr>
       </p:pic>
-      <p:pic>
-        <p:nvPicPr>
-          <p:cNvPr id="5" name="Picture 4">
-            <a:extLst>
-              <a:ext uri="{FF2B5EF4-FFF2-40B4-BE49-F238E27FC236}">
-                <a16:creationId xmlns:a16="http://schemas.microsoft.com/office/drawing/2014/main" id="{EED916DA-BA89-6CE5-81FE-1882BDC5E8AC}"/>
-              </a:ext>
-            </a:extLst>
-          </p:cNvPr>
-          <p:cNvPicPr>
-            <a:picLocks noChangeAspect="1"/>
-          </p:cNvPicPr>
-          <p:nvPr/>
-        </p:nvPicPr>
-        <p:blipFill>
-          <a:blip r:embed="rId5"/>
-          <a:stretch>
-            <a:fillRect/>
-          </a:stretch>
-        </p:blipFill>
-        <p:spPr>
-          <a:xfrm>
-            <a:off x="5881117" y="4297976"/>
-            <a:ext cx="1865915" cy="1865915"/>
-          </a:xfrm>
-          <a:prstGeom prst="rect">
-            <a:avLst/>
-          </a:prstGeom>
-        </p:spPr>
-      </p:pic>
       <p:sp>
         <p:nvSpPr>
           <p:cNvPr id="7" name="TextBox 6">
@@ -5703,6 +5673,42 @@
           </a:p>
         </p:txBody>
       </p:sp>
+      <p:pic>
+        <p:nvPicPr>
+          <p:cNvPr id="9" name="Picture 8">
+            <a:extLst>
+              <a:ext uri="{FF2B5EF4-FFF2-40B4-BE49-F238E27FC236}">
+                <a16:creationId xmlns:a16="http://schemas.microsoft.com/office/drawing/2014/main" id="{09C2E147-D22D-7990-A405-523DF790EE04}"/>
+              </a:ext>
+            </a:extLst>
+          </p:cNvPr>
+          <p:cNvPicPr>
+            <a:picLocks noChangeAspect="1"/>
+          </p:cNvPicPr>
+          <p:nvPr/>
+        </p:nvPicPr>
+        <p:blipFill>
+          <a:blip r:embed="rId5">
+            <a:extLst>
+              <a:ext uri="{28A0092B-C50C-407E-A947-70E740481C1C}">
+                <a14:useLocalDpi xmlns:a14="http://schemas.microsoft.com/office/drawing/2010/main" val="0"/>
+              </a:ext>
+            </a:extLst>
+          </a:blip>
+          <a:stretch>
+            <a:fillRect/>
+          </a:stretch>
+        </p:blipFill>
+        <p:spPr>
+          <a:xfrm>
+            <a:off x="5937450" y="4320989"/>
+            <a:ext cx="2037230" cy="2037230"/>
+          </a:xfrm>
+          <a:prstGeom prst="rect">
+            <a:avLst/>
+          </a:prstGeom>
+        </p:spPr>
+      </p:pic>
     </p:spTree>
     <p:extLst>
       <p:ext uri="{BB962C8B-B14F-4D97-AF65-F5344CB8AC3E}">

--- a/docs/juliacon/EvoTrees-JuliaCon2025.pptx
+++ b/docs/juliacon/EvoTrees-JuliaCon2025.pptx
@@ -5,7 +5,7 @@
     <p:sldMasterId id="2147483660" r:id="rId1"/>
   </p:sldMasterIdLst>
   <p:notesMasterIdLst>
-    <p:notesMasterId r:id="rId17"/>
+    <p:notesMasterId r:id="rId19"/>
   </p:notesMasterIdLst>
   <p:sldIdLst>
     <p:sldId id="534" r:id="rId2"/>
@@ -13,16 +13,18 @@
     <p:sldId id="561" r:id="rId4"/>
     <p:sldId id="550" r:id="rId5"/>
     <p:sldId id="551" r:id="rId6"/>
-    <p:sldId id="542" r:id="rId7"/>
-    <p:sldId id="554" r:id="rId8"/>
-    <p:sldId id="553" r:id="rId9"/>
-    <p:sldId id="552" r:id="rId10"/>
-    <p:sldId id="557" r:id="rId11"/>
-    <p:sldId id="558" r:id="rId12"/>
-    <p:sldId id="559" r:id="rId13"/>
-    <p:sldId id="560" r:id="rId14"/>
-    <p:sldId id="549" r:id="rId15"/>
-    <p:sldId id="543" r:id="rId16"/>
+    <p:sldId id="564" r:id="rId7"/>
+    <p:sldId id="542" r:id="rId8"/>
+    <p:sldId id="554" r:id="rId9"/>
+    <p:sldId id="553" r:id="rId10"/>
+    <p:sldId id="552" r:id="rId11"/>
+    <p:sldId id="557" r:id="rId12"/>
+    <p:sldId id="558" r:id="rId13"/>
+    <p:sldId id="559" r:id="rId14"/>
+    <p:sldId id="560" r:id="rId15"/>
+    <p:sldId id="549" r:id="rId16"/>
+    <p:sldId id="562" r:id="rId17"/>
+    <p:sldId id="543" r:id="rId18"/>
   </p:sldIdLst>
   <p:sldSz cx="9144000" cy="6858000" type="screen4x3"/>
   <p:notesSz cx="9296400" cy="7010400"/>
@@ -855,7 +857,7 @@
           <a:p>
             <a:fld id="{1C044A73-7DF2-4BE1-B866-7A3D71333E5E}" type="datetimeFigureOut">
               <a:rPr lang="en-CA" smtClean="0"/>
-              <a:t>2025-07-24</a:t>
+              <a:t>2025-07-25</a:t>
             </a:fld>
             <a:endParaRPr lang="en-CA"/>
           </a:p>
@@ -1215,6 +1217,114 @@
         <p:cNvPr id="1" name="">
           <a:extLst>
             <a:ext uri="{FF2B5EF4-FFF2-40B4-BE49-F238E27FC236}">
+              <a16:creationId xmlns:a16="http://schemas.microsoft.com/office/drawing/2014/main" id="{C922E7C5-91D9-334B-F66D-83EC9D6B5467}"/>
+            </a:ext>
+          </a:extLst>
+        </p:cNvPr>
+        <p:cNvGrpSpPr/>
+        <p:nvPr/>
+      </p:nvGrpSpPr>
+      <p:grpSpPr>
+        <a:xfrm>
+          <a:off x="0" y="0"/>
+          <a:ext cx="0" cy="0"/>
+          <a:chOff x="0" y="0"/>
+          <a:chExt cx="0" cy="0"/>
+        </a:xfrm>
+      </p:grpSpPr>
+      <p:sp>
+        <p:nvSpPr>
+          <p:cNvPr id="2" name="Slide Image Placeholder 1">
+            <a:extLst>
+              <a:ext uri="{FF2B5EF4-FFF2-40B4-BE49-F238E27FC236}">
+                <a16:creationId xmlns:a16="http://schemas.microsoft.com/office/drawing/2014/main" id="{45B51F6D-582D-4591-29B2-1D90F106E782}"/>
+              </a:ext>
+            </a:extLst>
+          </p:cNvPr>
+          <p:cNvSpPr>
+            <a:spLocks noGrp="1" noRot="1" noChangeAspect="1"/>
+          </p:cNvSpPr>
+          <p:nvPr>
+            <p:ph type="sldImg"/>
+          </p:nvPr>
+        </p:nvSpPr>
+        <p:spPr/>
+      </p:sp>
+      <p:sp>
+        <p:nvSpPr>
+          <p:cNvPr id="3" name="Notes Placeholder 2">
+            <a:extLst>
+              <a:ext uri="{FF2B5EF4-FFF2-40B4-BE49-F238E27FC236}">
+                <a16:creationId xmlns:a16="http://schemas.microsoft.com/office/drawing/2014/main" id="{2D1EC9D0-B8B0-FF42-3C9D-4DFD0C85EDF1}"/>
+              </a:ext>
+            </a:extLst>
+          </p:cNvPr>
+          <p:cNvSpPr>
+            <a:spLocks noGrp="1"/>
+          </p:cNvSpPr>
+          <p:nvPr>
+            <p:ph type="body" idx="1"/>
+          </p:nvPr>
+        </p:nvSpPr>
+        <p:spPr/>
+        <p:txBody>
+          <a:bodyPr/>
+          <a:lstStyle/>
+          <a:p>
+            <a:endParaRPr lang="en-CA" dirty="0"/>
+          </a:p>
+        </p:txBody>
+      </p:sp>
+      <p:sp>
+        <p:nvSpPr>
+          <p:cNvPr id="4" name="Slide Number Placeholder 3">
+            <a:extLst>
+              <a:ext uri="{FF2B5EF4-FFF2-40B4-BE49-F238E27FC236}">
+                <a16:creationId xmlns:a16="http://schemas.microsoft.com/office/drawing/2014/main" id="{8238A351-5A21-8CC9-F9C0-8957539DB1DD}"/>
+              </a:ext>
+            </a:extLst>
+          </p:cNvPr>
+          <p:cNvSpPr>
+            <a:spLocks noGrp="1"/>
+          </p:cNvSpPr>
+          <p:nvPr>
+            <p:ph type="sldNum" sz="quarter" idx="5"/>
+          </p:nvPr>
+        </p:nvSpPr>
+        <p:spPr/>
+        <p:txBody>
+          <a:bodyPr/>
+          <a:lstStyle/>
+          <a:p>
+            <a:fld id="{639688F5-EE26-4FC2-A712-24CB14AE8397}" type="slidenum">
+              <a:rPr lang="en-CA" smtClean="0"/>
+              <a:t>10</a:t>
+            </a:fld>
+            <a:endParaRPr lang="en-CA"/>
+          </a:p>
+        </p:txBody>
+      </p:sp>
+    </p:spTree>
+    <p:extLst>
+      <p:ext uri="{BB962C8B-B14F-4D97-AF65-F5344CB8AC3E}">
+        <p14:creationId xmlns:p14="http://schemas.microsoft.com/office/powerpoint/2010/main" val="2574316356"/>
+      </p:ext>
+    </p:extLst>
+  </p:cSld>
+  <p:clrMapOvr>
+    <a:masterClrMapping/>
+  </p:clrMapOvr>
+</p:notes>
+</file>
+
+<file path=ppt/notesSlides/notesSlide11.xml><?xml version="1.0" encoding="utf-8"?>
+<p:notes xmlns:a="http://schemas.openxmlformats.org/drawingml/2006/main" xmlns:r="http://schemas.openxmlformats.org/officeDocument/2006/relationships" xmlns:p="http://schemas.openxmlformats.org/presentationml/2006/main">
+  <p:cSld>
+    <p:spTree>
+      <p:nvGrpSpPr>
+        <p:cNvPr id="1" name="">
+          <a:extLst>
+            <a:ext uri="{FF2B5EF4-FFF2-40B4-BE49-F238E27FC236}">
               <a16:creationId xmlns:a16="http://schemas.microsoft.com/office/drawing/2014/main" id="{A1B18078-1EDC-912D-63D8-786E458A04AB}"/>
             </a:ext>
           </a:extLst>
@@ -1296,7 +1406,7 @@
           <a:p>
             <a:fld id="{639688F5-EE26-4FC2-A712-24CB14AE8397}" type="slidenum">
               <a:rPr lang="en-CA" smtClean="0"/>
-              <a:t>10</a:t>
+              <a:t>11</a:t>
             </a:fld>
             <a:endParaRPr lang="en-CA"/>
           </a:p>
@@ -1315,7 +1425,7 @@
 </p:notes>
 </file>
 
-<file path=ppt/notesSlides/notesSlide11.xml><?xml version="1.0" encoding="utf-8"?>
+<file path=ppt/notesSlides/notesSlide12.xml><?xml version="1.0" encoding="utf-8"?>
 <p:notes xmlns:a="http://schemas.openxmlformats.org/drawingml/2006/main" xmlns:r="http://schemas.openxmlformats.org/officeDocument/2006/relationships" xmlns:p="http://schemas.openxmlformats.org/presentationml/2006/main">
   <p:cSld>
     <p:spTree>
@@ -1404,7 +1514,7 @@
           <a:p>
             <a:fld id="{639688F5-EE26-4FC2-A712-24CB14AE8397}" type="slidenum">
               <a:rPr lang="en-CA" smtClean="0"/>
-              <a:t>11</a:t>
+              <a:t>12</a:t>
             </a:fld>
             <a:endParaRPr lang="en-CA"/>
           </a:p>
@@ -1423,7 +1533,7 @@
 </p:notes>
 </file>
 
-<file path=ppt/notesSlides/notesSlide12.xml><?xml version="1.0" encoding="utf-8"?>
+<file path=ppt/notesSlides/notesSlide13.xml><?xml version="1.0" encoding="utf-8"?>
 <p:notes xmlns:a="http://schemas.openxmlformats.org/drawingml/2006/main" xmlns:r="http://schemas.openxmlformats.org/officeDocument/2006/relationships" xmlns:p="http://schemas.openxmlformats.org/presentationml/2006/main">
   <p:cSld>
     <p:spTree>
@@ -1512,7 +1622,7 @@
           <a:p>
             <a:fld id="{639688F5-EE26-4FC2-A712-24CB14AE8397}" type="slidenum">
               <a:rPr lang="en-CA" smtClean="0"/>
-              <a:t>12</a:t>
+              <a:t>13</a:t>
             </a:fld>
             <a:endParaRPr lang="en-CA"/>
           </a:p>
@@ -1531,7 +1641,7 @@
 </p:notes>
 </file>
 
-<file path=ppt/notesSlides/notesSlide13.xml><?xml version="1.0" encoding="utf-8"?>
+<file path=ppt/notesSlides/notesSlide14.xml><?xml version="1.0" encoding="utf-8"?>
 <p:notes xmlns:a="http://schemas.openxmlformats.org/drawingml/2006/main" xmlns:r="http://schemas.openxmlformats.org/officeDocument/2006/relationships" xmlns:p="http://schemas.openxmlformats.org/presentationml/2006/main">
   <p:cSld>
     <p:spTree>
@@ -1620,7 +1730,7 @@
           <a:p>
             <a:fld id="{639688F5-EE26-4FC2-A712-24CB14AE8397}" type="slidenum">
               <a:rPr lang="en-CA" smtClean="0"/>
-              <a:t>13</a:t>
+              <a:t>14</a:t>
             </a:fld>
             <a:endParaRPr lang="en-CA"/>
           </a:p>
@@ -1630,90 +1740,6 @@
     <p:extLst>
       <p:ext uri="{BB962C8B-B14F-4D97-AF65-F5344CB8AC3E}">
         <p14:creationId xmlns:p14="http://schemas.microsoft.com/office/powerpoint/2010/main" val="714529499"/>
-      </p:ext>
-    </p:extLst>
-  </p:cSld>
-  <p:clrMapOvr>
-    <a:masterClrMapping/>
-  </p:clrMapOvr>
-</p:notes>
-</file>
-
-<file path=ppt/notesSlides/notesSlide14.xml><?xml version="1.0" encoding="utf-8"?>
-<p:notes xmlns:a="http://schemas.openxmlformats.org/drawingml/2006/main" xmlns:r="http://schemas.openxmlformats.org/officeDocument/2006/relationships" xmlns:p="http://schemas.openxmlformats.org/presentationml/2006/main">
-  <p:cSld>
-    <p:spTree>
-      <p:nvGrpSpPr>
-        <p:cNvPr id="1" name=""/>
-        <p:cNvGrpSpPr/>
-        <p:nvPr/>
-      </p:nvGrpSpPr>
-      <p:grpSpPr>
-        <a:xfrm>
-          <a:off x="0" y="0"/>
-          <a:ext cx="0" cy="0"/>
-          <a:chOff x="0" y="0"/>
-          <a:chExt cx="0" cy="0"/>
-        </a:xfrm>
-      </p:grpSpPr>
-      <p:sp>
-        <p:nvSpPr>
-          <p:cNvPr id="2" name="Slide Image Placeholder 1"/>
-          <p:cNvSpPr>
-            <a:spLocks noGrp="1" noRot="1" noChangeAspect="1"/>
-          </p:cNvSpPr>
-          <p:nvPr>
-            <p:ph type="sldImg"/>
-          </p:nvPr>
-        </p:nvSpPr>
-        <p:spPr/>
-      </p:sp>
-      <p:sp>
-        <p:nvSpPr>
-          <p:cNvPr id="3" name="Notes Placeholder 2"/>
-          <p:cNvSpPr>
-            <a:spLocks noGrp="1"/>
-          </p:cNvSpPr>
-          <p:nvPr>
-            <p:ph type="body" idx="1"/>
-          </p:nvPr>
-        </p:nvSpPr>
-        <p:spPr/>
-        <p:txBody>
-          <a:bodyPr/>
-          <a:lstStyle/>
-          <a:p>
-            <a:endParaRPr lang="en-CA" dirty="0"/>
-          </a:p>
-        </p:txBody>
-      </p:sp>
-      <p:sp>
-        <p:nvSpPr>
-          <p:cNvPr id="4" name="Slide Number Placeholder 3"/>
-          <p:cNvSpPr>
-            <a:spLocks noGrp="1"/>
-          </p:cNvSpPr>
-          <p:nvPr>
-            <p:ph type="sldNum" sz="quarter" idx="5"/>
-          </p:nvPr>
-        </p:nvSpPr>
-        <p:spPr/>
-        <p:txBody>
-          <a:bodyPr/>
-          <a:lstStyle/>
-          <a:p>
-            <a:fld id="{639688F5-EE26-4FC2-A712-24CB14AE8397}" type="slidenum">
-              <a:rPr lang="en-CA" smtClean="0"/>
-              <a:t>14</a:t>
-            </a:fld>
-            <a:endParaRPr lang="en-CA"/>
-          </a:p>
-        </p:txBody>
-      </p:sp>
-    </p:spTree>
-    <p:extLst>
-      <p:ext uri="{BB962C8B-B14F-4D97-AF65-F5344CB8AC3E}">
-        <p14:creationId xmlns:p14="http://schemas.microsoft.com/office/powerpoint/2010/main" val="2589183039"/>
       </p:ext>
     </p:extLst>
   </p:cSld>
@@ -1789,6 +1815,198 @@
             <a:fld id="{639688F5-EE26-4FC2-A712-24CB14AE8397}" type="slidenum">
               <a:rPr lang="en-CA" smtClean="0"/>
               <a:t>15</a:t>
+            </a:fld>
+            <a:endParaRPr lang="en-CA"/>
+          </a:p>
+        </p:txBody>
+      </p:sp>
+    </p:spTree>
+    <p:extLst>
+      <p:ext uri="{BB962C8B-B14F-4D97-AF65-F5344CB8AC3E}">
+        <p14:creationId xmlns:p14="http://schemas.microsoft.com/office/powerpoint/2010/main" val="2589183039"/>
+      </p:ext>
+    </p:extLst>
+  </p:cSld>
+  <p:clrMapOvr>
+    <a:masterClrMapping/>
+  </p:clrMapOvr>
+</p:notes>
+</file>
+
+<file path=ppt/notesSlides/notesSlide16.xml><?xml version="1.0" encoding="utf-8"?>
+<p:notes xmlns:a="http://schemas.openxmlformats.org/drawingml/2006/main" xmlns:r="http://schemas.openxmlformats.org/officeDocument/2006/relationships" xmlns:p="http://schemas.openxmlformats.org/presentationml/2006/main">
+  <p:cSld>
+    <p:spTree>
+      <p:nvGrpSpPr>
+        <p:cNvPr id="1" name="">
+          <a:extLst>
+            <a:ext uri="{FF2B5EF4-FFF2-40B4-BE49-F238E27FC236}">
+              <a16:creationId xmlns:a16="http://schemas.microsoft.com/office/drawing/2014/main" id="{43AD8090-AD72-9402-4792-D6294CB96BCF}"/>
+            </a:ext>
+          </a:extLst>
+        </p:cNvPr>
+        <p:cNvGrpSpPr/>
+        <p:nvPr/>
+      </p:nvGrpSpPr>
+      <p:grpSpPr>
+        <a:xfrm>
+          <a:off x="0" y="0"/>
+          <a:ext cx="0" cy="0"/>
+          <a:chOff x="0" y="0"/>
+          <a:chExt cx="0" cy="0"/>
+        </a:xfrm>
+      </p:grpSpPr>
+      <p:sp>
+        <p:nvSpPr>
+          <p:cNvPr id="2" name="Slide Image Placeholder 1">
+            <a:extLst>
+              <a:ext uri="{FF2B5EF4-FFF2-40B4-BE49-F238E27FC236}">
+                <a16:creationId xmlns:a16="http://schemas.microsoft.com/office/drawing/2014/main" id="{E4CA642E-8297-615D-BF79-1FCF79432233}"/>
+              </a:ext>
+            </a:extLst>
+          </p:cNvPr>
+          <p:cNvSpPr>
+            <a:spLocks noGrp="1" noRot="1" noChangeAspect="1"/>
+          </p:cNvSpPr>
+          <p:nvPr>
+            <p:ph type="sldImg"/>
+          </p:nvPr>
+        </p:nvSpPr>
+        <p:spPr/>
+      </p:sp>
+      <p:sp>
+        <p:nvSpPr>
+          <p:cNvPr id="3" name="Notes Placeholder 2">
+            <a:extLst>
+              <a:ext uri="{FF2B5EF4-FFF2-40B4-BE49-F238E27FC236}">
+                <a16:creationId xmlns:a16="http://schemas.microsoft.com/office/drawing/2014/main" id="{06F43C9A-9009-379D-9379-FFA7978A8EFE}"/>
+              </a:ext>
+            </a:extLst>
+          </p:cNvPr>
+          <p:cNvSpPr>
+            <a:spLocks noGrp="1"/>
+          </p:cNvSpPr>
+          <p:nvPr>
+            <p:ph type="body" idx="1"/>
+          </p:nvPr>
+        </p:nvSpPr>
+        <p:spPr/>
+        <p:txBody>
+          <a:bodyPr/>
+          <a:lstStyle/>
+          <a:p>
+            <a:endParaRPr lang="en-CA" dirty="0"/>
+          </a:p>
+        </p:txBody>
+      </p:sp>
+      <p:sp>
+        <p:nvSpPr>
+          <p:cNvPr id="4" name="Slide Number Placeholder 3">
+            <a:extLst>
+              <a:ext uri="{FF2B5EF4-FFF2-40B4-BE49-F238E27FC236}">
+                <a16:creationId xmlns:a16="http://schemas.microsoft.com/office/drawing/2014/main" id="{8B375560-FB8F-6414-6C1B-650381DF639A}"/>
+              </a:ext>
+            </a:extLst>
+          </p:cNvPr>
+          <p:cNvSpPr>
+            <a:spLocks noGrp="1"/>
+          </p:cNvSpPr>
+          <p:nvPr>
+            <p:ph type="sldNum" sz="quarter" idx="5"/>
+          </p:nvPr>
+        </p:nvSpPr>
+        <p:spPr/>
+        <p:txBody>
+          <a:bodyPr/>
+          <a:lstStyle/>
+          <a:p>
+            <a:fld id="{639688F5-EE26-4FC2-A712-24CB14AE8397}" type="slidenum">
+              <a:rPr lang="en-CA" smtClean="0"/>
+              <a:t>16</a:t>
+            </a:fld>
+            <a:endParaRPr lang="en-CA"/>
+          </a:p>
+        </p:txBody>
+      </p:sp>
+    </p:spTree>
+    <p:extLst>
+      <p:ext uri="{BB962C8B-B14F-4D97-AF65-F5344CB8AC3E}">
+        <p14:creationId xmlns:p14="http://schemas.microsoft.com/office/powerpoint/2010/main" val="3806532686"/>
+      </p:ext>
+    </p:extLst>
+  </p:cSld>
+  <p:clrMapOvr>
+    <a:masterClrMapping/>
+  </p:clrMapOvr>
+</p:notes>
+</file>
+
+<file path=ppt/notesSlides/notesSlide17.xml><?xml version="1.0" encoding="utf-8"?>
+<p:notes xmlns:a="http://schemas.openxmlformats.org/drawingml/2006/main" xmlns:r="http://schemas.openxmlformats.org/officeDocument/2006/relationships" xmlns:p="http://schemas.openxmlformats.org/presentationml/2006/main">
+  <p:cSld>
+    <p:spTree>
+      <p:nvGrpSpPr>
+        <p:cNvPr id="1" name=""/>
+        <p:cNvGrpSpPr/>
+        <p:nvPr/>
+      </p:nvGrpSpPr>
+      <p:grpSpPr>
+        <a:xfrm>
+          <a:off x="0" y="0"/>
+          <a:ext cx="0" cy="0"/>
+          <a:chOff x="0" y="0"/>
+          <a:chExt cx="0" cy="0"/>
+        </a:xfrm>
+      </p:grpSpPr>
+      <p:sp>
+        <p:nvSpPr>
+          <p:cNvPr id="2" name="Slide Image Placeholder 1"/>
+          <p:cNvSpPr>
+            <a:spLocks noGrp="1" noRot="1" noChangeAspect="1"/>
+          </p:cNvSpPr>
+          <p:nvPr>
+            <p:ph type="sldImg"/>
+          </p:nvPr>
+        </p:nvSpPr>
+        <p:spPr/>
+      </p:sp>
+      <p:sp>
+        <p:nvSpPr>
+          <p:cNvPr id="3" name="Notes Placeholder 2"/>
+          <p:cNvSpPr>
+            <a:spLocks noGrp="1"/>
+          </p:cNvSpPr>
+          <p:nvPr>
+            <p:ph type="body" idx="1"/>
+          </p:nvPr>
+        </p:nvSpPr>
+        <p:spPr/>
+        <p:txBody>
+          <a:bodyPr/>
+          <a:lstStyle/>
+          <a:p>
+            <a:endParaRPr lang="en-CA" dirty="0"/>
+          </a:p>
+        </p:txBody>
+      </p:sp>
+      <p:sp>
+        <p:nvSpPr>
+          <p:cNvPr id="4" name="Slide Number Placeholder 3"/>
+          <p:cNvSpPr>
+            <a:spLocks noGrp="1"/>
+          </p:cNvSpPr>
+          <p:nvPr>
+            <p:ph type="sldNum" sz="quarter" idx="5"/>
+          </p:nvPr>
+        </p:nvSpPr>
+        <p:spPr/>
+        <p:txBody>
+          <a:bodyPr/>
+          <a:lstStyle/>
+          <a:p>
+            <a:fld id="{639688F5-EE26-4FC2-A712-24CB14AE8397}" type="slidenum">
+              <a:rPr lang="en-CA" smtClean="0"/>
+              <a:t>17</a:t>
             </a:fld>
             <a:endParaRPr lang="en-CA"/>
           </a:p>
@@ -2220,6 +2438,114 @@
   <p:cSld>
     <p:spTree>
       <p:nvGrpSpPr>
+        <p:cNvPr id="1" name="">
+          <a:extLst>
+            <a:ext uri="{FF2B5EF4-FFF2-40B4-BE49-F238E27FC236}">
+              <a16:creationId xmlns:a16="http://schemas.microsoft.com/office/drawing/2014/main" id="{37642780-0AD9-5CBE-0D8C-9C57887281E3}"/>
+            </a:ext>
+          </a:extLst>
+        </p:cNvPr>
+        <p:cNvGrpSpPr/>
+        <p:nvPr/>
+      </p:nvGrpSpPr>
+      <p:grpSpPr>
+        <a:xfrm>
+          <a:off x="0" y="0"/>
+          <a:ext cx="0" cy="0"/>
+          <a:chOff x="0" y="0"/>
+          <a:chExt cx="0" cy="0"/>
+        </a:xfrm>
+      </p:grpSpPr>
+      <p:sp>
+        <p:nvSpPr>
+          <p:cNvPr id="2" name="Slide Image Placeholder 1">
+            <a:extLst>
+              <a:ext uri="{FF2B5EF4-FFF2-40B4-BE49-F238E27FC236}">
+                <a16:creationId xmlns:a16="http://schemas.microsoft.com/office/drawing/2014/main" id="{639BD7DC-3499-0D2C-D07E-6C390B901A8D}"/>
+              </a:ext>
+            </a:extLst>
+          </p:cNvPr>
+          <p:cNvSpPr>
+            <a:spLocks noGrp="1" noRot="1" noChangeAspect="1"/>
+          </p:cNvSpPr>
+          <p:nvPr>
+            <p:ph type="sldImg"/>
+          </p:nvPr>
+        </p:nvSpPr>
+        <p:spPr/>
+      </p:sp>
+      <p:sp>
+        <p:nvSpPr>
+          <p:cNvPr id="3" name="Notes Placeholder 2">
+            <a:extLst>
+              <a:ext uri="{FF2B5EF4-FFF2-40B4-BE49-F238E27FC236}">
+                <a16:creationId xmlns:a16="http://schemas.microsoft.com/office/drawing/2014/main" id="{4B2F2921-7AED-8969-9F76-37AA13C3B41B}"/>
+              </a:ext>
+            </a:extLst>
+          </p:cNvPr>
+          <p:cNvSpPr>
+            <a:spLocks noGrp="1"/>
+          </p:cNvSpPr>
+          <p:nvPr>
+            <p:ph type="body" idx="1"/>
+          </p:nvPr>
+        </p:nvSpPr>
+        <p:spPr/>
+        <p:txBody>
+          <a:bodyPr/>
+          <a:lstStyle/>
+          <a:p>
+            <a:endParaRPr lang="en-CA" dirty="0"/>
+          </a:p>
+        </p:txBody>
+      </p:sp>
+      <p:sp>
+        <p:nvSpPr>
+          <p:cNvPr id="4" name="Slide Number Placeholder 3">
+            <a:extLst>
+              <a:ext uri="{FF2B5EF4-FFF2-40B4-BE49-F238E27FC236}">
+                <a16:creationId xmlns:a16="http://schemas.microsoft.com/office/drawing/2014/main" id="{41CD61BC-9198-96A0-D5D9-E8DD02A9AA27}"/>
+              </a:ext>
+            </a:extLst>
+          </p:cNvPr>
+          <p:cNvSpPr>
+            <a:spLocks noGrp="1"/>
+          </p:cNvSpPr>
+          <p:nvPr>
+            <p:ph type="sldNum" sz="quarter" idx="5"/>
+          </p:nvPr>
+        </p:nvSpPr>
+        <p:spPr/>
+        <p:txBody>
+          <a:bodyPr/>
+          <a:lstStyle/>
+          <a:p>
+            <a:fld id="{639688F5-EE26-4FC2-A712-24CB14AE8397}" type="slidenum">
+              <a:rPr lang="en-CA" smtClean="0"/>
+              <a:t>6</a:t>
+            </a:fld>
+            <a:endParaRPr lang="en-CA"/>
+          </a:p>
+        </p:txBody>
+      </p:sp>
+    </p:spTree>
+    <p:extLst>
+      <p:ext uri="{BB962C8B-B14F-4D97-AF65-F5344CB8AC3E}">
+        <p14:creationId xmlns:p14="http://schemas.microsoft.com/office/powerpoint/2010/main" val="3342962928"/>
+      </p:ext>
+    </p:extLst>
+  </p:cSld>
+  <p:clrMapOvr>
+    <a:masterClrMapping/>
+  </p:clrMapOvr>
+</p:notes>
+</file>
+
+<file path=ppt/notesSlides/notesSlide7.xml><?xml version="1.0" encoding="utf-8"?>
+<p:notes xmlns:a="http://schemas.openxmlformats.org/drawingml/2006/main" xmlns:r="http://schemas.openxmlformats.org/officeDocument/2006/relationships" xmlns:p="http://schemas.openxmlformats.org/presentationml/2006/main">
+  <p:cSld>
+    <p:spTree>
+      <p:nvGrpSpPr>
         <p:cNvPr id="1" name=""/>
         <p:cNvGrpSpPr/>
         <p:nvPr/>
@@ -2280,7 +2606,7 @@
           <a:p>
             <a:fld id="{639688F5-EE26-4FC2-A712-24CB14AE8397}" type="slidenum">
               <a:rPr lang="en-CA" smtClean="0"/>
-              <a:t>6</a:t>
+              <a:t>7</a:t>
             </a:fld>
             <a:endParaRPr lang="en-CA"/>
           </a:p>
@@ -2299,7 +2625,7 @@
 </p:notes>
 </file>
 
-<file path=ppt/notesSlides/notesSlide7.xml><?xml version="1.0" encoding="utf-8"?>
+<file path=ppt/notesSlides/notesSlide8.xml><?xml version="1.0" encoding="utf-8"?>
 <p:notes xmlns:a="http://schemas.openxmlformats.org/drawingml/2006/main" xmlns:r="http://schemas.openxmlformats.org/officeDocument/2006/relationships" xmlns:p="http://schemas.openxmlformats.org/presentationml/2006/main">
   <p:cSld>
     <p:spTree>
@@ -2388,7 +2714,7 @@
           <a:p>
             <a:fld id="{639688F5-EE26-4FC2-A712-24CB14AE8397}" type="slidenum">
               <a:rPr lang="en-CA" smtClean="0"/>
-              <a:t>7</a:t>
+              <a:t>8</a:t>
             </a:fld>
             <a:endParaRPr lang="en-CA"/>
           </a:p>
@@ -2407,7 +2733,7 @@
 </p:notes>
 </file>
 
-<file path=ppt/notesSlides/notesSlide8.xml><?xml version="1.0" encoding="utf-8"?>
+<file path=ppt/notesSlides/notesSlide9.xml><?xml version="1.0" encoding="utf-8"?>
 <p:notes xmlns:a="http://schemas.openxmlformats.org/drawingml/2006/main" xmlns:r="http://schemas.openxmlformats.org/officeDocument/2006/relationships" xmlns:p="http://schemas.openxmlformats.org/presentationml/2006/main">
   <p:cSld>
     <p:spTree>
@@ -2496,7 +2822,7 @@
           <a:p>
             <a:fld id="{639688F5-EE26-4FC2-A712-24CB14AE8397}" type="slidenum">
               <a:rPr lang="en-CA" smtClean="0"/>
-              <a:t>8</a:t>
+              <a:t>9</a:t>
             </a:fld>
             <a:endParaRPr lang="en-CA"/>
           </a:p>
@@ -2506,114 +2832,6 @@
     <p:extLst>
       <p:ext uri="{BB962C8B-B14F-4D97-AF65-F5344CB8AC3E}">
         <p14:creationId xmlns:p14="http://schemas.microsoft.com/office/powerpoint/2010/main" val="3479587330"/>
-      </p:ext>
-    </p:extLst>
-  </p:cSld>
-  <p:clrMapOvr>
-    <a:masterClrMapping/>
-  </p:clrMapOvr>
-</p:notes>
-</file>
-
-<file path=ppt/notesSlides/notesSlide9.xml><?xml version="1.0" encoding="utf-8"?>
-<p:notes xmlns:a="http://schemas.openxmlformats.org/drawingml/2006/main" xmlns:r="http://schemas.openxmlformats.org/officeDocument/2006/relationships" xmlns:p="http://schemas.openxmlformats.org/presentationml/2006/main">
-  <p:cSld>
-    <p:spTree>
-      <p:nvGrpSpPr>
-        <p:cNvPr id="1" name="">
-          <a:extLst>
-            <a:ext uri="{FF2B5EF4-FFF2-40B4-BE49-F238E27FC236}">
-              <a16:creationId xmlns:a16="http://schemas.microsoft.com/office/drawing/2014/main" id="{C922E7C5-91D9-334B-F66D-83EC9D6B5467}"/>
-            </a:ext>
-          </a:extLst>
-        </p:cNvPr>
-        <p:cNvGrpSpPr/>
-        <p:nvPr/>
-      </p:nvGrpSpPr>
-      <p:grpSpPr>
-        <a:xfrm>
-          <a:off x="0" y="0"/>
-          <a:ext cx="0" cy="0"/>
-          <a:chOff x="0" y="0"/>
-          <a:chExt cx="0" cy="0"/>
-        </a:xfrm>
-      </p:grpSpPr>
-      <p:sp>
-        <p:nvSpPr>
-          <p:cNvPr id="2" name="Slide Image Placeholder 1">
-            <a:extLst>
-              <a:ext uri="{FF2B5EF4-FFF2-40B4-BE49-F238E27FC236}">
-                <a16:creationId xmlns:a16="http://schemas.microsoft.com/office/drawing/2014/main" id="{45B51F6D-582D-4591-29B2-1D90F106E782}"/>
-              </a:ext>
-            </a:extLst>
-          </p:cNvPr>
-          <p:cNvSpPr>
-            <a:spLocks noGrp="1" noRot="1" noChangeAspect="1"/>
-          </p:cNvSpPr>
-          <p:nvPr>
-            <p:ph type="sldImg"/>
-          </p:nvPr>
-        </p:nvSpPr>
-        <p:spPr/>
-      </p:sp>
-      <p:sp>
-        <p:nvSpPr>
-          <p:cNvPr id="3" name="Notes Placeholder 2">
-            <a:extLst>
-              <a:ext uri="{FF2B5EF4-FFF2-40B4-BE49-F238E27FC236}">
-                <a16:creationId xmlns:a16="http://schemas.microsoft.com/office/drawing/2014/main" id="{2D1EC9D0-B8B0-FF42-3C9D-4DFD0C85EDF1}"/>
-              </a:ext>
-            </a:extLst>
-          </p:cNvPr>
-          <p:cNvSpPr>
-            <a:spLocks noGrp="1"/>
-          </p:cNvSpPr>
-          <p:nvPr>
-            <p:ph type="body" idx="1"/>
-          </p:nvPr>
-        </p:nvSpPr>
-        <p:spPr/>
-        <p:txBody>
-          <a:bodyPr/>
-          <a:lstStyle/>
-          <a:p>
-            <a:endParaRPr lang="en-CA" dirty="0"/>
-          </a:p>
-        </p:txBody>
-      </p:sp>
-      <p:sp>
-        <p:nvSpPr>
-          <p:cNvPr id="4" name="Slide Number Placeholder 3">
-            <a:extLst>
-              <a:ext uri="{FF2B5EF4-FFF2-40B4-BE49-F238E27FC236}">
-                <a16:creationId xmlns:a16="http://schemas.microsoft.com/office/drawing/2014/main" id="{8238A351-5A21-8CC9-F9C0-8957539DB1DD}"/>
-              </a:ext>
-            </a:extLst>
-          </p:cNvPr>
-          <p:cNvSpPr>
-            <a:spLocks noGrp="1"/>
-          </p:cNvSpPr>
-          <p:nvPr>
-            <p:ph type="sldNum" sz="quarter" idx="5"/>
-          </p:nvPr>
-        </p:nvSpPr>
-        <p:spPr/>
-        <p:txBody>
-          <a:bodyPr/>
-          <a:lstStyle/>
-          <a:p>
-            <a:fld id="{639688F5-EE26-4FC2-A712-24CB14AE8397}" type="slidenum">
-              <a:rPr lang="en-CA" smtClean="0"/>
-              <a:t>9</a:t>
-            </a:fld>
-            <a:endParaRPr lang="en-CA"/>
-          </a:p>
-        </p:txBody>
-      </p:sp>
-    </p:spTree>
-    <p:extLst>
-      <p:ext uri="{BB962C8B-B14F-4D97-AF65-F5344CB8AC3E}">
-        <p14:creationId xmlns:p14="http://schemas.microsoft.com/office/powerpoint/2010/main" val="2574316356"/>
       </p:ext>
     </p:extLst>
   </p:cSld>
@@ -2754,7 +2972,7 @@
           <a:p>
             <a:fld id="{CDF84B77-5A00-4E31-97D9-83A4464B28D9}" type="datetime1">
               <a:rPr lang="en-CA" smtClean="0"/>
-              <a:t>2025-07-24</a:t>
+              <a:t>2025-07-25</a:t>
             </a:fld>
             <a:endParaRPr lang="en-CA"/>
           </a:p>
@@ -2943,7 +3161,7 @@
           <a:p>
             <a:fld id="{F1A45956-A242-4842-92D3-5C52FDD9AC62}" type="datetime1">
               <a:rPr lang="en-CA" smtClean="0"/>
-              <a:t>2025-07-24</a:t>
+              <a:t>2025-07-25</a:t>
             </a:fld>
             <a:endParaRPr lang="en-CA"/>
           </a:p>
@@ -3123,7 +3341,7 @@
           <a:p>
             <a:fld id="{3C044235-B6C5-4F73-A98E-A78448D29717}" type="datetime1">
               <a:rPr lang="en-CA" smtClean="0"/>
-              <a:t>2025-07-24</a:t>
+              <a:t>2025-07-25</a:t>
             </a:fld>
             <a:endParaRPr lang="en-CA"/>
           </a:p>
@@ -3293,7 +3511,7 @@
           <a:p>
             <a:fld id="{60BEEC1A-EE81-41F8-A507-77693E4B598A}" type="datetime1">
               <a:rPr lang="en-CA" smtClean="0"/>
-              <a:t>2025-07-24</a:t>
+              <a:t>2025-07-25</a:t>
             </a:fld>
             <a:endParaRPr lang="en-CA"/>
           </a:p>
@@ -3556,7 +3774,7 @@
           <a:p>
             <a:fld id="{8DCE74EF-F9C3-44BB-96DE-7E43F47DACB1}" type="datetime1">
               <a:rPr lang="en-CA" smtClean="0"/>
-              <a:t>2025-07-24</a:t>
+              <a:t>2025-07-25</a:t>
             </a:fld>
             <a:endParaRPr lang="en-CA"/>
           </a:p>
@@ -3788,7 +4006,7 @@
           <a:p>
             <a:fld id="{CAA1B7CC-9632-4BA1-8139-1EC4993CE8FB}" type="datetime1">
               <a:rPr lang="en-CA" smtClean="0"/>
-              <a:t>2025-07-24</a:t>
+              <a:t>2025-07-25</a:t>
             </a:fld>
             <a:endParaRPr lang="en-CA"/>
           </a:p>
@@ -4155,7 +4373,7 @@
           <a:p>
             <a:fld id="{1F58F869-828D-47DE-B553-80245A152DC1}" type="datetime1">
               <a:rPr lang="en-CA" smtClean="0"/>
-              <a:t>2025-07-24</a:t>
+              <a:t>2025-07-25</a:t>
             </a:fld>
             <a:endParaRPr lang="en-CA"/>
           </a:p>
@@ -4273,7 +4491,7 @@
           <a:p>
             <a:fld id="{71BCFE68-F2B9-4C04-97AF-420ABEA2040B}" type="datetime1">
               <a:rPr lang="en-CA" smtClean="0"/>
-              <a:t>2025-07-24</a:t>
+              <a:t>2025-07-25</a:t>
             </a:fld>
             <a:endParaRPr lang="en-CA"/>
           </a:p>
@@ -4368,7 +4586,7 @@
           <a:p>
             <a:fld id="{80555036-90C9-4034-96F7-868F71174523}" type="datetime1">
               <a:rPr lang="en-CA" smtClean="0"/>
-              <a:t>2025-07-24</a:t>
+              <a:t>2025-07-25</a:t>
             </a:fld>
             <a:endParaRPr lang="en-CA"/>
           </a:p>
@@ -4645,7 +4863,7 @@
           <a:p>
             <a:fld id="{20BB61A9-8D30-4CF7-B04C-8D8A0101E057}" type="datetime1">
               <a:rPr lang="en-CA" smtClean="0"/>
-              <a:t>2025-07-24</a:t>
+              <a:t>2025-07-25</a:t>
             </a:fld>
             <a:endParaRPr lang="en-CA"/>
           </a:p>
@@ -4902,7 +5120,7 @@
           <a:p>
             <a:fld id="{55150C9A-6EA4-4F6F-B05D-9812566FBB77}" type="datetime1">
               <a:rPr lang="en-CA" smtClean="0"/>
-              <a:t>2025-07-24</a:t>
+              <a:t>2025-07-25</a:t>
             </a:fld>
             <a:endParaRPr lang="en-CA"/>
           </a:p>
@@ -5115,7 +5333,7 @@
           <a:p>
             <a:fld id="{E777D8B4-D12A-431D-8342-F17CBD9FCB64}" type="datetime1">
               <a:rPr lang="en-CA" smtClean="0"/>
-              <a:t>2025-07-24</a:t>
+              <a:t>2025-07-25</a:t>
             </a:fld>
             <a:endParaRPr lang="en-CA"/>
           </a:p>
@@ -5730,7 +5948,7 @@
         <p:cNvPr id="1" name="">
           <a:extLst>
             <a:ext uri="{FF2B5EF4-FFF2-40B4-BE49-F238E27FC236}">
-              <a16:creationId xmlns:a16="http://schemas.microsoft.com/office/drawing/2014/main" id="{8B8397C1-B0BE-1146-CDC9-745F69561F0A}"/>
+              <a16:creationId xmlns:a16="http://schemas.microsoft.com/office/drawing/2014/main" id="{EA7F380D-0F54-DB87-731D-FCCEF111C9AD}"/>
             </a:ext>
           </a:extLst>
         </p:cNvPr>
@@ -5747,10 +5965,486 @@
       </p:grpSpPr>
       <p:sp>
         <p:nvSpPr>
+          <p:cNvPr id="54" name="Rectangle 53">
+            <a:extLst>
+              <a:ext uri="{FF2B5EF4-FFF2-40B4-BE49-F238E27FC236}">
+                <a16:creationId xmlns:a16="http://schemas.microsoft.com/office/drawing/2014/main" id="{0D82F699-3513-832E-F7B6-D120A9306569}"/>
+              </a:ext>
+            </a:extLst>
+          </p:cNvPr>
+          <p:cNvSpPr/>
+          <p:nvPr/>
+        </p:nvSpPr>
+        <p:spPr>
+          <a:xfrm>
+            <a:off x="4666967" y="1256553"/>
+            <a:ext cx="3961417" cy="4344894"/>
+          </a:xfrm>
+          <a:prstGeom prst="rect">
+            <a:avLst/>
+          </a:prstGeom>
+          <a:solidFill>
+            <a:srgbClr val="F9F9F9"/>
+          </a:solidFill>
+          <a:ln>
+            <a:noFill/>
+          </a:ln>
+        </p:spPr>
+        <p:style>
+          <a:lnRef idx="2">
+            <a:schemeClr val="accent1">
+              <a:shade val="15000"/>
+            </a:schemeClr>
+          </a:lnRef>
+          <a:fillRef idx="1">
+            <a:schemeClr val="accent1"/>
+          </a:fillRef>
+          <a:effectRef idx="0">
+            <a:schemeClr val="accent1"/>
+          </a:effectRef>
+          <a:fontRef idx="minor">
+            <a:schemeClr val="lt1"/>
+          </a:fontRef>
+        </p:style>
+        <p:txBody>
+          <a:bodyPr rtlCol="0" anchor="t"/>
+          <a:lstStyle/>
+          <a:p>
+            <a:r>
+              <a:rPr lang="fr-CA" sz="2400" dirty="0" err="1">
+                <a:solidFill>
+                  <a:schemeClr val="tx1"/>
+                </a:solidFill>
+                <a:latin typeface="Montserrat" panose="00000500000000000000" pitchFamily="2" charset="0"/>
+              </a:rPr>
+              <a:t>Oblivious</a:t>
+            </a:r>
+            <a:endParaRPr lang="fr-CA" sz="2400" dirty="0">
+              <a:solidFill>
+                <a:schemeClr val="tx1"/>
+              </a:solidFill>
+              <a:latin typeface="Montserrat" panose="00000500000000000000" pitchFamily="2" charset="0"/>
+            </a:endParaRPr>
+          </a:p>
+          <a:p>
+            <a:endParaRPr lang="fr-CA" sz="2400" dirty="0">
+              <a:solidFill>
+                <a:schemeClr val="tx1"/>
+              </a:solidFill>
+              <a:latin typeface="Montserrat" panose="00000500000000000000" pitchFamily="2" charset="0"/>
+            </a:endParaRPr>
+          </a:p>
+          <a:p>
+            <a:endParaRPr lang="fr-CA" sz="2400" dirty="0">
+              <a:solidFill>
+                <a:schemeClr val="tx1"/>
+              </a:solidFill>
+              <a:latin typeface="Montserrat" panose="00000500000000000000" pitchFamily="2" charset="0"/>
+            </a:endParaRPr>
+          </a:p>
+          <a:p>
+            <a:endParaRPr lang="fr-CA" sz="2400" dirty="0">
+              <a:solidFill>
+                <a:schemeClr val="tx1"/>
+              </a:solidFill>
+              <a:latin typeface="Montserrat" panose="00000500000000000000" pitchFamily="2" charset="0"/>
+            </a:endParaRPr>
+          </a:p>
+          <a:p>
+            <a:endParaRPr lang="fr-CA" sz="2400" dirty="0">
+              <a:solidFill>
+                <a:schemeClr val="tx1"/>
+              </a:solidFill>
+              <a:latin typeface="Montserrat" panose="00000500000000000000" pitchFamily="2" charset="0"/>
+            </a:endParaRPr>
+          </a:p>
+          <a:p>
+            <a:endParaRPr lang="fr-CA" sz="2400" dirty="0">
+              <a:solidFill>
+                <a:schemeClr val="tx1"/>
+              </a:solidFill>
+              <a:latin typeface="Montserrat" panose="00000500000000000000" pitchFamily="2" charset="0"/>
+            </a:endParaRPr>
+          </a:p>
+          <a:p>
+            <a:endParaRPr lang="fr-CA" sz="2400" dirty="0">
+              <a:solidFill>
+                <a:schemeClr val="tx1"/>
+              </a:solidFill>
+              <a:latin typeface="Montserrat" panose="00000500000000000000" pitchFamily="2" charset="0"/>
+            </a:endParaRPr>
+          </a:p>
+          <a:p>
+            <a:endParaRPr lang="fr-CA" sz="2400" dirty="0">
+              <a:solidFill>
+                <a:schemeClr val="tx1"/>
+              </a:solidFill>
+              <a:latin typeface="Montserrat" panose="00000500000000000000" pitchFamily="2" charset="0"/>
+            </a:endParaRPr>
+          </a:p>
+          <a:p>
+            <a:r>
+              <a:rPr lang="fr-CA" b="1" dirty="0" err="1">
+                <a:solidFill>
+                  <a:schemeClr val="tx1"/>
+                </a:solidFill>
+                <a:latin typeface="Montserrat" panose="00000500000000000000" pitchFamily="2" charset="0"/>
+              </a:rPr>
+              <a:t>EvoTreeRegressor</a:t>
+            </a:r>
+            <a:r>
+              <a:rPr lang="fr-CA" dirty="0">
+                <a:solidFill>
+                  <a:schemeClr val="tx1"/>
+                </a:solidFill>
+                <a:latin typeface="Montserrat" panose="00000500000000000000" pitchFamily="2" charset="0"/>
+              </a:rPr>
+              <a:t>(</a:t>
+            </a:r>
+          </a:p>
+          <a:p>
+            <a:r>
+              <a:rPr lang="fr-CA" dirty="0">
+                <a:solidFill>
+                  <a:schemeClr val="tx1"/>
+                </a:solidFill>
+                <a:latin typeface="Montserrat" panose="00000500000000000000" pitchFamily="2" charset="0"/>
+              </a:rPr>
+              <a:t>	</a:t>
+            </a:r>
+            <a:r>
+              <a:rPr lang="fr-CA" b="1" dirty="0" err="1">
+                <a:solidFill>
+                  <a:srgbClr val="4571A5"/>
+                </a:solidFill>
+                <a:latin typeface="Montserrat" panose="00000500000000000000" pitchFamily="2" charset="0"/>
+              </a:rPr>
+              <a:t>tree_type</a:t>
+            </a:r>
+            <a:r>
+              <a:rPr lang="fr-CA" b="1" dirty="0">
+                <a:solidFill>
+                  <a:srgbClr val="4571A5"/>
+                </a:solidFill>
+                <a:latin typeface="Montserrat" panose="00000500000000000000" pitchFamily="2" charset="0"/>
+              </a:rPr>
+              <a:t> = :</a:t>
+            </a:r>
+            <a:r>
+              <a:rPr lang="fr-CA" b="1" dirty="0" err="1">
+                <a:solidFill>
+                  <a:srgbClr val="4571A5"/>
+                </a:solidFill>
+                <a:latin typeface="Montserrat" panose="00000500000000000000" pitchFamily="2" charset="0"/>
+              </a:rPr>
+              <a:t>oblivious</a:t>
+            </a:r>
+            <a:r>
+              <a:rPr lang="fr-CA" dirty="0">
+                <a:solidFill>
+                  <a:schemeClr val="tx1"/>
+                </a:solidFill>
+                <a:latin typeface="Montserrat" panose="00000500000000000000" pitchFamily="2" charset="0"/>
+              </a:rPr>
+              <a:t>,</a:t>
+            </a:r>
+          </a:p>
+          <a:p>
+            <a:r>
+              <a:rPr lang="fr-CA" dirty="0">
+                <a:solidFill>
+                  <a:schemeClr val="tx1"/>
+                </a:solidFill>
+                <a:latin typeface="Montserrat" panose="00000500000000000000" pitchFamily="2" charset="0"/>
+              </a:rPr>
+              <a:t>	</a:t>
+            </a:r>
+            <a:r>
+              <a:rPr lang="fr-CA" dirty="0" err="1">
+                <a:solidFill>
+                  <a:schemeClr val="tx1"/>
+                </a:solidFill>
+                <a:latin typeface="Montserrat" panose="00000500000000000000" pitchFamily="2" charset="0"/>
+              </a:rPr>
+              <a:t>kwargs</a:t>
+            </a:r>
+            <a:r>
+              <a:rPr lang="fr-CA" dirty="0">
+                <a:solidFill>
+                  <a:schemeClr val="tx1"/>
+                </a:solidFill>
+                <a:latin typeface="Montserrat" panose="00000500000000000000" pitchFamily="2" charset="0"/>
+              </a:rPr>
+              <a:t>…</a:t>
+            </a:r>
+          </a:p>
+          <a:p>
+            <a:r>
+              <a:rPr lang="fr-CA" dirty="0">
+                <a:solidFill>
+                  <a:schemeClr val="tx1"/>
+                </a:solidFill>
+                <a:latin typeface="Montserrat" panose="00000500000000000000" pitchFamily="2" charset="0"/>
+              </a:rPr>
+              <a:t>)</a:t>
+            </a:r>
+            <a:endParaRPr lang="en-CA" sz="1400" dirty="0">
+              <a:solidFill>
+                <a:schemeClr val="tx1"/>
+              </a:solidFill>
+              <a:latin typeface="Montserrat" panose="00000500000000000000" pitchFamily="2" charset="0"/>
+            </a:endParaRPr>
+          </a:p>
+          <a:p>
+            <a:endParaRPr lang="en-CA" dirty="0">
+              <a:solidFill>
+                <a:schemeClr val="tx1"/>
+              </a:solidFill>
+              <a:latin typeface="Montserrat" panose="00000500000000000000" pitchFamily="2" charset="0"/>
+            </a:endParaRPr>
+          </a:p>
+        </p:txBody>
+      </p:sp>
+      <p:sp>
+        <p:nvSpPr>
+          <p:cNvPr id="53" name="Rectangle 52">
+            <a:extLst>
+              <a:ext uri="{FF2B5EF4-FFF2-40B4-BE49-F238E27FC236}">
+                <a16:creationId xmlns:a16="http://schemas.microsoft.com/office/drawing/2014/main" id="{DEDE7221-DA05-7C18-5EAC-69AD87340CD5}"/>
+              </a:ext>
+            </a:extLst>
+          </p:cNvPr>
+          <p:cNvSpPr/>
+          <p:nvPr/>
+        </p:nvSpPr>
+        <p:spPr>
+          <a:xfrm>
+            <a:off x="242556" y="1256553"/>
+            <a:ext cx="3961417" cy="4344894"/>
+          </a:xfrm>
+          <a:prstGeom prst="rect">
+            <a:avLst/>
+          </a:prstGeom>
+          <a:solidFill>
+            <a:srgbClr val="F9F9F9"/>
+          </a:solidFill>
+          <a:ln>
+            <a:noFill/>
+          </a:ln>
+        </p:spPr>
+        <p:style>
+          <a:lnRef idx="2">
+            <a:schemeClr val="accent1">
+              <a:shade val="15000"/>
+            </a:schemeClr>
+          </a:lnRef>
+          <a:fillRef idx="1">
+            <a:schemeClr val="accent1"/>
+          </a:fillRef>
+          <a:effectRef idx="0">
+            <a:schemeClr val="accent1"/>
+          </a:effectRef>
+          <a:fontRef idx="minor">
+            <a:schemeClr val="lt1"/>
+          </a:fontRef>
+        </p:style>
+        <p:txBody>
+          <a:bodyPr rtlCol="0" anchor="t"/>
+          <a:lstStyle/>
+          <a:p>
+            <a:r>
+              <a:rPr lang="fr-CA" sz="2400" dirty="0" err="1">
+                <a:solidFill>
+                  <a:schemeClr val="tx1"/>
+                </a:solidFill>
+                <a:latin typeface="Montserrat" panose="00000500000000000000" pitchFamily="2" charset="0"/>
+              </a:rPr>
+              <a:t>Binary</a:t>
+            </a:r>
+            <a:endParaRPr lang="fr-CA" sz="2400" dirty="0">
+              <a:solidFill>
+                <a:schemeClr val="tx1"/>
+              </a:solidFill>
+              <a:latin typeface="Montserrat" panose="00000500000000000000" pitchFamily="2" charset="0"/>
+            </a:endParaRPr>
+          </a:p>
+          <a:p>
+            <a:endParaRPr lang="fr-CA" sz="2400" dirty="0">
+              <a:solidFill>
+                <a:schemeClr val="tx1"/>
+              </a:solidFill>
+              <a:latin typeface="Montserrat" panose="00000500000000000000" pitchFamily="2" charset="0"/>
+            </a:endParaRPr>
+          </a:p>
+          <a:p>
+            <a:endParaRPr lang="fr-CA" sz="2400" dirty="0">
+              <a:solidFill>
+                <a:schemeClr val="tx1"/>
+              </a:solidFill>
+              <a:latin typeface="Montserrat" panose="00000500000000000000" pitchFamily="2" charset="0"/>
+            </a:endParaRPr>
+          </a:p>
+          <a:p>
+            <a:endParaRPr lang="fr-CA" sz="2400" dirty="0">
+              <a:solidFill>
+                <a:schemeClr val="tx1"/>
+              </a:solidFill>
+              <a:latin typeface="Montserrat" panose="00000500000000000000" pitchFamily="2" charset="0"/>
+            </a:endParaRPr>
+          </a:p>
+          <a:p>
+            <a:endParaRPr lang="fr-CA" sz="2400" dirty="0">
+              <a:solidFill>
+                <a:schemeClr val="tx1"/>
+              </a:solidFill>
+              <a:latin typeface="Montserrat" panose="00000500000000000000" pitchFamily="2" charset="0"/>
+            </a:endParaRPr>
+          </a:p>
+          <a:p>
+            <a:endParaRPr lang="fr-CA" sz="2400" dirty="0">
+              <a:solidFill>
+                <a:schemeClr val="tx1"/>
+              </a:solidFill>
+              <a:latin typeface="Montserrat" panose="00000500000000000000" pitchFamily="2" charset="0"/>
+            </a:endParaRPr>
+          </a:p>
+          <a:p>
+            <a:endParaRPr lang="fr-CA" sz="2400" dirty="0">
+              <a:solidFill>
+                <a:schemeClr val="tx1"/>
+              </a:solidFill>
+              <a:latin typeface="Montserrat" panose="00000500000000000000" pitchFamily="2" charset="0"/>
+            </a:endParaRPr>
+          </a:p>
+          <a:p>
+            <a:endParaRPr lang="fr-CA" sz="2400" dirty="0">
+              <a:solidFill>
+                <a:schemeClr val="tx1"/>
+              </a:solidFill>
+              <a:latin typeface="Montserrat" panose="00000500000000000000" pitchFamily="2" charset="0"/>
+            </a:endParaRPr>
+          </a:p>
+          <a:p>
+            <a:r>
+              <a:rPr lang="fr-CA" sz="1600" b="1" dirty="0" err="1">
+                <a:solidFill>
+                  <a:schemeClr val="tx1"/>
+                </a:solidFill>
+                <a:latin typeface="Montserrat" panose="00000500000000000000" pitchFamily="2" charset="0"/>
+              </a:rPr>
+              <a:t>EvoTreeRegressor</a:t>
+            </a:r>
+            <a:r>
+              <a:rPr lang="fr-CA" sz="1600" dirty="0">
+                <a:solidFill>
+                  <a:schemeClr val="tx1"/>
+                </a:solidFill>
+                <a:latin typeface="Montserrat" panose="00000500000000000000" pitchFamily="2" charset="0"/>
+              </a:rPr>
+              <a:t>(</a:t>
+            </a:r>
+          </a:p>
+          <a:p>
+            <a:r>
+              <a:rPr lang="fr-CA" sz="1600" dirty="0">
+                <a:solidFill>
+                  <a:schemeClr val="tx1"/>
+                </a:solidFill>
+                <a:latin typeface="Montserrat" panose="00000500000000000000" pitchFamily="2" charset="0"/>
+              </a:rPr>
+              <a:t>	</a:t>
+            </a:r>
+            <a:r>
+              <a:rPr lang="fr-CA" sz="1600" b="1" dirty="0" err="1">
+                <a:solidFill>
+                  <a:srgbClr val="4571A5"/>
+                </a:solidFill>
+                <a:latin typeface="Montserrat" panose="00000500000000000000" pitchFamily="2" charset="0"/>
+              </a:rPr>
+              <a:t>tree_type</a:t>
+            </a:r>
+            <a:r>
+              <a:rPr lang="fr-CA" sz="1600" b="1" dirty="0">
+                <a:solidFill>
+                  <a:srgbClr val="4571A5"/>
+                </a:solidFill>
+                <a:latin typeface="Montserrat" panose="00000500000000000000" pitchFamily="2" charset="0"/>
+              </a:rPr>
+              <a:t> = :</a:t>
+            </a:r>
+            <a:r>
+              <a:rPr lang="fr-CA" sz="1600" b="1" dirty="0" err="1">
+                <a:solidFill>
+                  <a:srgbClr val="4571A5"/>
+                </a:solidFill>
+                <a:latin typeface="Montserrat" panose="00000500000000000000" pitchFamily="2" charset="0"/>
+              </a:rPr>
+              <a:t>binary</a:t>
+            </a:r>
+            <a:r>
+              <a:rPr lang="fr-CA" sz="1600" dirty="0">
+                <a:solidFill>
+                  <a:schemeClr val="tx1"/>
+                </a:solidFill>
+                <a:latin typeface="Montserrat" panose="00000500000000000000" pitchFamily="2" charset="0"/>
+              </a:rPr>
+              <a:t>,</a:t>
+            </a:r>
+          </a:p>
+          <a:p>
+            <a:r>
+              <a:rPr lang="fr-CA" sz="1600" dirty="0">
+                <a:solidFill>
+                  <a:schemeClr val="tx1"/>
+                </a:solidFill>
+                <a:latin typeface="Montserrat" panose="00000500000000000000" pitchFamily="2" charset="0"/>
+              </a:rPr>
+              <a:t>	</a:t>
+            </a:r>
+            <a:r>
+              <a:rPr lang="fr-CA" sz="1600" dirty="0" err="1">
+                <a:solidFill>
+                  <a:schemeClr val="tx1"/>
+                </a:solidFill>
+                <a:latin typeface="Montserrat" panose="00000500000000000000" pitchFamily="2" charset="0"/>
+              </a:rPr>
+              <a:t>kwargs</a:t>
+            </a:r>
+            <a:r>
+              <a:rPr lang="fr-CA" sz="1600" dirty="0">
+                <a:solidFill>
+                  <a:schemeClr val="tx1"/>
+                </a:solidFill>
+                <a:latin typeface="Montserrat" panose="00000500000000000000" pitchFamily="2" charset="0"/>
+              </a:rPr>
+              <a:t>…</a:t>
+            </a:r>
+          </a:p>
+          <a:p>
+            <a:r>
+              <a:rPr lang="fr-CA" sz="1600" dirty="0">
+                <a:solidFill>
+                  <a:schemeClr val="tx1"/>
+                </a:solidFill>
+                <a:latin typeface="Montserrat" panose="00000500000000000000" pitchFamily="2" charset="0"/>
+              </a:rPr>
+              <a:t>)</a:t>
+            </a:r>
+            <a:endParaRPr lang="en-CA" sz="1200" dirty="0">
+              <a:solidFill>
+                <a:schemeClr val="tx1"/>
+              </a:solidFill>
+              <a:latin typeface="Montserrat" panose="00000500000000000000" pitchFamily="2" charset="0"/>
+            </a:endParaRPr>
+          </a:p>
+        </p:txBody>
+      </p:sp>
+      <p:sp>
+        <p:nvSpPr>
           <p:cNvPr id="32" name="Rectangle 31">
             <a:extLst>
               <a:ext uri="{FF2B5EF4-FFF2-40B4-BE49-F238E27FC236}">
-                <a16:creationId xmlns:a16="http://schemas.microsoft.com/office/drawing/2014/main" id="{7905C00E-039C-BEF7-124A-3241B43A541A}"/>
+                <a16:creationId xmlns:a16="http://schemas.microsoft.com/office/drawing/2014/main" id="{047141F7-0575-1C2E-CEF8-5970F080B200}"/>
               </a:ext>
             </a:extLst>
           </p:cNvPr>
@@ -5806,7 +6500,7 @@
           <p:cNvPr id="10" name="Picture 9">
             <a:extLst>
               <a:ext uri="{FF2B5EF4-FFF2-40B4-BE49-F238E27FC236}">
-                <a16:creationId xmlns:a16="http://schemas.microsoft.com/office/drawing/2014/main" id="{6BEC7FCB-D93A-BF08-CC40-9D8A22FB1493}"/>
+                <a16:creationId xmlns:a16="http://schemas.microsoft.com/office/drawing/2014/main" id="{750F7CD6-E752-5095-6DFD-ED1C0CB4D18D}"/>
               </a:ext>
             </a:extLst>
           </p:cNvPr>
@@ -5846,7 +6540,7 @@
           <p:cNvPr id="5" name="Slide Number Placeholder 4">
             <a:extLst>
               <a:ext uri="{FF2B5EF4-FFF2-40B4-BE49-F238E27FC236}">
-                <a16:creationId xmlns:a16="http://schemas.microsoft.com/office/drawing/2014/main" id="{F8A8D542-5F3D-B2E7-143B-4AAF0E8D4111}"/>
+                <a16:creationId xmlns:a16="http://schemas.microsoft.com/office/drawing/2014/main" id="{6222D8BF-624E-1C31-A4E4-AECE4AD3D795}"/>
               </a:ext>
             </a:extLst>
           </p:cNvPr>
@@ -5879,7 +6573,7 @@
           <p:cNvPr id="14" name="Title 1">
             <a:extLst>
               <a:ext uri="{FF2B5EF4-FFF2-40B4-BE49-F238E27FC236}">
-                <a16:creationId xmlns:a16="http://schemas.microsoft.com/office/drawing/2014/main" id="{F9E31559-F648-172D-8FC0-2E3C33258A6B}"/>
+                <a16:creationId xmlns:a16="http://schemas.microsoft.com/office/drawing/2014/main" id="{3456A1CE-D7B1-F8D3-3D96-F7766BE357A6}"/>
               </a:ext>
             </a:extLst>
           </p:cNvPr>
@@ -5906,252 +6600,1395 @@
           <a:lstStyle/>
           <a:p>
             <a:r>
-              <a:rPr lang="fr-CA" sz="3200" dirty="0" err="1">
+              <a:rPr lang="en-CA" sz="3200" dirty="0">
                 <a:latin typeface="Montserrat" panose="00000500000000000000" pitchFamily="2" charset="0"/>
                 <a:ea typeface="Yu Gothic UI Light" panose="020B0300000000000000" pitchFamily="34" charset="-128"/>
               </a:rPr>
-              <a:t>Loss</a:t>
-            </a:r>
-            <a:r>
-              <a:rPr lang="fr-CA" sz="3200" dirty="0">
-                <a:latin typeface="Montserrat" panose="00000500000000000000" pitchFamily="2" charset="0"/>
-                <a:ea typeface="Yu Gothic UI Light" panose="020B0300000000000000" pitchFamily="34" charset="-128"/>
-              </a:rPr>
-              <a:t> </a:t>
-            </a:r>
-            <a:r>
-              <a:rPr lang="fr-CA" sz="3200" dirty="0" err="1">
-                <a:latin typeface="Montserrat" panose="00000500000000000000" pitchFamily="2" charset="0"/>
-                <a:ea typeface="Yu Gothic UI Light" panose="020B0300000000000000" pitchFamily="34" charset="-128"/>
-              </a:rPr>
-              <a:t>Without</a:t>
-            </a:r>
-            <a:r>
-              <a:rPr lang="fr-CA" sz="3200" dirty="0">
-                <a:latin typeface="Montserrat" panose="00000500000000000000" pitchFamily="2" charset="0"/>
-                <a:ea typeface="Yu Gothic UI Light" panose="020B0300000000000000" pitchFamily="34" charset="-128"/>
-              </a:rPr>
-              <a:t> Gradients - MAE</a:t>
-            </a:r>
-            <a:endParaRPr lang="en-CA" sz="3200" dirty="0">
-              <a:latin typeface="Montserrat" panose="00000500000000000000" pitchFamily="2" charset="0"/>
-              <a:ea typeface="Yu Gothic UI Light" panose="020B0300000000000000" pitchFamily="34" charset="-128"/>
-            </a:endParaRPr>
+              <a:t>Oblivious Tree Structure</a:t>
+            </a:r>
           </a:p>
         </p:txBody>
       </p:sp>
       <p:sp>
         <p:nvSpPr>
-          <p:cNvPr id="12" name="TextBox 11">
+          <p:cNvPr id="2" name="Rectangle 1">
             <a:extLst>
               <a:ext uri="{FF2B5EF4-FFF2-40B4-BE49-F238E27FC236}">
-                <a16:creationId xmlns:a16="http://schemas.microsoft.com/office/drawing/2014/main" id="{63396FF4-C9D2-2FCE-8C08-70ACC2F18A5C}"/>
+                <a16:creationId xmlns:a16="http://schemas.microsoft.com/office/drawing/2014/main" id="{D1D3709E-E2A5-A24F-231F-EE269F5D24E6}"/>
               </a:ext>
             </a:extLst>
           </p:cNvPr>
-          <p:cNvSpPr txBox="1"/>
+          <p:cNvSpPr/>
           <p:nvPr/>
         </p:nvSpPr>
         <p:spPr>
           <a:xfrm>
-            <a:off x="281616" y="3983596"/>
-            <a:ext cx="8157160" cy="2308324"/>
+            <a:off x="1814306" y="1882389"/>
+            <a:ext cx="823526" cy="416428"/>
           </a:xfrm>
           <a:prstGeom prst="rect">
             <a:avLst/>
           </a:prstGeom>
-          <a:noFill/>
+          <a:solidFill>
+            <a:srgbClr val="7D568A"/>
+          </a:solidFill>
+          <a:ln>
+            <a:noFill/>
+          </a:ln>
         </p:spPr>
+        <p:style>
+          <a:lnRef idx="2">
+            <a:schemeClr val="accent1">
+              <a:shade val="15000"/>
+            </a:schemeClr>
+          </a:lnRef>
+          <a:fillRef idx="1">
+            <a:schemeClr val="accent1"/>
+          </a:fillRef>
+          <a:effectRef idx="0">
+            <a:schemeClr val="accent1"/>
+          </a:effectRef>
+          <a:fontRef idx="minor">
+            <a:schemeClr val="lt1"/>
+          </a:fontRef>
+        </p:style>
         <p:txBody>
-          <a:bodyPr wrap="square" rtlCol="0">
-            <a:spAutoFit/>
-          </a:bodyPr>
+          <a:bodyPr rtlCol="0" anchor="ctr"/>
           <a:lstStyle/>
           <a:p>
-            <a:r>
-              <a:rPr lang="fr-CA" sz="1600" dirty="0"/>
-              <a:t>Are the 2 first moments </a:t>
-            </a:r>
-            <a:r>
-              <a:rPr lang="fr-CA" sz="1600" dirty="0" err="1"/>
-              <a:t>needed</a:t>
-            </a:r>
-            <a:r>
-              <a:rPr lang="fr-CA" sz="1600" dirty="0"/>
-              <a:t> if all </a:t>
-            </a:r>
-            <a:r>
-              <a:rPr lang="fr-CA" sz="1600" dirty="0" err="1"/>
-              <a:t>we</a:t>
-            </a:r>
-            <a:r>
-              <a:rPr lang="fr-CA" sz="1600" dirty="0"/>
-              <a:t> </a:t>
-            </a:r>
-            <a:r>
-              <a:rPr lang="fr-CA" sz="1600" dirty="0" err="1"/>
-              <a:t>want</a:t>
-            </a:r>
-            <a:r>
-              <a:rPr lang="fr-CA" sz="1600" dirty="0"/>
-              <a:t> </a:t>
-            </a:r>
-            <a:r>
-              <a:rPr lang="fr-CA" sz="1600" dirty="0" err="1"/>
-              <a:t>is</a:t>
-            </a:r>
-            <a:r>
-              <a:rPr lang="fr-CA" sz="1600" dirty="0"/>
-              <a:t> to move </a:t>
-            </a:r>
-            <a:r>
-              <a:rPr lang="fr-CA" sz="1600" dirty="0" err="1"/>
-              <a:t>prediction</a:t>
-            </a:r>
-            <a:r>
-              <a:rPr lang="fr-CA" sz="1600" dirty="0"/>
-              <a:t> </a:t>
-            </a:r>
-            <a:r>
-              <a:rPr lang="fr-CA" sz="1600" dirty="0" err="1"/>
-              <a:t>towards</a:t>
-            </a:r>
-            <a:r>
-              <a:rPr lang="fr-CA" sz="1600" dirty="0"/>
-              <a:t> the </a:t>
-            </a:r>
-            <a:r>
-              <a:rPr lang="fr-CA" sz="1600" dirty="0" err="1"/>
-              <a:t>mean</a:t>
-            </a:r>
-            <a:r>
-              <a:rPr lang="fr-CA" sz="1600" dirty="0"/>
-              <a:t>?</a:t>
-            </a:r>
-          </a:p>
-          <a:p>
-            <a:endParaRPr lang="en-CA" sz="1600" dirty="0"/>
-          </a:p>
-          <a:p>
-            <a:r>
-              <a:rPr lang="en-CA" sz="1600" dirty="0"/>
-              <a:t>Alternative perspective for tree-split gain: any metric derived from histogram statistics. </a:t>
-            </a:r>
-          </a:p>
-          <a:p>
-            <a:r>
-              <a:rPr lang="en-CA" sz="1600" dirty="0"/>
-              <a:t>For </a:t>
-            </a:r>
-            <a:r>
-              <a:rPr lang="en-CA" sz="1600" i="1" dirty="0"/>
-              <a:t>MAE proxy:</a:t>
-            </a:r>
-            <a:r>
-              <a:rPr lang="en-CA" sz="1600" dirty="0"/>
-              <a:t> gain = sum of absolute change in predicted value.</a:t>
-            </a:r>
-          </a:p>
-          <a:p>
-            <a:endParaRPr lang="en-CA" sz="1600" dirty="0"/>
-          </a:p>
-          <a:p>
-            <a:r>
-              <a:rPr lang="en-CA" sz="1600" dirty="0"/>
-              <a:t>A single metric is needed, the residual: </a:t>
-            </a:r>
-            <a:r>
-              <a:rPr lang="en-CA" sz="1600" b="1" i="1" dirty="0"/>
-              <a:t>target - pred</a:t>
-            </a:r>
-          </a:p>
-          <a:p>
-            <a:endParaRPr lang="en-CA" sz="1600" dirty="0"/>
-          </a:p>
-          <a:p>
-            <a:r>
-              <a:rPr lang="en-CA" sz="1600" dirty="0"/>
-              <a:t>Cannot work beyond depth 2 without a trick gain valuation: gains need to be derived from the context of the parent node statistics.</a:t>
-            </a:r>
+            <a:pPr algn="ctr"/>
+            <a:r>
+              <a:rPr lang="fr-CA" sz="1200" dirty="0"/>
+              <a:t>feat-3</a:t>
+            </a:r>
+          </a:p>
+          <a:p>
+            <a:pPr algn="ctr"/>
+            <a:r>
+              <a:rPr lang="fr-CA" sz="1200" dirty="0"/>
+              <a:t>&lt;= 1.23</a:t>
+            </a:r>
+            <a:endParaRPr lang="en-CA" sz="1200" dirty="0"/>
           </a:p>
         </p:txBody>
       </p:sp>
-      <p:pic>
-        <p:nvPicPr>
-          <p:cNvPr id="3" name="Picture 2">
+      <p:sp>
+        <p:nvSpPr>
+          <p:cNvPr id="4" name="Rectangle 3">
             <a:extLst>
               <a:ext uri="{FF2B5EF4-FFF2-40B4-BE49-F238E27FC236}">
-                <a16:creationId xmlns:a16="http://schemas.microsoft.com/office/drawing/2014/main" id="{4C903B53-A1AA-41CC-B4CA-CE8BB41C369E}"/>
+                <a16:creationId xmlns:a16="http://schemas.microsoft.com/office/drawing/2014/main" id="{DD9FF057-A878-1965-A5FD-1D09222B5698}"/>
               </a:ext>
             </a:extLst>
           </p:cNvPr>
-          <p:cNvPicPr>
-            <a:picLocks noChangeAspect="1"/>
-          </p:cNvPicPr>
+          <p:cNvSpPr/>
           <p:nvPr/>
-        </p:nvPicPr>
-        <p:blipFill>
-          <a:blip r:embed="rId8">
-            <a:extLst>
-              <a:ext uri="{28A0092B-C50C-407E-A947-70E740481C1C}">
-                <a14:useLocalDpi xmlns:a14="http://schemas.microsoft.com/office/drawing/2010/main" val="0"/>
-              </a:ext>
-            </a:extLst>
-          </a:blip>
-          <a:stretch>
-            <a:fillRect/>
-          </a:stretch>
-        </p:blipFill>
+        </p:nvSpPr>
         <p:spPr>
           <a:xfrm>
-            <a:off x="281616" y="1133361"/>
-            <a:ext cx="3800314" cy="2850235"/>
+            <a:off x="990781" y="2602234"/>
+            <a:ext cx="823526" cy="416428"/>
           </a:xfrm>
           <a:prstGeom prst="rect">
             <a:avLst/>
           </a:prstGeom>
+          <a:solidFill>
+            <a:srgbClr val="26A671"/>
+          </a:solidFill>
+          <a:ln>
+            <a:noFill/>
+          </a:ln>
         </p:spPr>
-      </p:pic>
-      <p:pic>
-        <p:nvPicPr>
-          <p:cNvPr id="7" name="Picture 6">
+        <p:style>
+          <a:lnRef idx="2">
+            <a:schemeClr val="accent1">
+              <a:shade val="15000"/>
+            </a:schemeClr>
+          </a:lnRef>
+          <a:fillRef idx="1">
+            <a:schemeClr val="accent1"/>
+          </a:fillRef>
+          <a:effectRef idx="0">
+            <a:schemeClr val="accent1"/>
+          </a:effectRef>
+          <a:fontRef idx="minor">
+            <a:schemeClr val="lt1"/>
+          </a:fontRef>
+        </p:style>
+        <p:txBody>
+          <a:bodyPr rtlCol="0" anchor="ctr"/>
+          <a:lstStyle/>
+          <a:p>
+            <a:pPr algn="ctr"/>
+            <a:r>
+              <a:rPr lang="fr-CA" sz="1200" dirty="0"/>
+              <a:t>feat-1</a:t>
+            </a:r>
+          </a:p>
+          <a:p>
+            <a:pPr algn="ctr"/>
+            <a:r>
+              <a:rPr lang="fr-CA" sz="1200" dirty="0"/>
+              <a:t>&lt;= 1.23</a:t>
+            </a:r>
+            <a:endParaRPr lang="en-CA" sz="1200" dirty="0"/>
+          </a:p>
+        </p:txBody>
+      </p:sp>
+      <p:sp>
+        <p:nvSpPr>
+          <p:cNvPr id="6" name="Rectangle 5">
             <a:extLst>
               <a:ext uri="{FF2B5EF4-FFF2-40B4-BE49-F238E27FC236}">
-                <a16:creationId xmlns:a16="http://schemas.microsoft.com/office/drawing/2014/main" id="{CC2E6C6B-E79E-29E8-7591-1757FC775071}"/>
+                <a16:creationId xmlns:a16="http://schemas.microsoft.com/office/drawing/2014/main" id="{CF2A0236-1D81-D374-66AD-8417CC4C6942}"/>
               </a:ext>
             </a:extLst>
           </p:cNvPr>
-          <p:cNvPicPr>
-            <a:picLocks noChangeAspect="1"/>
-          </p:cNvPicPr>
+          <p:cNvSpPr/>
           <p:nvPr/>
-        </p:nvPicPr>
-        <p:blipFill>
-          <a:blip r:embed="rId9">
-            <a:extLst>
-              <a:ext uri="{28A0092B-C50C-407E-A947-70E740481C1C}">
-                <a14:useLocalDpi xmlns:a14="http://schemas.microsoft.com/office/drawing/2010/main" val="0"/>
-              </a:ext>
-            </a:extLst>
-          </a:blip>
-          <a:stretch>
-            <a:fillRect/>
-          </a:stretch>
-        </p:blipFill>
+        </p:nvSpPr>
         <p:spPr>
           <a:xfrm>
-            <a:off x="4638462" y="1133361"/>
-            <a:ext cx="3800314" cy="2850235"/>
+            <a:off x="2637832" y="2602234"/>
+            <a:ext cx="823526" cy="416428"/>
           </a:xfrm>
           <a:prstGeom prst="rect">
             <a:avLst/>
           </a:prstGeom>
+          <a:solidFill>
+            <a:srgbClr val="E5616C"/>
+          </a:solidFill>
+          <a:ln>
+            <a:noFill/>
+          </a:ln>
         </p:spPr>
-      </p:pic>
+        <p:style>
+          <a:lnRef idx="2">
+            <a:schemeClr val="accent1">
+              <a:shade val="15000"/>
+            </a:schemeClr>
+          </a:lnRef>
+          <a:fillRef idx="1">
+            <a:schemeClr val="accent1"/>
+          </a:fillRef>
+          <a:effectRef idx="0">
+            <a:schemeClr val="accent1"/>
+          </a:effectRef>
+          <a:fontRef idx="minor">
+            <a:schemeClr val="lt1"/>
+          </a:fontRef>
+        </p:style>
+        <p:txBody>
+          <a:bodyPr rtlCol="0" anchor="ctr"/>
+          <a:lstStyle/>
+          <a:p>
+            <a:pPr algn="ctr"/>
+            <a:r>
+              <a:rPr lang="fr-CA" sz="1200" dirty="0"/>
+              <a:t>feat-3</a:t>
+            </a:r>
+          </a:p>
+          <a:p>
+            <a:pPr algn="ctr"/>
+            <a:r>
+              <a:rPr lang="fr-CA" sz="1200" dirty="0"/>
+              <a:t>&lt;= 4.56</a:t>
+            </a:r>
+            <a:endParaRPr lang="en-CA" sz="1200" dirty="0"/>
+          </a:p>
+        </p:txBody>
+      </p:sp>
+      <p:sp>
+        <p:nvSpPr>
+          <p:cNvPr id="7" name="Rectangle 6">
+            <a:extLst>
+              <a:ext uri="{FF2B5EF4-FFF2-40B4-BE49-F238E27FC236}">
+                <a16:creationId xmlns:a16="http://schemas.microsoft.com/office/drawing/2014/main" id="{D3B8A206-0C81-C537-77C2-44356360373E}"/>
+              </a:ext>
+            </a:extLst>
+          </p:cNvPr>
+          <p:cNvSpPr/>
+          <p:nvPr/>
+        </p:nvSpPr>
+        <p:spPr>
+          <a:xfrm>
+            <a:off x="603139" y="3319507"/>
+            <a:ext cx="675174" cy="416428"/>
+          </a:xfrm>
+          <a:prstGeom prst="rect">
+            <a:avLst/>
+          </a:prstGeom>
+          <a:solidFill>
+            <a:srgbClr val="C9CCD1"/>
+          </a:solidFill>
+          <a:ln>
+            <a:noFill/>
+          </a:ln>
+        </p:spPr>
+        <p:style>
+          <a:lnRef idx="2">
+            <a:schemeClr val="accent1">
+              <a:shade val="15000"/>
+            </a:schemeClr>
+          </a:lnRef>
+          <a:fillRef idx="1">
+            <a:schemeClr val="accent1"/>
+          </a:fillRef>
+          <a:effectRef idx="0">
+            <a:schemeClr val="accent1"/>
+          </a:effectRef>
+          <a:fontRef idx="minor">
+            <a:schemeClr val="lt1"/>
+          </a:fontRef>
+        </p:style>
+        <p:txBody>
+          <a:bodyPr rtlCol="0" anchor="ctr"/>
+          <a:lstStyle/>
+          <a:p>
+            <a:pPr algn="ctr"/>
+            <a:r>
+              <a:rPr lang="fr-CA" sz="1200" dirty="0"/>
+              <a:t>leaf-1</a:t>
+            </a:r>
+            <a:endParaRPr lang="en-CA" sz="1200" dirty="0"/>
+          </a:p>
+        </p:txBody>
+      </p:sp>
+      <p:sp>
+        <p:nvSpPr>
+          <p:cNvPr id="8" name="Rectangle 7">
+            <a:extLst>
+              <a:ext uri="{FF2B5EF4-FFF2-40B4-BE49-F238E27FC236}">
+                <a16:creationId xmlns:a16="http://schemas.microsoft.com/office/drawing/2014/main" id="{D68D0AC8-B4AA-33E8-9C31-7D01E04B7428}"/>
+              </a:ext>
+            </a:extLst>
+          </p:cNvPr>
+          <p:cNvSpPr/>
+          <p:nvPr/>
+        </p:nvSpPr>
+        <p:spPr>
+          <a:xfrm>
+            <a:off x="1451692" y="3325990"/>
+            <a:ext cx="675174" cy="416428"/>
+          </a:xfrm>
+          <a:prstGeom prst="rect">
+            <a:avLst/>
+          </a:prstGeom>
+          <a:solidFill>
+            <a:srgbClr val="C9CCD1"/>
+          </a:solidFill>
+          <a:ln>
+            <a:noFill/>
+          </a:ln>
+        </p:spPr>
+        <p:style>
+          <a:lnRef idx="2">
+            <a:schemeClr val="accent1">
+              <a:shade val="15000"/>
+            </a:schemeClr>
+          </a:lnRef>
+          <a:fillRef idx="1">
+            <a:schemeClr val="accent1"/>
+          </a:fillRef>
+          <a:effectRef idx="0">
+            <a:schemeClr val="accent1"/>
+          </a:effectRef>
+          <a:fontRef idx="minor">
+            <a:schemeClr val="lt1"/>
+          </a:fontRef>
+        </p:style>
+        <p:txBody>
+          <a:bodyPr rtlCol="0" anchor="ctr"/>
+          <a:lstStyle/>
+          <a:p>
+            <a:pPr algn="ctr"/>
+            <a:r>
+              <a:rPr lang="fr-CA" sz="1200" dirty="0"/>
+              <a:t>leaf-2</a:t>
+            </a:r>
+            <a:endParaRPr lang="en-CA" sz="1200" dirty="0"/>
+          </a:p>
+        </p:txBody>
+      </p:sp>
+      <p:sp>
+        <p:nvSpPr>
+          <p:cNvPr id="9" name="Rectangle 8">
+            <a:extLst>
+              <a:ext uri="{FF2B5EF4-FFF2-40B4-BE49-F238E27FC236}">
+                <a16:creationId xmlns:a16="http://schemas.microsoft.com/office/drawing/2014/main" id="{8C4BFB3C-6BE2-9EBE-EC6E-313668A01BF1}"/>
+              </a:ext>
+            </a:extLst>
+          </p:cNvPr>
+          <p:cNvSpPr/>
+          <p:nvPr/>
+        </p:nvSpPr>
+        <p:spPr>
+          <a:xfrm>
+            <a:off x="2300245" y="3325990"/>
+            <a:ext cx="675174" cy="416428"/>
+          </a:xfrm>
+          <a:prstGeom prst="rect">
+            <a:avLst/>
+          </a:prstGeom>
+          <a:solidFill>
+            <a:srgbClr val="C9CCD1"/>
+          </a:solidFill>
+          <a:ln>
+            <a:noFill/>
+          </a:ln>
+        </p:spPr>
+        <p:style>
+          <a:lnRef idx="2">
+            <a:schemeClr val="accent1">
+              <a:shade val="15000"/>
+            </a:schemeClr>
+          </a:lnRef>
+          <a:fillRef idx="1">
+            <a:schemeClr val="accent1"/>
+          </a:fillRef>
+          <a:effectRef idx="0">
+            <a:schemeClr val="accent1"/>
+          </a:effectRef>
+          <a:fontRef idx="minor">
+            <a:schemeClr val="lt1"/>
+          </a:fontRef>
+        </p:style>
+        <p:txBody>
+          <a:bodyPr rtlCol="0" anchor="ctr"/>
+          <a:lstStyle/>
+          <a:p>
+            <a:pPr algn="ctr"/>
+            <a:r>
+              <a:rPr lang="fr-CA" sz="1200" dirty="0"/>
+              <a:t>leaf-3</a:t>
+            </a:r>
+            <a:endParaRPr lang="en-CA" sz="1200" dirty="0"/>
+          </a:p>
+        </p:txBody>
+      </p:sp>
+      <p:sp>
+        <p:nvSpPr>
+          <p:cNvPr id="11" name="Rectangle 10">
+            <a:extLst>
+              <a:ext uri="{FF2B5EF4-FFF2-40B4-BE49-F238E27FC236}">
+                <a16:creationId xmlns:a16="http://schemas.microsoft.com/office/drawing/2014/main" id="{4A048460-EAF0-0971-20C5-BBD79D81C64F}"/>
+              </a:ext>
+            </a:extLst>
+          </p:cNvPr>
+          <p:cNvSpPr/>
+          <p:nvPr/>
+        </p:nvSpPr>
+        <p:spPr>
+          <a:xfrm>
+            <a:off x="3148798" y="3325990"/>
+            <a:ext cx="675174" cy="416428"/>
+          </a:xfrm>
+          <a:prstGeom prst="rect">
+            <a:avLst/>
+          </a:prstGeom>
+          <a:solidFill>
+            <a:srgbClr val="C9CCD1"/>
+          </a:solidFill>
+          <a:ln>
+            <a:noFill/>
+          </a:ln>
+        </p:spPr>
+        <p:style>
+          <a:lnRef idx="2">
+            <a:schemeClr val="accent1">
+              <a:shade val="15000"/>
+            </a:schemeClr>
+          </a:lnRef>
+          <a:fillRef idx="1">
+            <a:schemeClr val="accent1"/>
+          </a:fillRef>
+          <a:effectRef idx="0">
+            <a:schemeClr val="accent1"/>
+          </a:effectRef>
+          <a:fontRef idx="minor">
+            <a:schemeClr val="lt1"/>
+          </a:fontRef>
+        </p:style>
+        <p:txBody>
+          <a:bodyPr rtlCol="0" anchor="ctr"/>
+          <a:lstStyle/>
+          <a:p>
+            <a:pPr algn="ctr"/>
+            <a:r>
+              <a:rPr lang="fr-CA" sz="1200" dirty="0"/>
+              <a:t>leaf-4</a:t>
+            </a:r>
+            <a:endParaRPr lang="en-CA" sz="1200" dirty="0"/>
+          </a:p>
+        </p:txBody>
+      </p:sp>
+      <p:cxnSp>
+        <p:nvCxnSpPr>
+          <p:cNvPr id="21" name="Straight Arrow Connector 20">
+            <a:extLst>
+              <a:ext uri="{FF2B5EF4-FFF2-40B4-BE49-F238E27FC236}">
+                <a16:creationId xmlns:a16="http://schemas.microsoft.com/office/drawing/2014/main" id="{396EC668-EE88-333F-0AC6-DAF0ED4445E0}"/>
+              </a:ext>
+            </a:extLst>
+          </p:cNvPr>
+          <p:cNvCxnSpPr>
+            <a:stCxn id="2" idx="2"/>
+            <a:endCxn id="4" idx="0"/>
+          </p:cNvCxnSpPr>
+          <p:nvPr/>
+        </p:nvCxnSpPr>
+        <p:spPr>
+          <a:xfrm flipH="1">
+            <a:off x="1402544" y="2298817"/>
+            <a:ext cx="823525" cy="303417"/>
+          </a:xfrm>
+          <a:prstGeom prst="straightConnector1">
+            <a:avLst/>
+          </a:prstGeom>
+          <a:ln w="9525">
+            <a:solidFill>
+              <a:srgbClr val="454E56"/>
+            </a:solidFill>
+            <a:tailEnd type="triangle"/>
+          </a:ln>
+        </p:spPr>
+        <p:style>
+          <a:lnRef idx="1">
+            <a:schemeClr val="accent1"/>
+          </a:lnRef>
+          <a:fillRef idx="0">
+            <a:schemeClr val="accent1"/>
+          </a:fillRef>
+          <a:effectRef idx="0">
+            <a:schemeClr val="accent1"/>
+          </a:effectRef>
+          <a:fontRef idx="minor">
+            <a:schemeClr val="tx1"/>
+          </a:fontRef>
+        </p:style>
+      </p:cxnSp>
+      <p:cxnSp>
+        <p:nvCxnSpPr>
+          <p:cNvPr id="22" name="Straight Arrow Connector 21">
+            <a:extLst>
+              <a:ext uri="{FF2B5EF4-FFF2-40B4-BE49-F238E27FC236}">
+                <a16:creationId xmlns:a16="http://schemas.microsoft.com/office/drawing/2014/main" id="{37E9EFCA-AAA3-B448-403E-EE44BB8DF30A}"/>
+              </a:ext>
+            </a:extLst>
+          </p:cNvPr>
+          <p:cNvCxnSpPr>
+            <a:cxnSpLocks/>
+            <a:stCxn id="2" idx="2"/>
+            <a:endCxn id="6" idx="0"/>
+          </p:cNvCxnSpPr>
+          <p:nvPr/>
+        </p:nvCxnSpPr>
+        <p:spPr>
+          <a:xfrm>
+            <a:off x="2226069" y="2298817"/>
+            <a:ext cx="823526" cy="303417"/>
+          </a:xfrm>
+          <a:prstGeom prst="straightConnector1">
+            <a:avLst/>
+          </a:prstGeom>
+          <a:ln w="9525">
+            <a:solidFill>
+              <a:srgbClr val="454E56"/>
+            </a:solidFill>
+            <a:tailEnd type="triangle"/>
+          </a:ln>
+        </p:spPr>
+        <p:style>
+          <a:lnRef idx="1">
+            <a:schemeClr val="accent1"/>
+          </a:lnRef>
+          <a:fillRef idx="0">
+            <a:schemeClr val="accent1"/>
+          </a:fillRef>
+          <a:effectRef idx="0">
+            <a:schemeClr val="accent1"/>
+          </a:effectRef>
+          <a:fontRef idx="minor">
+            <a:schemeClr val="tx1"/>
+          </a:fontRef>
+        </p:style>
+      </p:cxnSp>
+      <p:cxnSp>
+        <p:nvCxnSpPr>
+          <p:cNvPr id="25" name="Straight Arrow Connector 24">
+            <a:extLst>
+              <a:ext uri="{FF2B5EF4-FFF2-40B4-BE49-F238E27FC236}">
+                <a16:creationId xmlns:a16="http://schemas.microsoft.com/office/drawing/2014/main" id="{283D0E71-1E8F-DD77-8E26-A5CC16B5A9F1}"/>
+              </a:ext>
+            </a:extLst>
+          </p:cNvPr>
+          <p:cNvCxnSpPr>
+            <a:cxnSpLocks/>
+            <a:stCxn id="6" idx="2"/>
+            <a:endCxn id="11" idx="0"/>
+          </p:cNvCxnSpPr>
+          <p:nvPr/>
+        </p:nvCxnSpPr>
+        <p:spPr>
+          <a:xfrm>
+            <a:off x="3049595" y="3018662"/>
+            <a:ext cx="436790" cy="307328"/>
+          </a:xfrm>
+          <a:prstGeom prst="straightConnector1">
+            <a:avLst/>
+          </a:prstGeom>
+          <a:ln w="9525">
+            <a:solidFill>
+              <a:srgbClr val="454E56"/>
+            </a:solidFill>
+            <a:tailEnd type="triangle"/>
+          </a:ln>
+        </p:spPr>
+        <p:style>
+          <a:lnRef idx="1">
+            <a:schemeClr val="accent1"/>
+          </a:lnRef>
+          <a:fillRef idx="0">
+            <a:schemeClr val="accent1"/>
+          </a:fillRef>
+          <a:effectRef idx="0">
+            <a:schemeClr val="accent1"/>
+          </a:effectRef>
+          <a:fontRef idx="minor">
+            <a:schemeClr val="tx1"/>
+          </a:fontRef>
+        </p:style>
+      </p:cxnSp>
+      <p:cxnSp>
+        <p:nvCxnSpPr>
+          <p:cNvPr id="28" name="Straight Arrow Connector 27">
+            <a:extLst>
+              <a:ext uri="{FF2B5EF4-FFF2-40B4-BE49-F238E27FC236}">
+                <a16:creationId xmlns:a16="http://schemas.microsoft.com/office/drawing/2014/main" id="{5B6EBE6E-4408-EAA1-1273-C0A8E1839312}"/>
+              </a:ext>
+            </a:extLst>
+          </p:cNvPr>
+          <p:cNvCxnSpPr>
+            <a:cxnSpLocks/>
+            <a:stCxn id="4" idx="2"/>
+            <a:endCxn id="7" idx="0"/>
+          </p:cNvCxnSpPr>
+          <p:nvPr/>
+        </p:nvCxnSpPr>
+        <p:spPr>
+          <a:xfrm flipH="1">
+            <a:off x="940726" y="3018662"/>
+            <a:ext cx="461818" cy="300845"/>
+          </a:xfrm>
+          <a:prstGeom prst="straightConnector1">
+            <a:avLst/>
+          </a:prstGeom>
+          <a:ln w="9525">
+            <a:solidFill>
+              <a:srgbClr val="454E56"/>
+            </a:solidFill>
+            <a:tailEnd type="triangle"/>
+          </a:ln>
+        </p:spPr>
+        <p:style>
+          <a:lnRef idx="1">
+            <a:schemeClr val="accent1"/>
+          </a:lnRef>
+          <a:fillRef idx="0">
+            <a:schemeClr val="accent1"/>
+          </a:fillRef>
+          <a:effectRef idx="0">
+            <a:schemeClr val="accent1"/>
+          </a:effectRef>
+          <a:fontRef idx="minor">
+            <a:schemeClr val="tx1"/>
+          </a:fontRef>
+        </p:style>
+      </p:cxnSp>
+      <p:cxnSp>
+        <p:nvCxnSpPr>
+          <p:cNvPr id="31" name="Straight Arrow Connector 30">
+            <a:extLst>
+              <a:ext uri="{FF2B5EF4-FFF2-40B4-BE49-F238E27FC236}">
+                <a16:creationId xmlns:a16="http://schemas.microsoft.com/office/drawing/2014/main" id="{6B92D357-4C3F-51B9-81E6-671C7A519BB4}"/>
+              </a:ext>
+            </a:extLst>
+          </p:cNvPr>
+          <p:cNvCxnSpPr>
+            <a:cxnSpLocks/>
+            <a:stCxn id="4" idx="2"/>
+            <a:endCxn id="8" idx="0"/>
+          </p:cNvCxnSpPr>
+          <p:nvPr/>
+        </p:nvCxnSpPr>
+        <p:spPr>
+          <a:xfrm>
+            <a:off x="1402544" y="3018662"/>
+            <a:ext cx="386735" cy="307328"/>
+          </a:xfrm>
+          <a:prstGeom prst="straightConnector1">
+            <a:avLst/>
+          </a:prstGeom>
+          <a:ln w="9525">
+            <a:solidFill>
+              <a:srgbClr val="454E56"/>
+            </a:solidFill>
+            <a:tailEnd type="triangle"/>
+          </a:ln>
+        </p:spPr>
+        <p:style>
+          <a:lnRef idx="1">
+            <a:schemeClr val="accent1"/>
+          </a:lnRef>
+          <a:fillRef idx="0">
+            <a:schemeClr val="accent1"/>
+          </a:fillRef>
+          <a:effectRef idx="0">
+            <a:schemeClr val="accent1"/>
+          </a:effectRef>
+          <a:fontRef idx="minor">
+            <a:schemeClr val="tx1"/>
+          </a:fontRef>
+        </p:style>
+      </p:cxnSp>
+      <p:cxnSp>
+        <p:nvCxnSpPr>
+          <p:cNvPr id="35" name="Straight Arrow Connector 34">
+            <a:extLst>
+              <a:ext uri="{FF2B5EF4-FFF2-40B4-BE49-F238E27FC236}">
+                <a16:creationId xmlns:a16="http://schemas.microsoft.com/office/drawing/2014/main" id="{39DC2FF9-7FFA-E4B9-0D2E-C34365BE4D10}"/>
+              </a:ext>
+            </a:extLst>
+          </p:cNvPr>
+          <p:cNvCxnSpPr>
+            <a:cxnSpLocks/>
+            <a:stCxn id="6" idx="2"/>
+            <a:endCxn id="9" idx="0"/>
+          </p:cNvCxnSpPr>
+          <p:nvPr/>
+        </p:nvCxnSpPr>
+        <p:spPr>
+          <a:xfrm flipH="1">
+            <a:off x="2637832" y="3018662"/>
+            <a:ext cx="411763" cy="307328"/>
+          </a:xfrm>
+          <a:prstGeom prst="straightConnector1">
+            <a:avLst/>
+          </a:prstGeom>
+          <a:ln w="9525">
+            <a:solidFill>
+              <a:srgbClr val="454E56"/>
+            </a:solidFill>
+            <a:tailEnd type="triangle"/>
+          </a:ln>
+        </p:spPr>
+        <p:style>
+          <a:lnRef idx="1">
+            <a:schemeClr val="accent1"/>
+          </a:lnRef>
+          <a:fillRef idx="0">
+            <a:schemeClr val="accent1"/>
+          </a:fillRef>
+          <a:effectRef idx="0">
+            <a:schemeClr val="accent1"/>
+          </a:effectRef>
+          <a:fontRef idx="minor">
+            <a:schemeClr val="tx1"/>
+          </a:fontRef>
+        </p:style>
+      </p:cxnSp>
+      <p:sp>
+        <p:nvSpPr>
+          <p:cNvPr id="39" name="Rectangle 38">
+            <a:extLst>
+              <a:ext uri="{FF2B5EF4-FFF2-40B4-BE49-F238E27FC236}">
+                <a16:creationId xmlns:a16="http://schemas.microsoft.com/office/drawing/2014/main" id="{CCC2FAF7-F919-BF6A-5381-54BF90B4518F}"/>
+              </a:ext>
+            </a:extLst>
+          </p:cNvPr>
+          <p:cNvSpPr/>
+          <p:nvPr/>
+        </p:nvSpPr>
+        <p:spPr>
+          <a:xfrm>
+            <a:off x="6210163" y="1882389"/>
+            <a:ext cx="823526" cy="416428"/>
+          </a:xfrm>
+          <a:prstGeom prst="rect">
+            <a:avLst/>
+          </a:prstGeom>
+          <a:solidFill>
+            <a:srgbClr val="7D568A"/>
+          </a:solidFill>
+          <a:ln>
+            <a:noFill/>
+          </a:ln>
+        </p:spPr>
+        <p:style>
+          <a:lnRef idx="2">
+            <a:schemeClr val="accent1">
+              <a:shade val="15000"/>
+            </a:schemeClr>
+          </a:lnRef>
+          <a:fillRef idx="1">
+            <a:schemeClr val="accent1"/>
+          </a:fillRef>
+          <a:effectRef idx="0">
+            <a:schemeClr val="accent1"/>
+          </a:effectRef>
+          <a:fontRef idx="minor">
+            <a:schemeClr val="lt1"/>
+          </a:fontRef>
+        </p:style>
+        <p:txBody>
+          <a:bodyPr rtlCol="0" anchor="ctr"/>
+          <a:lstStyle/>
+          <a:p>
+            <a:pPr algn="ctr"/>
+            <a:r>
+              <a:rPr lang="fr-CA" sz="1200" dirty="0"/>
+              <a:t>feat-3</a:t>
+            </a:r>
+          </a:p>
+          <a:p>
+            <a:pPr algn="ctr"/>
+            <a:r>
+              <a:rPr lang="fr-CA" sz="1200" dirty="0"/>
+              <a:t>&lt;= 1.23</a:t>
+            </a:r>
+            <a:endParaRPr lang="en-CA" sz="1200" dirty="0"/>
+          </a:p>
+        </p:txBody>
+      </p:sp>
+      <p:sp>
+        <p:nvSpPr>
+          <p:cNvPr id="40" name="Rectangle 39">
+            <a:extLst>
+              <a:ext uri="{FF2B5EF4-FFF2-40B4-BE49-F238E27FC236}">
+                <a16:creationId xmlns:a16="http://schemas.microsoft.com/office/drawing/2014/main" id="{40A84F3A-9988-B629-F04D-13A231362127}"/>
+              </a:ext>
+            </a:extLst>
+          </p:cNvPr>
+          <p:cNvSpPr/>
+          <p:nvPr/>
+        </p:nvSpPr>
+        <p:spPr>
+          <a:xfrm>
+            <a:off x="5386638" y="2593945"/>
+            <a:ext cx="823526" cy="416428"/>
+          </a:xfrm>
+          <a:prstGeom prst="rect">
+            <a:avLst/>
+          </a:prstGeom>
+          <a:solidFill>
+            <a:srgbClr val="5891D5"/>
+          </a:solidFill>
+          <a:ln>
+            <a:noFill/>
+          </a:ln>
+        </p:spPr>
+        <p:style>
+          <a:lnRef idx="2">
+            <a:schemeClr val="accent1">
+              <a:shade val="15000"/>
+            </a:schemeClr>
+          </a:lnRef>
+          <a:fillRef idx="1">
+            <a:schemeClr val="accent1"/>
+          </a:fillRef>
+          <a:effectRef idx="0">
+            <a:schemeClr val="accent1"/>
+          </a:effectRef>
+          <a:fontRef idx="minor">
+            <a:schemeClr val="lt1"/>
+          </a:fontRef>
+        </p:style>
+        <p:txBody>
+          <a:bodyPr rtlCol="0" anchor="ctr"/>
+          <a:lstStyle/>
+          <a:p>
+            <a:pPr algn="ctr"/>
+            <a:r>
+              <a:rPr lang="fr-CA" sz="1200" dirty="0"/>
+              <a:t>feat-2</a:t>
+            </a:r>
+          </a:p>
+          <a:p>
+            <a:pPr algn="ctr"/>
+            <a:r>
+              <a:rPr lang="fr-CA" sz="1200" dirty="0"/>
+              <a:t>&lt;= 4.56</a:t>
+            </a:r>
+            <a:endParaRPr lang="en-CA" sz="1200" dirty="0"/>
+          </a:p>
+        </p:txBody>
+      </p:sp>
+      <p:sp>
+        <p:nvSpPr>
+          <p:cNvPr id="41" name="Rectangle 40">
+            <a:extLst>
+              <a:ext uri="{FF2B5EF4-FFF2-40B4-BE49-F238E27FC236}">
+                <a16:creationId xmlns:a16="http://schemas.microsoft.com/office/drawing/2014/main" id="{5C6B6A24-583D-1E6A-B787-3AB84C653330}"/>
+              </a:ext>
+            </a:extLst>
+          </p:cNvPr>
+          <p:cNvSpPr/>
+          <p:nvPr/>
+        </p:nvSpPr>
+        <p:spPr>
+          <a:xfrm>
+            <a:off x="7033689" y="2593945"/>
+            <a:ext cx="823526" cy="416428"/>
+          </a:xfrm>
+          <a:prstGeom prst="rect">
+            <a:avLst/>
+          </a:prstGeom>
+          <a:solidFill>
+            <a:srgbClr val="5891D5"/>
+          </a:solidFill>
+          <a:ln>
+            <a:noFill/>
+          </a:ln>
+        </p:spPr>
+        <p:style>
+          <a:lnRef idx="2">
+            <a:schemeClr val="accent1">
+              <a:shade val="15000"/>
+            </a:schemeClr>
+          </a:lnRef>
+          <a:fillRef idx="1">
+            <a:schemeClr val="accent1"/>
+          </a:fillRef>
+          <a:effectRef idx="0">
+            <a:schemeClr val="accent1"/>
+          </a:effectRef>
+          <a:fontRef idx="minor">
+            <a:schemeClr val="lt1"/>
+          </a:fontRef>
+        </p:style>
+        <p:txBody>
+          <a:bodyPr rtlCol="0" anchor="ctr"/>
+          <a:lstStyle/>
+          <a:p>
+            <a:pPr algn="ctr"/>
+            <a:r>
+              <a:rPr lang="fr-CA" sz="1200" dirty="0"/>
+              <a:t>feat-2</a:t>
+            </a:r>
+          </a:p>
+          <a:p>
+            <a:pPr algn="ctr"/>
+            <a:r>
+              <a:rPr lang="fr-CA" sz="1200" dirty="0"/>
+              <a:t>&lt;= 4.56</a:t>
+            </a:r>
+            <a:endParaRPr lang="en-CA" sz="1200" dirty="0"/>
+          </a:p>
+        </p:txBody>
+      </p:sp>
+      <p:sp>
+        <p:nvSpPr>
+          <p:cNvPr id="42" name="Rectangle 41">
+            <a:extLst>
+              <a:ext uri="{FF2B5EF4-FFF2-40B4-BE49-F238E27FC236}">
+                <a16:creationId xmlns:a16="http://schemas.microsoft.com/office/drawing/2014/main" id="{6EA35AE8-958A-CFBC-3FA0-BFA694C45E66}"/>
+              </a:ext>
+            </a:extLst>
+          </p:cNvPr>
+          <p:cNvSpPr/>
+          <p:nvPr/>
+        </p:nvSpPr>
+        <p:spPr>
+          <a:xfrm>
+            <a:off x="4998996" y="3311218"/>
+            <a:ext cx="675174" cy="416428"/>
+          </a:xfrm>
+          <a:prstGeom prst="rect">
+            <a:avLst/>
+          </a:prstGeom>
+          <a:solidFill>
+            <a:srgbClr val="C9CCD1"/>
+          </a:solidFill>
+          <a:ln>
+            <a:noFill/>
+          </a:ln>
+        </p:spPr>
+        <p:style>
+          <a:lnRef idx="2">
+            <a:schemeClr val="accent1">
+              <a:shade val="15000"/>
+            </a:schemeClr>
+          </a:lnRef>
+          <a:fillRef idx="1">
+            <a:schemeClr val="accent1"/>
+          </a:fillRef>
+          <a:effectRef idx="0">
+            <a:schemeClr val="accent1"/>
+          </a:effectRef>
+          <a:fontRef idx="minor">
+            <a:schemeClr val="lt1"/>
+          </a:fontRef>
+        </p:style>
+        <p:txBody>
+          <a:bodyPr rtlCol="0" anchor="ctr"/>
+          <a:lstStyle/>
+          <a:p>
+            <a:pPr algn="ctr"/>
+            <a:r>
+              <a:rPr lang="fr-CA" sz="1200" dirty="0"/>
+              <a:t>leaf-1</a:t>
+            </a:r>
+            <a:endParaRPr lang="en-CA" sz="1200" dirty="0"/>
+          </a:p>
+        </p:txBody>
+      </p:sp>
+      <p:sp>
+        <p:nvSpPr>
+          <p:cNvPr id="43" name="Rectangle 42">
+            <a:extLst>
+              <a:ext uri="{FF2B5EF4-FFF2-40B4-BE49-F238E27FC236}">
+                <a16:creationId xmlns:a16="http://schemas.microsoft.com/office/drawing/2014/main" id="{0300848F-C011-4935-1EED-77A18E8490D0}"/>
+              </a:ext>
+            </a:extLst>
+          </p:cNvPr>
+          <p:cNvSpPr/>
+          <p:nvPr/>
+        </p:nvSpPr>
+        <p:spPr>
+          <a:xfrm>
+            <a:off x="5847549" y="3317701"/>
+            <a:ext cx="675174" cy="416428"/>
+          </a:xfrm>
+          <a:prstGeom prst="rect">
+            <a:avLst/>
+          </a:prstGeom>
+          <a:solidFill>
+            <a:srgbClr val="C9CCD1"/>
+          </a:solidFill>
+          <a:ln>
+            <a:noFill/>
+          </a:ln>
+        </p:spPr>
+        <p:style>
+          <a:lnRef idx="2">
+            <a:schemeClr val="accent1">
+              <a:shade val="15000"/>
+            </a:schemeClr>
+          </a:lnRef>
+          <a:fillRef idx="1">
+            <a:schemeClr val="accent1"/>
+          </a:fillRef>
+          <a:effectRef idx="0">
+            <a:schemeClr val="accent1"/>
+          </a:effectRef>
+          <a:fontRef idx="minor">
+            <a:schemeClr val="lt1"/>
+          </a:fontRef>
+        </p:style>
+        <p:txBody>
+          <a:bodyPr rtlCol="0" anchor="ctr"/>
+          <a:lstStyle/>
+          <a:p>
+            <a:pPr algn="ctr"/>
+            <a:r>
+              <a:rPr lang="fr-CA" sz="1200" dirty="0"/>
+              <a:t>leaf-2</a:t>
+            </a:r>
+            <a:endParaRPr lang="en-CA" sz="1200" dirty="0"/>
+          </a:p>
+        </p:txBody>
+      </p:sp>
+      <p:sp>
+        <p:nvSpPr>
+          <p:cNvPr id="44" name="Rectangle 43">
+            <a:extLst>
+              <a:ext uri="{FF2B5EF4-FFF2-40B4-BE49-F238E27FC236}">
+                <a16:creationId xmlns:a16="http://schemas.microsoft.com/office/drawing/2014/main" id="{571296CE-6A77-38C1-560E-E550CB146520}"/>
+              </a:ext>
+            </a:extLst>
+          </p:cNvPr>
+          <p:cNvSpPr/>
+          <p:nvPr/>
+        </p:nvSpPr>
+        <p:spPr>
+          <a:xfrm>
+            <a:off x="6696102" y="3317701"/>
+            <a:ext cx="675174" cy="416428"/>
+          </a:xfrm>
+          <a:prstGeom prst="rect">
+            <a:avLst/>
+          </a:prstGeom>
+          <a:solidFill>
+            <a:srgbClr val="C9CCD1"/>
+          </a:solidFill>
+          <a:ln>
+            <a:noFill/>
+          </a:ln>
+        </p:spPr>
+        <p:style>
+          <a:lnRef idx="2">
+            <a:schemeClr val="accent1">
+              <a:shade val="15000"/>
+            </a:schemeClr>
+          </a:lnRef>
+          <a:fillRef idx="1">
+            <a:schemeClr val="accent1"/>
+          </a:fillRef>
+          <a:effectRef idx="0">
+            <a:schemeClr val="accent1"/>
+          </a:effectRef>
+          <a:fontRef idx="minor">
+            <a:schemeClr val="lt1"/>
+          </a:fontRef>
+        </p:style>
+        <p:txBody>
+          <a:bodyPr rtlCol="0" anchor="ctr"/>
+          <a:lstStyle/>
+          <a:p>
+            <a:pPr algn="ctr"/>
+            <a:r>
+              <a:rPr lang="fr-CA" sz="1200" dirty="0"/>
+              <a:t>leaf-3</a:t>
+            </a:r>
+            <a:endParaRPr lang="en-CA" sz="1200" dirty="0"/>
+          </a:p>
+        </p:txBody>
+      </p:sp>
+      <p:sp>
+        <p:nvSpPr>
+          <p:cNvPr id="45" name="Rectangle 44">
+            <a:extLst>
+              <a:ext uri="{FF2B5EF4-FFF2-40B4-BE49-F238E27FC236}">
+                <a16:creationId xmlns:a16="http://schemas.microsoft.com/office/drawing/2014/main" id="{ADBDE16E-0DF5-E09C-8AC4-E167291F97C0}"/>
+              </a:ext>
+            </a:extLst>
+          </p:cNvPr>
+          <p:cNvSpPr/>
+          <p:nvPr/>
+        </p:nvSpPr>
+        <p:spPr>
+          <a:xfrm>
+            <a:off x="7544655" y="3317701"/>
+            <a:ext cx="675174" cy="416428"/>
+          </a:xfrm>
+          <a:prstGeom prst="rect">
+            <a:avLst/>
+          </a:prstGeom>
+          <a:solidFill>
+            <a:srgbClr val="C9CCD1"/>
+          </a:solidFill>
+          <a:ln>
+            <a:noFill/>
+          </a:ln>
+        </p:spPr>
+        <p:style>
+          <a:lnRef idx="2">
+            <a:schemeClr val="accent1">
+              <a:shade val="15000"/>
+            </a:schemeClr>
+          </a:lnRef>
+          <a:fillRef idx="1">
+            <a:schemeClr val="accent1"/>
+          </a:fillRef>
+          <a:effectRef idx="0">
+            <a:schemeClr val="accent1"/>
+          </a:effectRef>
+          <a:fontRef idx="minor">
+            <a:schemeClr val="lt1"/>
+          </a:fontRef>
+        </p:style>
+        <p:txBody>
+          <a:bodyPr rtlCol="0" anchor="ctr"/>
+          <a:lstStyle/>
+          <a:p>
+            <a:pPr algn="ctr"/>
+            <a:r>
+              <a:rPr lang="fr-CA" sz="1200" dirty="0"/>
+              <a:t>leaf-4</a:t>
+            </a:r>
+            <a:endParaRPr lang="en-CA" sz="1200" dirty="0"/>
+          </a:p>
+        </p:txBody>
+      </p:sp>
+      <p:cxnSp>
+        <p:nvCxnSpPr>
+          <p:cNvPr id="46" name="Straight Arrow Connector 45">
+            <a:extLst>
+              <a:ext uri="{FF2B5EF4-FFF2-40B4-BE49-F238E27FC236}">
+                <a16:creationId xmlns:a16="http://schemas.microsoft.com/office/drawing/2014/main" id="{989F1306-F42C-A626-8C4E-ED48F17D084A}"/>
+              </a:ext>
+            </a:extLst>
+          </p:cNvPr>
+          <p:cNvCxnSpPr>
+            <a:stCxn id="39" idx="2"/>
+            <a:endCxn id="40" idx="0"/>
+          </p:cNvCxnSpPr>
+          <p:nvPr/>
+        </p:nvCxnSpPr>
+        <p:spPr>
+          <a:xfrm flipH="1">
+            <a:off x="5798401" y="2298817"/>
+            <a:ext cx="823525" cy="295128"/>
+          </a:xfrm>
+          <a:prstGeom prst="straightConnector1">
+            <a:avLst/>
+          </a:prstGeom>
+          <a:ln w="9525">
+            <a:solidFill>
+              <a:srgbClr val="454E56"/>
+            </a:solidFill>
+            <a:tailEnd type="triangle"/>
+          </a:ln>
+        </p:spPr>
+        <p:style>
+          <a:lnRef idx="1">
+            <a:schemeClr val="accent1"/>
+          </a:lnRef>
+          <a:fillRef idx="0">
+            <a:schemeClr val="accent1"/>
+          </a:fillRef>
+          <a:effectRef idx="0">
+            <a:schemeClr val="accent1"/>
+          </a:effectRef>
+          <a:fontRef idx="minor">
+            <a:schemeClr val="tx1"/>
+          </a:fontRef>
+        </p:style>
+      </p:cxnSp>
+      <p:cxnSp>
+        <p:nvCxnSpPr>
+          <p:cNvPr id="47" name="Straight Arrow Connector 46">
+            <a:extLst>
+              <a:ext uri="{FF2B5EF4-FFF2-40B4-BE49-F238E27FC236}">
+                <a16:creationId xmlns:a16="http://schemas.microsoft.com/office/drawing/2014/main" id="{85FA8B54-A516-CC1E-3471-1BA2016E18BB}"/>
+              </a:ext>
+            </a:extLst>
+          </p:cNvPr>
+          <p:cNvCxnSpPr>
+            <a:cxnSpLocks/>
+            <a:stCxn id="39" idx="2"/>
+            <a:endCxn id="41" idx="0"/>
+          </p:cNvCxnSpPr>
+          <p:nvPr/>
+        </p:nvCxnSpPr>
+        <p:spPr>
+          <a:xfrm>
+            <a:off x="6621926" y="2298817"/>
+            <a:ext cx="823526" cy="295128"/>
+          </a:xfrm>
+          <a:prstGeom prst="straightConnector1">
+            <a:avLst/>
+          </a:prstGeom>
+          <a:ln w="9525">
+            <a:solidFill>
+              <a:srgbClr val="454E56"/>
+            </a:solidFill>
+            <a:tailEnd type="triangle"/>
+          </a:ln>
+        </p:spPr>
+        <p:style>
+          <a:lnRef idx="1">
+            <a:schemeClr val="accent1"/>
+          </a:lnRef>
+          <a:fillRef idx="0">
+            <a:schemeClr val="accent1"/>
+          </a:fillRef>
+          <a:effectRef idx="0">
+            <a:schemeClr val="accent1"/>
+          </a:effectRef>
+          <a:fontRef idx="minor">
+            <a:schemeClr val="tx1"/>
+          </a:fontRef>
+        </p:style>
+      </p:cxnSp>
+      <p:cxnSp>
+        <p:nvCxnSpPr>
+          <p:cNvPr id="48" name="Straight Arrow Connector 47">
+            <a:extLst>
+              <a:ext uri="{FF2B5EF4-FFF2-40B4-BE49-F238E27FC236}">
+                <a16:creationId xmlns:a16="http://schemas.microsoft.com/office/drawing/2014/main" id="{783A6519-A6BE-EF01-747A-A74831D84210}"/>
+              </a:ext>
+            </a:extLst>
+          </p:cNvPr>
+          <p:cNvCxnSpPr>
+            <a:cxnSpLocks/>
+            <a:stCxn id="41" idx="2"/>
+            <a:endCxn id="45" idx="0"/>
+          </p:cNvCxnSpPr>
+          <p:nvPr/>
+        </p:nvCxnSpPr>
+        <p:spPr>
+          <a:xfrm>
+            <a:off x="7445452" y="3010373"/>
+            <a:ext cx="436790" cy="307328"/>
+          </a:xfrm>
+          <a:prstGeom prst="straightConnector1">
+            <a:avLst/>
+          </a:prstGeom>
+          <a:ln w="9525">
+            <a:solidFill>
+              <a:srgbClr val="454E56"/>
+            </a:solidFill>
+            <a:tailEnd type="triangle"/>
+          </a:ln>
+        </p:spPr>
+        <p:style>
+          <a:lnRef idx="1">
+            <a:schemeClr val="accent1"/>
+          </a:lnRef>
+          <a:fillRef idx="0">
+            <a:schemeClr val="accent1"/>
+          </a:fillRef>
+          <a:effectRef idx="0">
+            <a:schemeClr val="accent1"/>
+          </a:effectRef>
+          <a:fontRef idx="minor">
+            <a:schemeClr val="tx1"/>
+          </a:fontRef>
+        </p:style>
+      </p:cxnSp>
+      <p:cxnSp>
+        <p:nvCxnSpPr>
+          <p:cNvPr id="49" name="Straight Arrow Connector 48">
+            <a:extLst>
+              <a:ext uri="{FF2B5EF4-FFF2-40B4-BE49-F238E27FC236}">
+                <a16:creationId xmlns:a16="http://schemas.microsoft.com/office/drawing/2014/main" id="{35133A1C-09F1-151D-8FAF-89EA556FC607}"/>
+              </a:ext>
+            </a:extLst>
+          </p:cNvPr>
+          <p:cNvCxnSpPr>
+            <a:cxnSpLocks/>
+            <a:stCxn id="40" idx="2"/>
+            <a:endCxn id="42" idx="0"/>
+          </p:cNvCxnSpPr>
+          <p:nvPr/>
+        </p:nvCxnSpPr>
+        <p:spPr>
+          <a:xfrm flipH="1">
+            <a:off x="5336583" y="3010373"/>
+            <a:ext cx="461818" cy="300845"/>
+          </a:xfrm>
+          <a:prstGeom prst="straightConnector1">
+            <a:avLst/>
+          </a:prstGeom>
+          <a:ln w="9525">
+            <a:solidFill>
+              <a:srgbClr val="454E56"/>
+            </a:solidFill>
+            <a:tailEnd type="triangle"/>
+          </a:ln>
+        </p:spPr>
+        <p:style>
+          <a:lnRef idx="1">
+            <a:schemeClr val="accent1"/>
+          </a:lnRef>
+          <a:fillRef idx="0">
+            <a:schemeClr val="accent1"/>
+          </a:fillRef>
+          <a:effectRef idx="0">
+            <a:schemeClr val="accent1"/>
+          </a:effectRef>
+          <a:fontRef idx="minor">
+            <a:schemeClr val="tx1"/>
+          </a:fontRef>
+        </p:style>
+      </p:cxnSp>
+      <p:cxnSp>
+        <p:nvCxnSpPr>
+          <p:cNvPr id="50" name="Straight Arrow Connector 49">
+            <a:extLst>
+              <a:ext uri="{FF2B5EF4-FFF2-40B4-BE49-F238E27FC236}">
+                <a16:creationId xmlns:a16="http://schemas.microsoft.com/office/drawing/2014/main" id="{455C7D5B-E2C7-633F-A166-719FD6E9D39D}"/>
+              </a:ext>
+            </a:extLst>
+          </p:cNvPr>
+          <p:cNvCxnSpPr>
+            <a:cxnSpLocks/>
+            <a:stCxn id="40" idx="2"/>
+            <a:endCxn id="43" idx="0"/>
+          </p:cNvCxnSpPr>
+          <p:nvPr/>
+        </p:nvCxnSpPr>
+        <p:spPr>
+          <a:xfrm>
+            <a:off x="5798401" y="3010373"/>
+            <a:ext cx="386735" cy="307328"/>
+          </a:xfrm>
+          <a:prstGeom prst="straightConnector1">
+            <a:avLst/>
+          </a:prstGeom>
+          <a:ln w="9525">
+            <a:solidFill>
+              <a:srgbClr val="454E56"/>
+            </a:solidFill>
+            <a:tailEnd type="triangle"/>
+          </a:ln>
+        </p:spPr>
+        <p:style>
+          <a:lnRef idx="1">
+            <a:schemeClr val="accent1"/>
+          </a:lnRef>
+          <a:fillRef idx="0">
+            <a:schemeClr val="accent1"/>
+          </a:fillRef>
+          <a:effectRef idx="0">
+            <a:schemeClr val="accent1"/>
+          </a:effectRef>
+          <a:fontRef idx="minor">
+            <a:schemeClr val="tx1"/>
+          </a:fontRef>
+        </p:style>
+      </p:cxnSp>
+      <p:cxnSp>
+        <p:nvCxnSpPr>
+          <p:cNvPr id="51" name="Straight Arrow Connector 50">
+            <a:extLst>
+              <a:ext uri="{FF2B5EF4-FFF2-40B4-BE49-F238E27FC236}">
+                <a16:creationId xmlns:a16="http://schemas.microsoft.com/office/drawing/2014/main" id="{5F457C37-026D-0AED-3907-8CF1C8629DB6}"/>
+              </a:ext>
+            </a:extLst>
+          </p:cNvPr>
+          <p:cNvCxnSpPr>
+            <a:cxnSpLocks/>
+            <a:stCxn id="41" idx="2"/>
+            <a:endCxn id="44" idx="0"/>
+          </p:cNvCxnSpPr>
+          <p:nvPr/>
+        </p:nvCxnSpPr>
+        <p:spPr>
+          <a:xfrm flipH="1">
+            <a:off x="7033689" y="3010373"/>
+            <a:ext cx="411763" cy="307328"/>
+          </a:xfrm>
+          <a:prstGeom prst="straightConnector1">
+            <a:avLst/>
+          </a:prstGeom>
+          <a:ln w="9525">
+            <a:solidFill>
+              <a:srgbClr val="454E56"/>
+            </a:solidFill>
+            <a:tailEnd type="triangle"/>
+          </a:ln>
+        </p:spPr>
+        <p:style>
+          <a:lnRef idx="1">
+            <a:schemeClr val="accent1"/>
+          </a:lnRef>
+          <a:fillRef idx="0">
+            <a:schemeClr val="accent1"/>
+          </a:fillRef>
+          <a:effectRef idx="0">
+            <a:schemeClr val="accent1"/>
+          </a:effectRef>
+          <a:fontRef idx="minor">
+            <a:schemeClr val="tx1"/>
+          </a:fontRef>
+        </p:style>
+      </p:cxnSp>
     </p:spTree>
     <p:extLst>
       <p:ext uri="{BB962C8B-B14F-4D97-AF65-F5344CB8AC3E}">
-        <p14:creationId xmlns:p14="http://schemas.microsoft.com/office/powerpoint/2010/main" val="3605801565"/>
+        <p14:creationId xmlns:p14="http://schemas.microsoft.com/office/powerpoint/2010/main" val="1726085195"/>
       </p:ext>
     </p:extLst>
   </p:cSld>
@@ -6169,7 +8006,7 @@
         <p:cNvPr id="1" name="">
           <a:extLst>
             <a:ext uri="{FF2B5EF4-FFF2-40B4-BE49-F238E27FC236}">
-              <a16:creationId xmlns:a16="http://schemas.microsoft.com/office/drawing/2014/main" id="{9B0232DA-4171-A7F3-0700-F9EC2D984684}"/>
+              <a16:creationId xmlns:a16="http://schemas.microsoft.com/office/drawing/2014/main" id="{8B8397C1-B0BE-1146-CDC9-745F69561F0A}"/>
             </a:ext>
           </a:extLst>
         </p:cNvPr>
@@ -6189,7 +8026,7 @@
           <p:cNvPr id="32" name="Rectangle 31">
             <a:extLst>
               <a:ext uri="{FF2B5EF4-FFF2-40B4-BE49-F238E27FC236}">
-                <a16:creationId xmlns:a16="http://schemas.microsoft.com/office/drawing/2014/main" id="{D14E6981-8CD9-F5F0-0BFB-1ACC2FCE814E}"/>
+                <a16:creationId xmlns:a16="http://schemas.microsoft.com/office/drawing/2014/main" id="{7905C00E-039C-BEF7-124A-3241B43A541A}"/>
               </a:ext>
             </a:extLst>
           </p:cNvPr>
@@ -6245,7 +8082,7 @@
           <p:cNvPr id="10" name="Picture 9">
             <a:extLst>
               <a:ext uri="{FF2B5EF4-FFF2-40B4-BE49-F238E27FC236}">
-                <a16:creationId xmlns:a16="http://schemas.microsoft.com/office/drawing/2014/main" id="{1A698058-C685-39B7-42D0-4995BDE955D1}"/>
+                <a16:creationId xmlns:a16="http://schemas.microsoft.com/office/drawing/2014/main" id="{6BEC7FCB-D93A-BF08-CC40-9D8A22FB1493}"/>
               </a:ext>
             </a:extLst>
           </p:cNvPr>
@@ -6285,7 +8122,7 @@
           <p:cNvPr id="5" name="Slide Number Placeholder 4">
             <a:extLst>
               <a:ext uri="{FF2B5EF4-FFF2-40B4-BE49-F238E27FC236}">
-                <a16:creationId xmlns:a16="http://schemas.microsoft.com/office/drawing/2014/main" id="{EC0B7F23-E45A-1F15-6AEB-1B04DB14E17D}"/>
+                <a16:creationId xmlns:a16="http://schemas.microsoft.com/office/drawing/2014/main" id="{F8A8D542-5F3D-B2E7-143B-4AAF0E8D4111}"/>
               </a:ext>
             </a:extLst>
           </p:cNvPr>
@@ -6308,6 +8145,520 @@
               <a:rPr lang="en-CA" smtClean="0"/>
               <a:pPr/>
               <a:t>11</a:t>
+            </a:fld>
+            <a:endParaRPr lang="en-CA" dirty="0"/>
+          </a:p>
+        </p:txBody>
+      </p:sp>
+      <p:sp>
+        <p:nvSpPr>
+          <p:cNvPr id="14" name="Title 1">
+            <a:extLst>
+              <a:ext uri="{FF2B5EF4-FFF2-40B4-BE49-F238E27FC236}">
+                <a16:creationId xmlns:a16="http://schemas.microsoft.com/office/drawing/2014/main" id="{F9E31559-F648-172D-8FC0-2E3C33258A6B}"/>
+              </a:ext>
+            </a:extLst>
+          </p:cNvPr>
+          <p:cNvSpPr>
+            <a:spLocks noGrp="1"/>
+          </p:cNvSpPr>
+          <p:nvPr>
+            <p:ph type="title"/>
+            <p:custDataLst>
+              <p:tags r:id="rId4"/>
+            </p:custDataLst>
+          </p:nvPr>
+        </p:nvSpPr>
+        <p:spPr>
+          <a:xfrm>
+            <a:off x="166256" y="206760"/>
+            <a:ext cx="7646555" cy="684834"/>
+          </a:xfrm>
+        </p:spPr>
+        <p:txBody>
+          <a:bodyPr>
+            <a:normAutofit/>
+          </a:bodyPr>
+          <a:lstStyle/>
+          <a:p>
+            <a:r>
+              <a:rPr lang="fr-CA" sz="3200" dirty="0" err="1">
+                <a:latin typeface="Montserrat" panose="00000500000000000000" pitchFamily="2" charset="0"/>
+                <a:ea typeface="Yu Gothic UI Light" panose="020B0300000000000000" pitchFamily="34" charset="-128"/>
+              </a:rPr>
+              <a:t>Loss</a:t>
+            </a:r>
+            <a:r>
+              <a:rPr lang="fr-CA" sz="3200" dirty="0">
+                <a:latin typeface="Montserrat" panose="00000500000000000000" pitchFamily="2" charset="0"/>
+                <a:ea typeface="Yu Gothic UI Light" panose="020B0300000000000000" pitchFamily="34" charset="-128"/>
+              </a:rPr>
+              <a:t> </a:t>
+            </a:r>
+            <a:r>
+              <a:rPr lang="fr-CA" sz="3200" dirty="0" err="1">
+                <a:latin typeface="Montserrat" panose="00000500000000000000" pitchFamily="2" charset="0"/>
+                <a:ea typeface="Yu Gothic UI Light" panose="020B0300000000000000" pitchFamily="34" charset="-128"/>
+              </a:rPr>
+              <a:t>Without</a:t>
+            </a:r>
+            <a:r>
+              <a:rPr lang="fr-CA" sz="3200" dirty="0">
+                <a:latin typeface="Montserrat" panose="00000500000000000000" pitchFamily="2" charset="0"/>
+                <a:ea typeface="Yu Gothic UI Light" panose="020B0300000000000000" pitchFamily="34" charset="-128"/>
+              </a:rPr>
+              <a:t> Gradients - MAE</a:t>
+            </a:r>
+            <a:endParaRPr lang="en-CA" sz="3200" dirty="0">
+              <a:latin typeface="Montserrat" panose="00000500000000000000" pitchFamily="2" charset="0"/>
+              <a:ea typeface="Yu Gothic UI Light" panose="020B0300000000000000" pitchFamily="34" charset="-128"/>
+            </a:endParaRPr>
+          </a:p>
+        </p:txBody>
+      </p:sp>
+      <p:sp>
+        <p:nvSpPr>
+          <p:cNvPr id="12" name="TextBox 11">
+            <a:extLst>
+              <a:ext uri="{FF2B5EF4-FFF2-40B4-BE49-F238E27FC236}">
+                <a16:creationId xmlns:a16="http://schemas.microsoft.com/office/drawing/2014/main" id="{63396FF4-C9D2-2FCE-8C08-70ACC2F18A5C}"/>
+              </a:ext>
+            </a:extLst>
+          </p:cNvPr>
+          <p:cNvSpPr txBox="1"/>
+          <p:nvPr/>
+        </p:nvSpPr>
+        <p:spPr>
+          <a:xfrm>
+            <a:off x="281616" y="3983596"/>
+            <a:ext cx="8157160" cy="2308324"/>
+          </a:xfrm>
+          <a:prstGeom prst="rect">
+            <a:avLst/>
+          </a:prstGeom>
+          <a:noFill/>
+        </p:spPr>
+        <p:txBody>
+          <a:bodyPr wrap="square" rtlCol="0">
+            <a:spAutoFit/>
+          </a:bodyPr>
+          <a:lstStyle/>
+          <a:p>
+            <a:r>
+              <a:rPr lang="fr-CA" sz="1600" dirty="0"/>
+              <a:t>Are the 2 first moments </a:t>
+            </a:r>
+            <a:r>
+              <a:rPr lang="fr-CA" sz="1600" dirty="0" err="1"/>
+              <a:t>needed</a:t>
+            </a:r>
+            <a:r>
+              <a:rPr lang="fr-CA" sz="1600" dirty="0"/>
+              <a:t> if all </a:t>
+            </a:r>
+            <a:r>
+              <a:rPr lang="fr-CA" sz="1600" dirty="0" err="1"/>
+              <a:t>we</a:t>
+            </a:r>
+            <a:r>
+              <a:rPr lang="fr-CA" sz="1600" dirty="0"/>
+              <a:t> </a:t>
+            </a:r>
+            <a:r>
+              <a:rPr lang="fr-CA" sz="1600" dirty="0" err="1"/>
+              <a:t>want</a:t>
+            </a:r>
+            <a:r>
+              <a:rPr lang="fr-CA" sz="1600" dirty="0"/>
+              <a:t> </a:t>
+            </a:r>
+            <a:r>
+              <a:rPr lang="fr-CA" sz="1600" dirty="0" err="1"/>
+              <a:t>is</a:t>
+            </a:r>
+            <a:r>
+              <a:rPr lang="fr-CA" sz="1600" dirty="0"/>
+              <a:t> to move </a:t>
+            </a:r>
+            <a:r>
+              <a:rPr lang="fr-CA" sz="1600" dirty="0" err="1"/>
+              <a:t>prediction</a:t>
+            </a:r>
+            <a:r>
+              <a:rPr lang="fr-CA" sz="1600" dirty="0"/>
+              <a:t> </a:t>
+            </a:r>
+            <a:r>
+              <a:rPr lang="fr-CA" sz="1600" dirty="0" err="1"/>
+              <a:t>towards</a:t>
+            </a:r>
+            <a:r>
+              <a:rPr lang="fr-CA" sz="1600" dirty="0"/>
+              <a:t> the </a:t>
+            </a:r>
+            <a:r>
+              <a:rPr lang="fr-CA" sz="1600" dirty="0" err="1"/>
+              <a:t>mean</a:t>
+            </a:r>
+            <a:r>
+              <a:rPr lang="fr-CA" sz="1600" dirty="0"/>
+              <a:t>?</a:t>
+            </a:r>
+          </a:p>
+          <a:p>
+            <a:endParaRPr lang="en-CA" sz="1600" dirty="0"/>
+          </a:p>
+          <a:p>
+            <a:r>
+              <a:rPr lang="en-CA" sz="1600" dirty="0"/>
+              <a:t>Alternative perspective for tree-split gain: any metric derived from histogram statistics. </a:t>
+            </a:r>
+          </a:p>
+          <a:p>
+            <a:r>
+              <a:rPr lang="en-CA" sz="1600" dirty="0"/>
+              <a:t>For </a:t>
+            </a:r>
+            <a:r>
+              <a:rPr lang="en-CA" sz="1600" i="1" dirty="0"/>
+              <a:t>MAE proxy:</a:t>
+            </a:r>
+            <a:r>
+              <a:rPr lang="en-CA" sz="1600" dirty="0"/>
+              <a:t> gain = sum of absolute change in predicted value.</a:t>
+            </a:r>
+          </a:p>
+          <a:p>
+            <a:endParaRPr lang="en-CA" sz="1600" dirty="0"/>
+          </a:p>
+          <a:p>
+            <a:r>
+              <a:rPr lang="en-CA" sz="1600" dirty="0"/>
+              <a:t>A single metric is needed, the residual: </a:t>
+            </a:r>
+            <a:r>
+              <a:rPr lang="en-CA" sz="1600" b="1" i="1" dirty="0"/>
+              <a:t>target - pred</a:t>
+            </a:r>
+          </a:p>
+          <a:p>
+            <a:endParaRPr lang="en-CA" sz="1600" dirty="0"/>
+          </a:p>
+          <a:p>
+            <a:r>
+              <a:rPr lang="en-CA" sz="1600" dirty="0"/>
+              <a:t>Cannot work beyond depth 2 without a trick gain valuation: gains need to be derived from the context of the parent node statistics.</a:t>
+            </a:r>
+          </a:p>
+        </p:txBody>
+      </p:sp>
+      <p:pic>
+        <p:nvPicPr>
+          <p:cNvPr id="3" name="Picture 2">
+            <a:extLst>
+              <a:ext uri="{FF2B5EF4-FFF2-40B4-BE49-F238E27FC236}">
+                <a16:creationId xmlns:a16="http://schemas.microsoft.com/office/drawing/2014/main" id="{4C903B53-A1AA-41CC-B4CA-CE8BB41C369E}"/>
+              </a:ext>
+            </a:extLst>
+          </p:cNvPr>
+          <p:cNvPicPr>
+            <a:picLocks noChangeAspect="1"/>
+          </p:cNvPicPr>
+          <p:nvPr/>
+        </p:nvPicPr>
+        <p:blipFill>
+          <a:blip r:embed="rId8">
+            <a:extLst>
+              <a:ext uri="{28A0092B-C50C-407E-A947-70E740481C1C}">
+                <a14:useLocalDpi xmlns:a14="http://schemas.microsoft.com/office/drawing/2010/main" val="0"/>
+              </a:ext>
+            </a:extLst>
+          </a:blip>
+          <a:stretch>
+            <a:fillRect/>
+          </a:stretch>
+        </p:blipFill>
+        <p:spPr>
+          <a:xfrm>
+            <a:off x="281616" y="1133361"/>
+            <a:ext cx="3800314" cy="2850235"/>
+          </a:xfrm>
+          <a:prstGeom prst="rect">
+            <a:avLst/>
+          </a:prstGeom>
+        </p:spPr>
+      </p:pic>
+      <p:pic>
+        <p:nvPicPr>
+          <p:cNvPr id="7" name="Picture 6">
+            <a:extLst>
+              <a:ext uri="{FF2B5EF4-FFF2-40B4-BE49-F238E27FC236}">
+                <a16:creationId xmlns:a16="http://schemas.microsoft.com/office/drawing/2014/main" id="{CC2E6C6B-E79E-29E8-7591-1757FC775071}"/>
+              </a:ext>
+            </a:extLst>
+          </p:cNvPr>
+          <p:cNvPicPr>
+            <a:picLocks noChangeAspect="1"/>
+          </p:cNvPicPr>
+          <p:nvPr/>
+        </p:nvPicPr>
+        <p:blipFill>
+          <a:blip r:embed="rId9">
+            <a:extLst>
+              <a:ext uri="{28A0092B-C50C-407E-A947-70E740481C1C}">
+                <a14:useLocalDpi xmlns:a14="http://schemas.microsoft.com/office/drawing/2010/main" val="0"/>
+              </a:ext>
+            </a:extLst>
+          </a:blip>
+          <a:stretch>
+            <a:fillRect/>
+          </a:stretch>
+        </p:blipFill>
+        <p:spPr>
+          <a:xfrm>
+            <a:off x="4638462" y="1133361"/>
+            <a:ext cx="3800314" cy="2850235"/>
+          </a:xfrm>
+          <a:prstGeom prst="rect">
+            <a:avLst/>
+          </a:prstGeom>
+        </p:spPr>
+      </p:pic>
+    </p:spTree>
+    <p:extLst>
+      <p:ext uri="{BB962C8B-B14F-4D97-AF65-F5344CB8AC3E}">
+        <p14:creationId xmlns:p14="http://schemas.microsoft.com/office/powerpoint/2010/main" val="3605801565"/>
+      </p:ext>
+    </p:extLst>
+  </p:cSld>
+  <p:clrMapOvr>
+    <a:masterClrMapping/>
+  </p:clrMapOvr>
+  <p:timing>
+    <p:tnLst>
+      <p:par>
+        <p:cTn id="1" dur="indefinite" restart="never" nodeType="tmRoot">
+          <p:childTnLst>
+            <p:seq concurrent="1" nextAc="seek">
+              <p:cTn id="2" dur="indefinite" nodeType="mainSeq">
+                <p:childTnLst>
+                  <p:par>
+                    <p:cTn id="3" fill="hold">
+                      <p:stCondLst>
+                        <p:cond delay="indefinite"/>
+                      </p:stCondLst>
+                      <p:childTnLst>
+                        <p:par>
+                          <p:cTn id="4" fill="hold">
+                            <p:stCondLst>
+                              <p:cond delay="0"/>
+                            </p:stCondLst>
+                            <p:childTnLst>
+                              <p:par>
+                                <p:cTn id="5" presetID="1" presetClass="entr" presetSubtype="0" fill="hold" nodeType="clickEffect">
+                                  <p:stCondLst>
+                                    <p:cond delay="0"/>
+                                  </p:stCondLst>
+                                  <p:childTnLst>
+                                    <p:set>
+                                      <p:cBhvr>
+                                        <p:cTn id="6" dur="1" fill="hold">
+                                          <p:stCondLst>
+                                            <p:cond delay="0"/>
+                                          </p:stCondLst>
+                                        </p:cTn>
+                                        <p:tgtEl>
+                                          <p:spTgt spid="7"/>
+                                        </p:tgtEl>
+                                        <p:attrNameLst>
+                                          <p:attrName>style.visibility</p:attrName>
+                                        </p:attrNameLst>
+                                      </p:cBhvr>
+                                      <p:to>
+                                        <p:strVal val="visible"/>
+                                      </p:to>
+                                    </p:set>
+                                  </p:childTnLst>
+                                </p:cTn>
+                              </p:par>
+                            </p:childTnLst>
+                          </p:cTn>
+                        </p:par>
+                      </p:childTnLst>
+                    </p:cTn>
+                  </p:par>
+                </p:childTnLst>
+              </p:cTn>
+              <p:prevCondLst>
+                <p:cond evt="onPrev" delay="0">
+                  <p:tgtEl>
+                    <p:sldTgt/>
+                  </p:tgtEl>
+                </p:cond>
+              </p:prevCondLst>
+              <p:nextCondLst>
+                <p:cond evt="onNext" delay="0">
+                  <p:tgtEl>
+                    <p:sldTgt/>
+                  </p:tgtEl>
+                </p:cond>
+              </p:nextCondLst>
+            </p:seq>
+          </p:childTnLst>
+        </p:cTn>
+      </p:par>
+    </p:tnLst>
+  </p:timing>
+</p:sld>
+</file>
+
+<file path=ppt/slides/slide12.xml><?xml version="1.0" encoding="utf-8"?>
+<p:sld xmlns:a="http://schemas.openxmlformats.org/drawingml/2006/main" xmlns:r="http://schemas.openxmlformats.org/officeDocument/2006/relationships" xmlns:p="http://schemas.openxmlformats.org/presentationml/2006/main">
+  <p:cSld>
+    <p:spTree>
+      <p:nvGrpSpPr>
+        <p:cNvPr id="1" name="">
+          <a:extLst>
+            <a:ext uri="{FF2B5EF4-FFF2-40B4-BE49-F238E27FC236}">
+              <a16:creationId xmlns:a16="http://schemas.microsoft.com/office/drawing/2014/main" id="{9B0232DA-4171-A7F3-0700-F9EC2D984684}"/>
+            </a:ext>
+          </a:extLst>
+        </p:cNvPr>
+        <p:cNvGrpSpPr/>
+        <p:nvPr/>
+      </p:nvGrpSpPr>
+      <p:grpSpPr>
+        <a:xfrm>
+          <a:off x="0" y="0"/>
+          <a:ext cx="0" cy="0"/>
+          <a:chOff x="0" y="0"/>
+          <a:chExt cx="0" cy="0"/>
+        </a:xfrm>
+      </p:grpSpPr>
+      <p:sp>
+        <p:nvSpPr>
+          <p:cNvPr id="32" name="Rectangle 31">
+            <a:extLst>
+              <a:ext uri="{FF2B5EF4-FFF2-40B4-BE49-F238E27FC236}">
+                <a16:creationId xmlns:a16="http://schemas.microsoft.com/office/drawing/2014/main" id="{D14E6981-8CD9-F5F0-0BFB-1ACC2FCE814E}"/>
+              </a:ext>
+            </a:extLst>
+          </p:cNvPr>
+          <p:cNvSpPr/>
+          <p:nvPr>
+            <p:custDataLst>
+              <p:tags r:id="rId1"/>
+            </p:custDataLst>
+          </p:nvPr>
+        </p:nvSpPr>
+        <p:spPr>
+          <a:xfrm>
+            <a:off x="281616" y="914401"/>
+            <a:ext cx="2292250" cy="83126"/>
+          </a:xfrm>
+          <a:prstGeom prst="rect">
+            <a:avLst/>
+          </a:prstGeom>
+          <a:solidFill>
+            <a:srgbClr val="033572"/>
+          </a:solidFill>
+          <a:ln>
+            <a:noFill/>
+          </a:ln>
+        </p:spPr>
+        <p:style>
+          <a:lnRef idx="2">
+            <a:schemeClr val="accent1">
+              <a:shade val="50000"/>
+            </a:schemeClr>
+          </a:lnRef>
+          <a:fillRef idx="1">
+            <a:schemeClr val="accent1"/>
+          </a:fillRef>
+          <a:effectRef idx="0">
+            <a:schemeClr val="accent1"/>
+          </a:effectRef>
+          <a:fontRef idx="minor">
+            <a:schemeClr val="lt1"/>
+          </a:fontRef>
+        </p:style>
+        <p:txBody>
+          <a:bodyPr rtlCol="0" anchor="ctr"/>
+          <a:lstStyle/>
+          <a:p>
+            <a:pPr algn="ctr"/>
+            <a:endParaRPr lang="en-CA" dirty="0"/>
+          </a:p>
+        </p:txBody>
+      </p:sp>
+      <p:pic>
+        <p:nvPicPr>
+          <p:cNvPr id="10" name="Picture 9">
+            <a:extLst>
+              <a:ext uri="{FF2B5EF4-FFF2-40B4-BE49-F238E27FC236}">
+                <a16:creationId xmlns:a16="http://schemas.microsoft.com/office/drawing/2014/main" id="{1A698058-C685-39B7-42D0-4995BDE955D1}"/>
+              </a:ext>
+            </a:extLst>
+          </p:cNvPr>
+          <p:cNvPicPr>
+            <a:picLocks noChangeAspect="1"/>
+          </p:cNvPicPr>
+          <p:nvPr>
+            <p:custDataLst>
+              <p:tags r:id="rId2"/>
+            </p:custDataLst>
+          </p:nvPr>
+        </p:nvPicPr>
+        <p:blipFill>
+          <a:blip r:embed="rId7" cstate="screen">
+            <a:extLst>
+              <a:ext uri="{28A0092B-C50C-407E-A947-70E740481C1C}">
+                <a14:useLocalDpi xmlns:a14="http://schemas.microsoft.com/office/drawing/2010/main"/>
+              </a:ext>
+            </a:extLst>
+          </a:blip>
+          <a:stretch>
+            <a:fillRect/>
+          </a:stretch>
+        </p:blipFill>
+        <p:spPr>
+          <a:xfrm>
+            <a:off x="281616" y="6486309"/>
+            <a:ext cx="1506045" cy="164931"/>
+          </a:xfrm>
+          <a:prstGeom prst="rect">
+            <a:avLst/>
+          </a:prstGeom>
+        </p:spPr>
+      </p:pic>
+      <p:sp>
+        <p:nvSpPr>
+          <p:cNvPr id="5" name="Slide Number Placeholder 4">
+            <a:extLst>
+              <a:ext uri="{FF2B5EF4-FFF2-40B4-BE49-F238E27FC236}">
+                <a16:creationId xmlns:a16="http://schemas.microsoft.com/office/drawing/2014/main" id="{EC0B7F23-E45A-1F15-6AEB-1B04DB14E17D}"/>
+              </a:ext>
+            </a:extLst>
+          </p:cNvPr>
+          <p:cNvSpPr>
+            <a:spLocks noGrp="1"/>
+          </p:cNvSpPr>
+          <p:nvPr>
+            <p:ph type="sldNum" sz="quarter" idx="12"/>
+            <p:custDataLst>
+              <p:tags r:id="rId3"/>
+            </p:custDataLst>
+          </p:nvPr>
+        </p:nvSpPr>
+        <p:spPr/>
+        <p:txBody>
+          <a:bodyPr/>
+          <a:lstStyle/>
+          <a:p>
+            <a:fld id="{F8F2F176-31C6-47A3-A156-EEB678E90E74}" type="slidenum">
+              <a:rPr lang="en-CA" smtClean="0"/>
+              <a:pPr/>
+              <a:t>12</a:t>
             </a:fld>
             <a:endParaRPr lang="en-CA" dirty="0"/>
           </a:p>
@@ -6908,7 +9259,7 @@
 </p:sld>
 </file>
 
-<file path=ppt/slides/slide12.xml><?xml version="1.0" encoding="utf-8"?>
+<file path=ppt/slides/slide13.xml><?xml version="1.0" encoding="utf-8"?>
 <p:sld xmlns:a="http://schemas.openxmlformats.org/drawingml/2006/main" xmlns:r="http://schemas.openxmlformats.org/officeDocument/2006/relationships" xmlns:p="http://schemas.openxmlformats.org/presentationml/2006/main">
   <p:cSld>
     <p:spTree>
@@ -7054,7 +9405,7 @@
             <a:fld id="{F8F2F176-31C6-47A3-A156-EEB678E90E74}" type="slidenum">
               <a:rPr lang="en-CA" smtClean="0"/>
               <a:pPr/>
-              <a:t>12</a:t>
+              <a:t>13</a:t>
             </a:fld>
             <a:endParaRPr lang="en-CA" dirty="0"/>
           </a:p>
@@ -7441,10 +9792,112 @@
   <p:clrMapOvr>
     <a:masterClrMapping/>
   </p:clrMapOvr>
+  <p:timing>
+    <p:tnLst>
+      <p:par>
+        <p:cTn id="1" dur="indefinite" restart="never" nodeType="tmRoot">
+          <p:childTnLst>
+            <p:seq concurrent="1" nextAc="seek">
+              <p:cTn id="2" dur="indefinite" nodeType="mainSeq">
+                <p:childTnLst>
+                  <p:par>
+                    <p:cTn id="3" fill="hold">
+                      <p:stCondLst>
+                        <p:cond delay="indefinite"/>
+                      </p:stCondLst>
+                      <p:childTnLst>
+                        <p:par>
+                          <p:cTn id="4" fill="hold">
+                            <p:stCondLst>
+                              <p:cond delay="0"/>
+                            </p:stCondLst>
+                            <p:childTnLst>
+                              <p:par>
+                                <p:cTn id="5" presetID="1" presetClass="entr" presetSubtype="0" fill="hold" nodeType="clickEffect">
+                                  <p:stCondLst>
+                                    <p:cond delay="0"/>
+                                  </p:stCondLst>
+                                  <p:childTnLst>
+                                    <p:set>
+                                      <p:cBhvr>
+                                        <p:cTn id="6" dur="1" fill="hold">
+                                          <p:stCondLst>
+                                            <p:cond delay="0"/>
+                                          </p:stCondLst>
+                                        </p:cTn>
+                                        <p:tgtEl>
+                                          <p:spTgt spid="4"/>
+                                        </p:tgtEl>
+                                        <p:attrNameLst>
+                                          <p:attrName>style.visibility</p:attrName>
+                                        </p:attrNameLst>
+                                      </p:cBhvr>
+                                      <p:to>
+                                        <p:strVal val="visible"/>
+                                      </p:to>
+                                    </p:set>
+                                  </p:childTnLst>
+                                </p:cTn>
+                              </p:par>
+                              <p:par>
+                                <p:cTn id="7" presetID="1" presetClass="entr" presetSubtype="0" fill="hold" nodeType="withEffect">
+                                  <p:stCondLst>
+                                    <p:cond delay="0"/>
+                                  </p:stCondLst>
+                                  <p:childTnLst>
+                                    <p:set>
+                                      <p:cBhvr>
+                                        <p:cTn id="8" dur="1" fill="hold">
+                                          <p:stCondLst>
+                                            <p:cond delay="0"/>
+                                          </p:stCondLst>
+                                        </p:cTn>
+                                        <p:tgtEl>
+                                          <p:spTgt spid="12"/>
+                                        </p:tgtEl>
+                                        <p:attrNameLst>
+                                          <p:attrName>style.visibility</p:attrName>
+                                        </p:attrNameLst>
+                                      </p:cBhvr>
+                                      <p:to>
+                                        <p:strVal val="visible"/>
+                                      </p:to>
+                                    </p:set>
+                                  </p:childTnLst>
+                                </p:cTn>
+                              </p:par>
+                            </p:childTnLst>
+                          </p:cTn>
+                        </p:par>
+                      </p:childTnLst>
+                    </p:cTn>
+                  </p:par>
+                </p:childTnLst>
+              </p:cTn>
+              <p:prevCondLst>
+                <p:cond evt="onPrev" delay="0">
+                  <p:tgtEl>
+                    <p:sldTgt/>
+                  </p:tgtEl>
+                </p:cond>
+              </p:prevCondLst>
+              <p:nextCondLst>
+                <p:cond evt="onNext" delay="0">
+                  <p:tgtEl>
+                    <p:sldTgt/>
+                  </p:tgtEl>
+                </p:cond>
+              </p:nextCondLst>
+            </p:seq>
+          </p:childTnLst>
+        </p:cTn>
+      </p:par>
+    </p:tnLst>
+  </p:timing>
 </p:sld>
 </file>
 
-<file path=ppt/slides/slide13.xml><?xml version="1.0" encoding="utf-8"?>
+<file path=ppt/slides/slide14.xml><?xml version="1.0" encoding="utf-8"?>
 <p:sld xmlns:a="http://schemas.openxmlformats.org/drawingml/2006/main" xmlns:r="http://schemas.openxmlformats.org/officeDocument/2006/relationships" xmlns:p="http://schemas.openxmlformats.org/presentationml/2006/main">
   <p:cSld>
     <p:spTree>
@@ -7534,7 +9987,7 @@
             <a:fld id="{F8F2F176-31C6-47A3-A156-EEB678E90E74}" type="slidenum">
               <a:rPr lang="en-CA" smtClean="0"/>
               <a:pPr/>
-              <a:t>13</a:t>
+              <a:t>14</a:t>
             </a:fld>
             <a:endParaRPr lang="en-CA" dirty="0"/>
           </a:p>
@@ -8140,7 +10593,7 @@
                         <a:buNone/>
                       </a:pPr>
                       <a:r>
-                        <a:rPr lang="en-CA" sz="1400" b="0" i="0" u="none" strike="noStrike">
+                        <a:rPr lang="en-CA" sz="1400" b="0" i="0" u="none" strike="noStrike" dirty="0">
                           <a:solidFill>
                             <a:srgbClr val="1F2328"/>
                           </a:solidFill>
@@ -8415,7 +10868,7 @@
 </p:sld>
 </file>
 
-<file path=ppt/slides/slide14.xml><?xml version="1.0" encoding="utf-8"?>
+<file path=ppt/slides/slide15.xml><?xml version="1.0" encoding="utf-8"?>
 <p:sld xmlns:a="http://schemas.openxmlformats.org/drawingml/2006/main" xmlns:r="http://schemas.openxmlformats.org/officeDocument/2006/relationships" xmlns:p="http://schemas.openxmlformats.org/presentationml/2006/main">
   <p:cSld>
     <p:spTree>
@@ -8499,7 +10952,7 @@
             <a:fld id="{F8F2F176-31C6-47A3-A156-EEB678E90E74}" type="slidenum">
               <a:rPr lang="en-CA" smtClean="0"/>
               <a:pPr/>
-              <a:t>14</a:t>
+              <a:t>15</a:t>
             </a:fld>
             <a:endParaRPr lang="en-CA" dirty="0"/>
           </a:p>
@@ -8944,7 +11397,1020 @@
 </p:sld>
 </file>
 
-<file path=ppt/slides/slide15.xml><?xml version="1.0" encoding="utf-8"?>
+<file path=ppt/slides/slide16.xml><?xml version="1.0" encoding="utf-8"?>
+<p:sld xmlns:a="http://schemas.openxmlformats.org/drawingml/2006/main" xmlns:r="http://schemas.openxmlformats.org/officeDocument/2006/relationships" xmlns:p="http://schemas.openxmlformats.org/presentationml/2006/main">
+  <p:cSld>
+    <p:spTree>
+      <p:nvGrpSpPr>
+        <p:cNvPr id="1" name="">
+          <a:extLst>
+            <a:ext uri="{FF2B5EF4-FFF2-40B4-BE49-F238E27FC236}">
+              <a16:creationId xmlns:a16="http://schemas.microsoft.com/office/drawing/2014/main" id="{49ECABFE-4DBE-943B-5FDE-BABF46857702}"/>
+            </a:ext>
+          </a:extLst>
+        </p:cNvPr>
+        <p:cNvGrpSpPr/>
+        <p:nvPr/>
+      </p:nvGrpSpPr>
+      <p:grpSpPr>
+        <a:xfrm>
+          <a:off x="0" y="0"/>
+          <a:ext cx="0" cy="0"/>
+          <a:chOff x="0" y="0"/>
+          <a:chExt cx="0" cy="0"/>
+        </a:xfrm>
+      </p:grpSpPr>
+      <p:pic>
+        <p:nvPicPr>
+          <p:cNvPr id="10" name="Picture 9">
+            <a:extLst>
+              <a:ext uri="{FF2B5EF4-FFF2-40B4-BE49-F238E27FC236}">
+                <a16:creationId xmlns:a16="http://schemas.microsoft.com/office/drawing/2014/main" id="{EEEC614C-5082-2422-053A-BDDA0277F485}"/>
+              </a:ext>
+            </a:extLst>
+          </p:cNvPr>
+          <p:cNvPicPr>
+            <a:picLocks noChangeAspect="1"/>
+          </p:cNvPicPr>
+          <p:nvPr>
+            <p:custDataLst>
+              <p:tags r:id="rId1"/>
+            </p:custDataLst>
+          </p:nvPr>
+        </p:nvPicPr>
+        <p:blipFill>
+          <a:blip r:embed="rId7" cstate="screen">
+            <a:extLst>
+              <a:ext uri="{28A0092B-C50C-407E-A947-70E740481C1C}">
+                <a14:useLocalDpi xmlns:a14="http://schemas.microsoft.com/office/drawing/2010/main"/>
+              </a:ext>
+            </a:extLst>
+          </a:blip>
+          <a:stretch>
+            <a:fillRect/>
+          </a:stretch>
+        </p:blipFill>
+        <p:spPr>
+          <a:xfrm>
+            <a:off x="281616" y="6486309"/>
+            <a:ext cx="1506045" cy="164931"/>
+          </a:xfrm>
+          <a:prstGeom prst="rect">
+            <a:avLst/>
+          </a:prstGeom>
+        </p:spPr>
+      </p:pic>
+      <p:sp>
+        <p:nvSpPr>
+          <p:cNvPr id="5" name="Slide Number Placeholder 4">
+            <a:extLst>
+              <a:ext uri="{FF2B5EF4-FFF2-40B4-BE49-F238E27FC236}">
+                <a16:creationId xmlns:a16="http://schemas.microsoft.com/office/drawing/2014/main" id="{3DDCC6D8-6069-5783-3389-FB5EED4B958B}"/>
+              </a:ext>
+            </a:extLst>
+          </p:cNvPr>
+          <p:cNvSpPr>
+            <a:spLocks noGrp="1"/>
+          </p:cNvSpPr>
+          <p:nvPr>
+            <p:ph type="sldNum" sz="quarter" idx="12"/>
+            <p:custDataLst>
+              <p:tags r:id="rId2"/>
+            </p:custDataLst>
+          </p:nvPr>
+        </p:nvSpPr>
+        <p:spPr/>
+        <p:txBody>
+          <a:bodyPr/>
+          <a:lstStyle/>
+          <a:p>
+            <a:fld id="{F8F2F176-31C6-47A3-A156-EEB678E90E74}" type="slidenum">
+              <a:rPr lang="en-CA" smtClean="0"/>
+              <a:pPr/>
+              <a:t>16</a:t>
+            </a:fld>
+            <a:endParaRPr lang="en-CA" dirty="0"/>
+          </a:p>
+        </p:txBody>
+      </p:sp>
+      <p:sp>
+        <p:nvSpPr>
+          <p:cNvPr id="14" name="Title 1">
+            <a:extLst>
+              <a:ext uri="{FF2B5EF4-FFF2-40B4-BE49-F238E27FC236}">
+                <a16:creationId xmlns:a16="http://schemas.microsoft.com/office/drawing/2014/main" id="{09AAC16C-2538-A518-3591-D19EDA8F49E4}"/>
+              </a:ext>
+            </a:extLst>
+          </p:cNvPr>
+          <p:cNvSpPr>
+            <a:spLocks noGrp="1"/>
+          </p:cNvSpPr>
+          <p:nvPr>
+            <p:ph type="title"/>
+            <p:custDataLst>
+              <p:tags r:id="rId3"/>
+            </p:custDataLst>
+          </p:nvPr>
+        </p:nvSpPr>
+        <p:spPr>
+          <a:xfrm>
+            <a:off x="166256" y="206760"/>
+            <a:ext cx="7646555" cy="684834"/>
+          </a:xfrm>
+        </p:spPr>
+        <p:txBody>
+          <a:bodyPr>
+            <a:normAutofit/>
+          </a:bodyPr>
+          <a:lstStyle/>
+          <a:p>
+            <a:r>
+              <a:rPr lang="en-CA" sz="3200" dirty="0">
+                <a:latin typeface="Montserrat" panose="00000500000000000000" pitchFamily="2" charset="0"/>
+                <a:ea typeface="Yu Gothic UI Light" panose="020B0300000000000000" pitchFamily="34" charset="-128"/>
+              </a:rPr>
+              <a:t>Roadmap</a:t>
+            </a:r>
+          </a:p>
+        </p:txBody>
+      </p:sp>
+      <p:sp>
+        <p:nvSpPr>
+          <p:cNvPr id="3" name="TextBox 2">
+            <a:extLst>
+              <a:ext uri="{FF2B5EF4-FFF2-40B4-BE49-F238E27FC236}">
+                <a16:creationId xmlns:a16="http://schemas.microsoft.com/office/drawing/2014/main" id="{B556764C-BD82-7675-A885-CDDAF0ED1903}"/>
+              </a:ext>
+            </a:extLst>
+          </p:cNvPr>
+          <p:cNvSpPr txBox="1"/>
+          <p:nvPr/>
+        </p:nvSpPr>
+        <p:spPr>
+          <a:xfrm>
+            <a:off x="281617" y="1241362"/>
+            <a:ext cx="8233734" cy="400110"/>
+          </a:xfrm>
+          <a:prstGeom prst="rect">
+            <a:avLst/>
+          </a:prstGeom>
+          <a:noFill/>
+        </p:spPr>
+        <p:txBody>
+          <a:bodyPr wrap="square">
+            <a:spAutoFit/>
+          </a:bodyPr>
+          <a:lstStyle/>
+          <a:p>
+            <a:r>
+              <a:rPr lang="en-CA" sz="2000" dirty="0" err="1">
+                <a:latin typeface="Montserrat SemiBold" panose="00000700000000000000" pitchFamily="2" charset="0"/>
+              </a:rPr>
+              <a:t>Autodiff</a:t>
+            </a:r>
+            <a:r>
+              <a:rPr lang="en-CA" sz="2000" dirty="0">
+                <a:latin typeface="Montserrat SemiBold" panose="00000700000000000000" pitchFamily="2" charset="0"/>
+              </a:rPr>
+              <a:t>: </a:t>
+            </a:r>
+            <a:r>
+              <a:rPr lang="en-CA" dirty="0">
+                <a:latin typeface="Montserrat" panose="00000500000000000000" pitchFamily="2" charset="0"/>
+              </a:rPr>
+              <a:t>Support user defined loss</a:t>
+            </a:r>
+          </a:p>
+        </p:txBody>
+      </p:sp>
+      <p:sp>
+        <p:nvSpPr>
+          <p:cNvPr id="2" name="Rectangle 1">
+            <a:extLst>
+              <a:ext uri="{FF2B5EF4-FFF2-40B4-BE49-F238E27FC236}">
+                <a16:creationId xmlns:a16="http://schemas.microsoft.com/office/drawing/2014/main" id="{1A4F4D3A-DBCF-6915-16CA-A457409BD48F}"/>
+              </a:ext>
+            </a:extLst>
+          </p:cNvPr>
+          <p:cNvSpPr/>
+          <p:nvPr>
+            <p:custDataLst>
+              <p:tags r:id="rId4"/>
+            </p:custDataLst>
+          </p:nvPr>
+        </p:nvSpPr>
+        <p:spPr>
+          <a:xfrm>
+            <a:off x="281616" y="914401"/>
+            <a:ext cx="2292250" cy="83126"/>
+          </a:xfrm>
+          <a:prstGeom prst="rect">
+            <a:avLst/>
+          </a:prstGeom>
+          <a:solidFill>
+            <a:srgbClr val="033572"/>
+          </a:solidFill>
+          <a:ln>
+            <a:noFill/>
+          </a:ln>
+        </p:spPr>
+        <p:style>
+          <a:lnRef idx="2">
+            <a:schemeClr val="accent1">
+              <a:shade val="50000"/>
+            </a:schemeClr>
+          </a:lnRef>
+          <a:fillRef idx="1">
+            <a:schemeClr val="accent1"/>
+          </a:fillRef>
+          <a:effectRef idx="0">
+            <a:schemeClr val="accent1"/>
+          </a:effectRef>
+          <a:fontRef idx="minor">
+            <a:schemeClr val="lt1"/>
+          </a:fontRef>
+        </p:style>
+        <p:txBody>
+          <a:bodyPr rtlCol="0" anchor="ctr"/>
+          <a:lstStyle/>
+          <a:p>
+            <a:pPr algn="ctr"/>
+            <a:endParaRPr lang="en-CA" dirty="0"/>
+          </a:p>
+        </p:txBody>
+      </p:sp>
+      <p:sp>
+        <p:nvSpPr>
+          <p:cNvPr id="4" name="Rectangle 3">
+            <a:extLst>
+              <a:ext uri="{FF2B5EF4-FFF2-40B4-BE49-F238E27FC236}">
+                <a16:creationId xmlns:a16="http://schemas.microsoft.com/office/drawing/2014/main" id="{BC6042C7-FB7C-DA68-1A8C-56F9CE6B0E1E}"/>
+              </a:ext>
+            </a:extLst>
+          </p:cNvPr>
+          <p:cNvSpPr/>
+          <p:nvPr/>
+        </p:nvSpPr>
+        <p:spPr>
+          <a:xfrm>
+            <a:off x="0" y="1885307"/>
+            <a:ext cx="9144000" cy="2752118"/>
+          </a:xfrm>
+          <a:prstGeom prst="rect">
+            <a:avLst/>
+          </a:prstGeom>
+          <a:solidFill>
+            <a:srgbClr val="F9F9F9"/>
+          </a:solidFill>
+          <a:ln>
+            <a:noFill/>
+          </a:ln>
+        </p:spPr>
+        <p:style>
+          <a:lnRef idx="2">
+            <a:schemeClr val="accent1">
+              <a:shade val="15000"/>
+            </a:schemeClr>
+          </a:lnRef>
+          <a:fillRef idx="1">
+            <a:schemeClr val="accent1"/>
+          </a:fillRef>
+          <a:effectRef idx="0">
+            <a:schemeClr val="accent1"/>
+          </a:effectRef>
+          <a:fontRef idx="minor">
+            <a:schemeClr val="lt1"/>
+          </a:fontRef>
+        </p:style>
+        <p:txBody>
+          <a:bodyPr rtlCol="0" anchor="t"/>
+          <a:lstStyle/>
+          <a:p>
+            <a:pPr lvl="1"/>
+            <a:r>
+              <a:rPr lang="en-CA" sz="1200" dirty="0">
+                <a:solidFill>
+                  <a:srgbClr val="C678DD"/>
+                </a:solidFill>
+                <a:latin typeface="Consolas" panose="020B0609020204030204" pitchFamily="49" charset="0"/>
+              </a:rPr>
+              <a:t>function</a:t>
+            </a:r>
+            <a:r>
+              <a:rPr lang="en-CA" sz="1200" dirty="0">
+                <a:solidFill>
+                  <a:srgbClr val="454E56"/>
+                </a:solidFill>
+                <a:latin typeface="Consolas" panose="020B0609020204030204" pitchFamily="49" charset="0"/>
+              </a:rPr>
+              <a:t> </a:t>
+            </a:r>
+            <a:r>
+              <a:rPr lang="en-CA" sz="1200" dirty="0" err="1">
+                <a:solidFill>
+                  <a:srgbClr val="56B6C2"/>
+                </a:solidFill>
+                <a:latin typeface="Consolas" panose="020B0609020204030204" pitchFamily="49" charset="0"/>
+              </a:rPr>
+              <a:t>my_mse</a:t>
+            </a:r>
+            <a:r>
+              <a:rPr lang="en-CA" sz="1200" dirty="0">
+                <a:solidFill>
+                  <a:srgbClr val="454E56"/>
+                </a:solidFill>
+                <a:latin typeface="Consolas" panose="020B0609020204030204" pitchFamily="49" charset="0"/>
+              </a:rPr>
+              <a:t>(p, y)</a:t>
+            </a:r>
+          </a:p>
+          <a:p>
+            <a:pPr lvl="1"/>
+            <a:r>
+              <a:rPr lang="en-CA" sz="1200" dirty="0">
+                <a:solidFill>
+                  <a:srgbClr val="454E56"/>
+                </a:solidFill>
+                <a:latin typeface="Consolas" panose="020B0609020204030204" pitchFamily="49" charset="0"/>
+              </a:rPr>
+              <a:t>	</a:t>
+            </a:r>
+            <a:r>
+              <a:rPr lang="en-CA" sz="1200" dirty="0">
+                <a:solidFill>
+                  <a:srgbClr val="C678DD"/>
+                </a:solidFill>
+                <a:latin typeface="Consolas" panose="020B0609020204030204" pitchFamily="49" charset="0"/>
+              </a:rPr>
+              <a:t>return</a:t>
+            </a:r>
+            <a:r>
+              <a:rPr lang="en-CA" sz="1200" dirty="0">
+                <a:solidFill>
+                  <a:srgbClr val="454E56"/>
+                </a:solidFill>
+                <a:latin typeface="Consolas" panose="020B0609020204030204" pitchFamily="49" charset="0"/>
+              </a:rPr>
+              <a:t> (x - y)^2</a:t>
+            </a:r>
+          </a:p>
+          <a:p>
+            <a:pPr lvl="1"/>
+            <a:r>
+              <a:rPr lang="en-CA" sz="1200" dirty="0">
+                <a:solidFill>
+                  <a:srgbClr val="C678DD"/>
+                </a:solidFill>
+                <a:latin typeface="Consolas" panose="020B0609020204030204" pitchFamily="49" charset="0"/>
+              </a:rPr>
+              <a:t>end</a:t>
+            </a:r>
+          </a:p>
+          <a:p>
+            <a:pPr lvl="1"/>
+            <a:endParaRPr lang="en-CA" sz="1200" dirty="0">
+              <a:solidFill>
+                <a:srgbClr val="C678DD"/>
+              </a:solidFill>
+              <a:latin typeface="Consolas" panose="020B0609020204030204" pitchFamily="49" charset="0"/>
+            </a:endParaRPr>
+          </a:p>
+          <a:p>
+            <a:pPr lvl="1"/>
+            <a:r>
+              <a:rPr lang="en-CA" sz="1200" dirty="0">
+                <a:solidFill>
+                  <a:srgbClr val="C678DD"/>
+                </a:solidFill>
+                <a:latin typeface="Consolas" panose="020B0609020204030204" pitchFamily="49" charset="0"/>
+              </a:rPr>
+              <a:t>function</a:t>
+            </a:r>
+            <a:r>
+              <a:rPr lang="en-CA" sz="1200" dirty="0">
+                <a:solidFill>
+                  <a:srgbClr val="454E56"/>
+                </a:solidFill>
+                <a:latin typeface="Consolas" panose="020B0609020204030204" pitchFamily="49" charset="0"/>
+              </a:rPr>
+              <a:t> </a:t>
+            </a:r>
+            <a:r>
+              <a:rPr lang="en-CA" sz="1200" dirty="0">
+                <a:solidFill>
+                  <a:srgbClr val="56B6C2"/>
+                </a:solidFill>
+                <a:latin typeface="Consolas" panose="020B0609020204030204" pitchFamily="49" charset="0"/>
+              </a:rPr>
+              <a:t>_</a:t>
+            </a:r>
+            <a:r>
+              <a:rPr lang="en-CA" sz="1200" dirty="0" err="1">
+                <a:solidFill>
+                  <a:srgbClr val="56B6C2"/>
+                </a:solidFill>
+                <a:latin typeface="Consolas" panose="020B0609020204030204" pitchFamily="49" charset="0"/>
+              </a:rPr>
+              <a:t>mse_grad</a:t>
+            </a:r>
+            <a:r>
+              <a:rPr lang="en-CA" sz="1200" dirty="0">
+                <a:solidFill>
+                  <a:srgbClr val="454E56"/>
+                </a:solidFill>
+                <a:latin typeface="Consolas" panose="020B0609020204030204" pitchFamily="49" charset="0"/>
+              </a:rPr>
+              <a:t>(p, </a:t>
+            </a:r>
+            <a:r>
+              <a:rPr lang="en-CA" sz="1200" dirty="0" err="1">
+                <a:solidFill>
+                  <a:srgbClr val="454E56"/>
+                </a:solidFill>
+                <a:latin typeface="Consolas" panose="020B0609020204030204" pitchFamily="49" charset="0"/>
+              </a:rPr>
+              <a:t>dp</a:t>
+            </a:r>
+            <a:r>
+              <a:rPr lang="en-CA" sz="1200" dirty="0">
+                <a:solidFill>
+                  <a:srgbClr val="454E56"/>
+                </a:solidFill>
+                <a:latin typeface="Consolas" panose="020B0609020204030204" pitchFamily="49" charset="0"/>
+              </a:rPr>
+              <a:t>, y)</a:t>
+            </a:r>
+          </a:p>
+          <a:p>
+            <a:pPr lvl="1"/>
+            <a:r>
+              <a:rPr lang="en-CA" sz="1200" dirty="0">
+                <a:solidFill>
+                  <a:srgbClr val="56B6C2"/>
+                </a:solidFill>
+                <a:latin typeface="Consolas" panose="020B0609020204030204" pitchFamily="49" charset="0"/>
+              </a:rPr>
+              <a:t>    </a:t>
+            </a:r>
+            <a:r>
+              <a:rPr lang="en-CA" sz="1200" dirty="0" err="1">
+                <a:solidFill>
+                  <a:srgbClr val="56B6C2"/>
+                </a:solidFill>
+                <a:latin typeface="Consolas" panose="020B0609020204030204" pitchFamily="49" charset="0"/>
+              </a:rPr>
+              <a:t>autodiff</a:t>
+            </a:r>
+            <a:r>
+              <a:rPr lang="en-CA" sz="1200" dirty="0">
+                <a:solidFill>
+                  <a:srgbClr val="454E56"/>
+                </a:solidFill>
+                <a:latin typeface="Consolas" panose="020B0609020204030204" pitchFamily="49" charset="0"/>
+              </a:rPr>
+              <a:t>(Reverse, </a:t>
+            </a:r>
+            <a:r>
+              <a:rPr lang="en-CA" sz="1200" dirty="0" err="1">
+                <a:solidFill>
+                  <a:srgbClr val="454E56"/>
+                </a:solidFill>
+                <a:latin typeface="Consolas" panose="020B0609020204030204" pitchFamily="49" charset="0"/>
+              </a:rPr>
+              <a:t>my_mse</a:t>
+            </a:r>
+            <a:r>
+              <a:rPr lang="en-CA" sz="1200" dirty="0">
+                <a:solidFill>
+                  <a:srgbClr val="454E56"/>
+                </a:solidFill>
+                <a:latin typeface="Consolas" panose="020B0609020204030204" pitchFamily="49" charset="0"/>
+              </a:rPr>
+              <a:t>, Active, </a:t>
+            </a:r>
+            <a:r>
+              <a:rPr lang="en-CA" sz="1200" dirty="0">
+                <a:solidFill>
+                  <a:srgbClr val="56B6C2"/>
+                </a:solidFill>
+                <a:latin typeface="Consolas" panose="020B0609020204030204" pitchFamily="49" charset="0"/>
+              </a:rPr>
+              <a:t>Duplicated</a:t>
+            </a:r>
+            <a:r>
+              <a:rPr lang="en-CA" sz="1200" dirty="0">
+                <a:solidFill>
+                  <a:srgbClr val="454E56"/>
+                </a:solidFill>
+                <a:latin typeface="Consolas" panose="020B0609020204030204" pitchFamily="49" charset="0"/>
+              </a:rPr>
+              <a:t>(p, </a:t>
+            </a:r>
+            <a:r>
+              <a:rPr lang="en-CA" sz="1200" dirty="0" err="1">
+                <a:solidFill>
+                  <a:srgbClr val="454E56"/>
+                </a:solidFill>
+                <a:latin typeface="Consolas" panose="020B0609020204030204" pitchFamily="49" charset="0"/>
+              </a:rPr>
+              <a:t>dp</a:t>
+            </a:r>
+            <a:r>
+              <a:rPr lang="en-CA" sz="1200" dirty="0">
+                <a:solidFill>
+                  <a:srgbClr val="454E56"/>
+                </a:solidFill>
+                <a:latin typeface="Consolas" panose="020B0609020204030204" pitchFamily="49" charset="0"/>
+              </a:rPr>
+              <a:t>), </a:t>
+            </a:r>
+            <a:r>
+              <a:rPr lang="en-CA" sz="1200" dirty="0">
+                <a:solidFill>
+                  <a:srgbClr val="56B6C2"/>
+                </a:solidFill>
+                <a:latin typeface="Consolas" panose="020B0609020204030204" pitchFamily="49" charset="0"/>
+              </a:rPr>
+              <a:t>Const</a:t>
+            </a:r>
+            <a:r>
+              <a:rPr lang="en-CA" sz="1200" dirty="0">
+                <a:solidFill>
+                  <a:srgbClr val="454E56"/>
+                </a:solidFill>
+                <a:latin typeface="Consolas" panose="020B0609020204030204" pitchFamily="49" charset="0"/>
+              </a:rPr>
+              <a:t>(y))</a:t>
+            </a:r>
+          </a:p>
+          <a:p>
+            <a:pPr lvl="1"/>
+            <a:r>
+              <a:rPr lang="en-CA" sz="1200" dirty="0">
+                <a:solidFill>
+                  <a:srgbClr val="454E56"/>
+                </a:solidFill>
+                <a:latin typeface="Consolas" panose="020B0609020204030204" pitchFamily="49" charset="0"/>
+              </a:rPr>
+              <a:t>    return nothing</a:t>
+            </a:r>
+          </a:p>
+          <a:p>
+            <a:pPr lvl="1"/>
+            <a:r>
+              <a:rPr lang="en-CA" sz="1200" dirty="0">
+                <a:solidFill>
+                  <a:srgbClr val="C678DD"/>
+                </a:solidFill>
+                <a:latin typeface="Consolas" panose="020B0609020204030204" pitchFamily="49" charset="0"/>
+              </a:rPr>
+              <a:t>end</a:t>
+            </a:r>
+          </a:p>
+          <a:p>
+            <a:pPr lvl="1"/>
+            <a:endParaRPr lang="en-CA" sz="1200" dirty="0">
+              <a:solidFill>
+                <a:srgbClr val="454E56"/>
+              </a:solidFill>
+              <a:latin typeface="Consolas" panose="020B0609020204030204" pitchFamily="49" charset="0"/>
+            </a:endParaRPr>
+          </a:p>
+          <a:p>
+            <a:pPr lvl="1"/>
+            <a:r>
+              <a:rPr lang="en-CA" sz="1200" dirty="0" err="1">
+                <a:solidFill>
+                  <a:srgbClr val="56B6C2"/>
+                </a:solidFill>
+                <a:latin typeface="Consolas" panose="020B0609020204030204" pitchFamily="49" charset="0"/>
+              </a:rPr>
+              <a:t>autodiff</a:t>
+            </a:r>
+            <a:r>
+              <a:rPr lang="en-CA" sz="1200" dirty="0">
+                <a:solidFill>
+                  <a:srgbClr val="454E56"/>
+                </a:solidFill>
+                <a:latin typeface="Consolas" panose="020B0609020204030204" pitchFamily="49" charset="0"/>
+              </a:rPr>
+              <a:t>(Forward, _</a:t>
+            </a:r>
+            <a:r>
+              <a:rPr lang="en-CA" sz="1200" dirty="0" err="1">
+                <a:solidFill>
+                  <a:srgbClr val="454E56"/>
+                </a:solidFill>
+                <a:latin typeface="Consolas" panose="020B0609020204030204" pitchFamily="49" charset="0"/>
+              </a:rPr>
+              <a:t>mse_grad</a:t>
+            </a:r>
+            <a:r>
+              <a:rPr lang="en-CA" sz="1200" dirty="0">
+                <a:solidFill>
+                  <a:srgbClr val="454E56"/>
+                </a:solidFill>
+                <a:latin typeface="Consolas" panose="020B0609020204030204" pitchFamily="49" charset="0"/>
+              </a:rPr>
+              <a:t>,</a:t>
+            </a:r>
+          </a:p>
+          <a:p>
+            <a:pPr lvl="1"/>
+            <a:r>
+              <a:rPr lang="en-CA" sz="1200" dirty="0">
+                <a:solidFill>
+                  <a:srgbClr val="454E56"/>
+                </a:solidFill>
+                <a:latin typeface="Consolas" panose="020B0609020204030204" pitchFamily="49" charset="0"/>
+              </a:rPr>
+              <a:t>    </a:t>
+            </a:r>
+            <a:r>
+              <a:rPr lang="en-CA" sz="1200" dirty="0">
+                <a:solidFill>
+                  <a:srgbClr val="56B6C2"/>
+                </a:solidFill>
+                <a:latin typeface="Consolas" panose="020B0609020204030204" pitchFamily="49" charset="0"/>
+              </a:rPr>
+              <a:t>Duplicated</a:t>
+            </a:r>
+            <a:r>
+              <a:rPr lang="en-CA" sz="1200" dirty="0">
+                <a:solidFill>
+                  <a:srgbClr val="454E56"/>
+                </a:solidFill>
+                <a:latin typeface="Consolas" panose="020B0609020204030204" pitchFamily="49" charset="0"/>
+              </a:rPr>
+              <a:t>(p, </a:t>
+            </a:r>
+            <a:r>
+              <a:rPr lang="en-CA" sz="1200" dirty="0" err="1">
+                <a:solidFill>
+                  <a:srgbClr val="454E56"/>
+                </a:solidFill>
+                <a:latin typeface="Consolas" panose="020B0609020204030204" pitchFamily="49" charset="0"/>
+              </a:rPr>
+              <a:t>vp</a:t>
+            </a:r>
+            <a:r>
+              <a:rPr lang="en-CA" sz="1200" dirty="0">
+                <a:solidFill>
+                  <a:srgbClr val="454E56"/>
+                </a:solidFill>
+                <a:latin typeface="Consolas" panose="020B0609020204030204" pitchFamily="49" charset="0"/>
+              </a:rPr>
+              <a:t>),</a:t>
+            </a:r>
+          </a:p>
+          <a:p>
+            <a:pPr lvl="1"/>
+            <a:r>
+              <a:rPr lang="en-CA" sz="1200" dirty="0">
+                <a:solidFill>
+                  <a:srgbClr val="454E56"/>
+                </a:solidFill>
+                <a:latin typeface="Consolas" panose="020B0609020204030204" pitchFamily="49" charset="0"/>
+              </a:rPr>
+              <a:t>    </a:t>
+            </a:r>
+            <a:r>
+              <a:rPr lang="en-CA" sz="1200" dirty="0">
+                <a:solidFill>
+                  <a:srgbClr val="56B6C2"/>
+                </a:solidFill>
+                <a:latin typeface="Consolas" panose="020B0609020204030204" pitchFamily="49" charset="0"/>
+              </a:rPr>
+              <a:t>Duplicated</a:t>
+            </a:r>
+            <a:r>
+              <a:rPr lang="en-CA" sz="1200" dirty="0">
+                <a:solidFill>
+                  <a:srgbClr val="454E56"/>
+                </a:solidFill>
+                <a:latin typeface="Consolas" panose="020B0609020204030204" pitchFamily="49" charset="0"/>
+              </a:rPr>
+              <a:t>(</a:t>
+            </a:r>
+            <a:r>
+              <a:rPr lang="en-CA" sz="1200" dirty="0" err="1">
+                <a:solidFill>
+                  <a:srgbClr val="454E56"/>
+                </a:solidFill>
+                <a:latin typeface="Consolas" panose="020B0609020204030204" pitchFamily="49" charset="0"/>
+              </a:rPr>
+              <a:t>dp</a:t>
+            </a:r>
+            <a:r>
+              <a:rPr lang="en-CA" sz="1200" dirty="0">
+                <a:solidFill>
+                  <a:srgbClr val="454E56"/>
+                </a:solidFill>
+                <a:latin typeface="Consolas" panose="020B0609020204030204" pitchFamily="49" charset="0"/>
+              </a:rPr>
+              <a:t>, </a:t>
+            </a:r>
+            <a:r>
+              <a:rPr lang="en-CA" sz="1200" dirty="0" err="1">
+                <a:solidFill>
+                  <a:srgbClr val="454E56"/>
+                </a:solidFill>
+                <a:latin typeface="Consolas" panose="020B0609020204030204" pitchFamily="49" charset="0"/>
+              </a:rPr>
+              <a:t>hess</a:t>
+            </a:r>
+            <a:r>
+              <a:rPr lang="en-CA" sz="1200" dirty="0">
+                <a:solidFill>
+                  <a:srgbClr val="454E56"/>
+                </a:solidFill>
+                <a:latin typeface="Consolas" panose="020B0609020204030204" pitchFamily="49" charset="0"/>
+              </a:rPr>
+              <a:t>),</a:t>
+            </a:r>
+          </a:p>
+          <a:p>
+            <a:pPr lvl="1"/>
+            <a:r>
+              <a:rPr lang="en-CA" sz="1200" dirty="0">
+                <a:solidFill>
+                  <a:srgbClr val="454E56"/>
+                </a:solidFill>
+                <a:latin typeface="Consolas" panose="020B0609020204030204" pitchFamily="49" charset="0"/>
+              </a:rPr>
+              <a:t>    </a:t>
+            </a:r>
+            <a:r>
+              <a:rPr lang="en-CA" sz="1200" dirty="0">
+                <a:solidFill>
+                  <a:srgbClr val="56B6C2"/>
+                </a:solidFill>
+                <a:latin typeface="Consolas" panose="020B0609020204030204" pitchFamily="49" charset="0"/>
+              </a:rPr>
+              <a:t>Const</a:t>
+            </a:r>
+            <a:r>
+              <a:rPr lang="en-CA" sz="1200" dirty="0">
+                <a:solidFill>
+                  <a:srgbClr val="454E56"/>
+                </a:solidFill>
+                <a:latin typeface="Consolas" panose="020B0609020204030204" pitchFamily="49" charset="0"/>
+              </a:rPr>
+              <a:t>(y),</a:t>
+            </a:r>
+          </a:p>
+          <a:p>
+            <a:pPr lvl="1"/>
+            <a:r>
+              <a:rPr lang="en-CA" sz="1200" dirty="0">
+                <a:solidFill>
+                  <a:srgbClr val="454E56"/>
+                </a:solidFill>
+                <a:latin typeface="Consolas" panose="020B0609020204030204" pitchFamily="49" charset="0"/>
+              </a:rPr>
+              <a:t>)</a:t>
+            </a:r>
+          </a:p>
+        </p:txBody>
+      </p:sp>
+      <p:sp>
+        <p:nvSpPr>
+          <p:cNvPr id="11" name="TextBox 10">
+            <a:extLst>
+              <a:ext uri="{FF2B5EF4-FFF2-40B4-BE49-F238E27FC236}">
+                <a16:creationId xmlns:a16="http://schemas.microsoft.com/office/drawing/2014/main" id="{11FB913A-3C20-D698-F146-56A597947BA1}"/>
+              </a:ext>
+            </a:extLst>
+          </p:cNvPr>
+          <p:cNvSpPr txBox="1"/>
+          <p:nvPr/>
+        </p:nvSpPr>
+        <p:spPr>
+          <a:xfrm>
+            <a:off x="281617" y="4823203"/>
+            <a:ext cx="8233734" cy="1477328"/>
+          </a:xfrm>
+          <a:prstGeom prst="rect">
+            <a:avLst/>
+          </a:prstGeom>
+          <a:noFill/>
+        </p:spPr>
+        <p:txBody>
+          <a:bodyPr wrap="square">
+            <a:spAutoFit/>
+          </a:bodyPr>
+          <a:lstStyle/>
+          <a:p>
+            <a:pPr marL="742950" lvl="1" indent="-285750">
+              <a:buFont typeface="Arial" panose="020B0604020202020204" pitchFamily="34" charset="0"/>
+              <a:buChar char="•"/>
+            </a:pPr>
+            <a:r>
+              <a:rPr lang="fr-CA" dirty="0" err="1">
+                <a:latin typeface="Montserrat" panose="00000500000000000000" pitchFamily="2" charset="0"/>
+              </a:rPr>
+              <a:t>Fairly</a:t>
+            </a:r>
+            <a:r>
+              <a:rPr lang="fr-CA" dirty="0">
+                <a:latin typeface="Montserrat" panose="00000500000000000000" pitchFamily="2" charset="0"/>
+              </a:rPr>
+              <a:t> </a:t>
+            </a:r>
+            <a:r>
+              <a:rPr lang="fr-CA" dirty="0" err="1">
+                <a:latin typeface="Montserrat" panose="00000500000000000000" pitchFamily="2" charset="0"/>
+              </a:rPr>
+              <a:t>easy</a:t>
+            </a:r>
+            <a:r>
+              <a:rPr lang="fr-CA" dirty="0">
+                <a:latin typeface="Montserrat" panose="00000500000000000000" pitchFamily="2" charset="0"/>
+              </a:rPr>
+              <a:t> for single </a:t>
+            </a:r>
+            <a:r>
+              <a:rPr lang="fr-CA" dirty="0" err="1">
+                <a:latin typeface="Montserrat" panose="00000500000000000000" pitchFamily="2" charset="0"/>
+              </a:rPr>
+              <a:t>parameters</a:t>
+            </a:r>
+            <a:r>
+              <a:rPr lang="fr-CA" dirty="0">
+                <a:latin typeface="Montserrat" panose="00000500000000000000" pitchFamily="2" charset="0"/>
+              </a:rPr>
+              <a:t> </a:t>
+            </a:r>
+            <a:r>
+              <a:rPr lang="fr-CA" dirty="0" err="1">
+                <a:latin typeface="Montserrat" panose="00000500000000000000" pitchFamily="2" charset="0"/>
+              </a:rPr>
+              <a:t>loss</a:t>
+            </a:r>
+            <a:r>
+              <a:rPr lang="fr-CA" dirty="0">
+                <a:latin typeface="Montserrat" panose="00000500000000000000" pitchFamily="2" charset="0"/>
+              </a:rPr>
+              <a:t>, but trivial to </a:t>
+            </a:r>
+            <a:r>
+              <a:rPr lang="fr-CA" dirty="0" err="1">
+                <a:latin typeface="Montserrat" panose="00000500000000000000" pitchFamily="2" charset="0"/>
+              </a:rPr>
+              <a:t>manually</a:t>
+            </a:r>
+            <a:r>
+              <a:rPr lang="fr-CA" dirty="0">
+                <a:latin typeface="Montserrat" panose="00000500000000000000" pitchFamily="2" charset="0"/>
+              </a:rPr>
+              <a:t> </a:t>
+            </a:r>
+            <a:r>
+              <a:rPr lang="fr-CA" dirty="0" err="1">
+                <a:latin typeface="Montserrat" panose="00000500000000000000" pitchFamily="2" charset="0"/>
+              </a:rPr>
+              <a:t>implement</a:t>
+            </a:r>
+            <a:endParaRPr lang="fr-CA" dirty="0">
+              <a:latin typeface="Montserrat" panose="00000500000000000000" pitchFamily="2" charset="0"/>
+            </a:endParaRPr>
+          </a:p>
+          <a:p>
+            <a:pPr marL="742950" lvl="1" indent="-285750">
+              <a:buFont typeface="Arial" panose="020B0604020202020204" pitchFamily="34" charset="0"/>
+              <a:buChar char="•"/>
+            </a:pPr>
+            <a:r>
+              <a:rPr lang="fr-CA" dirty="0">
+                <a:latin typeface="Montserrat" panose="00000500000000000000" pitchFamily="2" charset="0"/>
+              </a:rPr>
+              <a:t>Complication arises for </a:t>
+            </a:r>
+            <a:r>
+              <a:rPr lang="fr-CA" dirty="0" err="1">
+                <a:latin typeface="Montserrat" panose="00000500000000000000" pitchFamily="2" charset="0"/>
+              </a:rPr>
+              <a:t>complex</a:t>
+            </a:r>
+            <a:r>
+              <a:rPr lang="fr-CA" dirty="0">
+                <a:latin typeface="Montserrat" panose="00000500000000000000" pitchFamily="2" charset="0"/>
+              </a:rPr>
+              <a:t> </a:t>
+            </a:r>
+            <a:r>
+              <a:rPr lang="fr-CA" dirty="0" err="1">
+                <a:latin typeface="Montserrat" panose="00000500000000000000" pitchFamily="2" charset="0"/>
+              </a:rPr>
+              <a:t>loss</a:t>
+            </a:r>
+            <a:r>
+              <a:rPr lang="fr-CA" dirty="0">
+                <a:latin typeface="Montserrat" panose="00000500000000000000" pitchFamily="2" charset="0"/>
+              </a:rPr>
+              <a:t> like </a:t>
+            </a:r>
+            <a:r>
+              <a:rPr lang="fr-CA" dirty="0" err="1">
+                <a:latin typeface="Montserrat" panose="00000500000000000000" pitchFamily="2" charset="0"/>
+              </a:rPr>
+              <a:t>penalized</a:t>
+            </a:r>
+            <a:endParaRPr lang="fr-CA" dirty="0">
+              <a:latin typeface="Montserrat" panose="00000500000000000000" pitchFamily="2" charset="0"/>
+            </a:endParaRPr>
+          </a:p>
+          <a:p>
+            <a:pPr marL="742950" lvl="1" indent="-285750">
+              <a:buFont typeface="Arial" panose="020B0604020202020204" pitchFamily="34" charset="0"/>
+              <a:buChar char="•"/>
+            </a:pPr>
+            <a:r>
+              <a:rPr lang="fr-CA" dirty="0" err="1">
+                <a:latin typeface="Montserrat" panose="00000500000000000000" pitchFamily="2" charset="0"/>
+              </a:rPr>
+              <a:t>Consider</a:t>
+            </a:r>
+            <a:r>
+              <a:rPr lang="fr-CA" dirty="0">
+                <a:latin typeface="Montserrat" panose="00000500000000000000" pitchFamily="2" charset="0"/>
+              </a:rPr>
+              <a:t> 1st-order </a:t>
+            </a:r>
+            <a:r>
+              <a:rPr lang="fr-CA" dirty="0" err="1">
+                <a:latin typeface="Montserrat" panose="00000500000000000000" pitchFamily="2" charset="0"/>
+              </a:rPr>
+              <a:t>heirsitics</a:t>
+            </a:r>
+            <a:r>
+              <a:rPr lang="fr-CA" dirty="0">
+                <a:latin typeface="Montserrat" panose="00000500000000000000" pitchFamily="2" charset="0"/>
+              </a:rPr>
+              <a:t> for training (</a:t>
+            </a:r>
+            <a:r>
+              <a:rPr lang="fr-CA" dirty="0" err="1">
+                <a:latin typeface="Montserrat" panose="00000500000000000000" pitchFamily="2" charset="0"/>
+              </a:rPr>
+              <a:t>similar</a:t>
+            </a:r>
+            <a:r>
+              <a:rPr lang="fr-CA" dirty="0">
+                <a:latin typeface="Montserrat" panose="00000500000000000000" pitchFamily="2" charset="0"/>
+              </a:rPr>
+              <a:t> to </a:t>
+            </a:r>
+            <a:r>
+              <a:rPr lang="fr-CA" i="1" dirty="0">
+                <a:latin typeface="Montserrat" panose="00000500000000000000" pitchFamily="2" charset="0"/>
+              </a:rPr>
+              <a:t>MAE</a:t>
+            </a:r>
+            <a:r>
+              <a:rPr lang="fr-CA" dirty="0">
+                <a:latin typeface="Montserrat" panose="00000500000000000000" pitchFamily="2" charset="0"/>
+              </a:rPr>
+              <a:t> </a:t>
+            </a:r>
+            <a:r>
+              <a:rPr lang="fr-CA" dirty="0" err="1">
+                <a:latin typeface="Montserrat" panose="00000500000000000000" pitchFamily="2" charset="0"/>
+              </a:rPr>
+              <a:t>loss</a:t>
+            </a:r>
+            <a:r>
+              <a:rPr lang="fr-CA" dirty="0">
+                <a:latin typeface="Montserrat" panose="00000500000000000000" pitchFamily="2" charset="0"/>
+              </a:rPr>
+              <a:t>)</a:t>
+            </a:r>
+          </a:p>
+          <a:p>
+            <a:pPr marL="742950" lvl="1" indent="-285750">
+              <a:buFont typeface="Arial" panose="020B0604020202020204" pitchFamily="34" charset="0"/>
+              <a:buChar char="•"/>
+            </a:pPr>
+            <a:endParaRPr lang="en-CA" dirty="0">
+              <a:latin typeface="Montserrat" panose="00000500000000000000" pitchFamily="2" charset="0"/>
+            </a:endParaRPr>
+          </a:p>
+        </p:txBody>
+      </p:sp>
+    </p:spTree>
+    <p:extLst>
+      <p:ext uri="{BB962C8B-B14F-4D97-AF65-F5344CB8AC3E}">
+        <p14:creationId xmlns:p14="http://schemas.microsoft.com/office/powerpoint/2010/main" val="16119566"/>
+      </p:ext>
+    </p:extLst>
+  </p:cSld>
+  <p:clrMapOvr>
+    <a:masterClrMapping/>
+  </p:clrMapOvr>
+</p:sld>
+</file>
+
+<file path=ppt/slides/slide17.xml><?xml version="1.0" encoding="utf-8"?>
 <p:sld xmlns:a="http://schemas.openxmlformats.org/drawingml/2006/main" xmlns:r="http://schemas.openxmlformats.org/officeDocument/2006/relationships" xmlns:p="http://schemas.openxmlformats.org/presentationml/2006/main">
   <p:cSld>
     <p:spTree>
@@ -9421,7 +12887,7 @@
         <p:spPr>
           <a:xfrm>
             <a:off x="281616" y="1241362"/>
-            <a:ext cx="8284029" cy="4616648"/>
+            <a:ext cx="8284029" cy="4124206"/>
           </a:xfrm>
           <a:prstGeom prst="rect">
             <a:avLst/>
@@ -9439,10 +12905,10 @@
               <a:buChar char="•"/>
             </a:pPr>
             <a:r>
-              <a:rPr lang="en-CA" sz="2000" dirty="0">
+              <a:rPr lang="en-CA" dirty="0">
                 <a:latin typeface="Montserrat SemiBold" panose="00000700000000000000" pitchFamily="2" charset="0"/>
               </a:rPr>
-              <a:t>Key operations of the Boosted Trees learning algo</a:t>
+              <a:t>Overview of tree boosting algorithm</a:t>
             </a:r>
           </a:p>
           <a:p>
@@ -9454,7 +12920,7 @@
               <a:rPr lang="en-CA" dirty="0">
                 <a:latin typeface="Montserrat" panose="00000500000000000000" pitchFamily="2" charset="0"/>
               </a:rPr>
-              <a:t>And Performance tricks used by EvoTrees.jl</a:t>
+              <a:t>And performance tricks used by EvoTrees.jl</a:t>
             </a:r>
           </a:p>
           <a:p>
@@ -9472,7 +12938,7 @@
               <a:buChar char="•"/>
             </a:pPr>
             <a:r>
-              <a:rPr lang="en-CA" sz="2000" dirty="0">
+              <a:rPr lang="en-CA" dirty="0">
                 <a:latin typeface="Montserrat SemiBold" panose="00000700000000000000" pitchFamily="2" charset="0"/>
               </a:rPr>
               <a:t>Latest features </a:t>
@@ -9516,7 +12982,7 @@
               <a:buChar char="•"/>
             </a:pPr>
             <a:r>
-              <a:rPr lang="en-US" sz="2000" dirty="0">
+              <a:rPr lang="en-US" dirty="0">
                 <a:latin typeface="Montserrat SemiBold" panose="00000700000000000000" pitchFamily="2" charset="0"/>
               </a:rPr>
               <a:t>Alternatives to gradient-based losses</a:t>
@@ -9561,7 +13027,7 @@
               <a:buChar char="•"/>
             </a:pPr>
             <a:r>
-              <a:rPr lang="en-US" sz="2000" dirty="0">
+              <a:rPr lang="en-US" dirty="0">
                 <a:latin typeface="Montserrat SemiBold" panose="00000700000000000000" pitchFamily="2" charset="0"/>
               </a:rPr>
               <a:t>Future development paths</a:t>
@@ -9576,7 +13042,7 @@
               <a:rPr lang="en-US" sz="1600" dirty="0">
                 <a:latin typeface="Montserrat" panose="00000500000000000000" pitchFamily="2" charset="0"/>
               </a:rPr>
-              <a:t>Improved GPU acceleration</a:t>
+              <a:t>Improved acceleration</a:t>
             </a:r>
           </a:p>
           <a:p>
@@ -9590,39 +13056,6 @@
               </a:rPr>
               <a:t>Multi-target losses</a:t>
             </a:r>
-          </a:p>
-          <a:p>
-            <a:pPr marL="742950" lvl="1" indent="-285750">
-              <a:buFont typeface="Arial" panose="020B0604020202020204" pitchFamily="34" charset="0"/>
-              <a:buChar char="•"/>
-            </a:pPr>
-            <a:r>
-              <a:rPr lang="en-US" sz="1600" dirty="0">
-                <a:latin typeface="Montserrat" panose="00000500000000000000" pitchFamily="2" charset="0"/>
-              </a:rPr>
-              <a:t>Enhanced support of categorical variables</a:t>
-            </a:r>
-          </a:p>
-          <a:p>
-            <a:pPr marL="742950" lvl="1" indent="-285750">
-              <a:buFont typeface="Arial" panose="020B0604020202020204" pitchFamily="34" charset="0"/>
-              <a:buChar char="•"/>
-            </a:pPr>
-            <a:r>
-              <a:rPr lang="en-US" sz="1600" dirty="0" err="1">
-                <a:latin typeface="Montserrat" panose="00000500000000000000" pitchFamily="2" charset="0"/>
-              </a:rPr>
-              <a:t>Autodiff</a:t>
-            </a:r>
-            <a:r>
-              <a:rPr lang="en-US" sz="1600" dirty="0">
-                <a:latin typeface="Montserrat" panose="00000500000000000000" pitchFamily="2" charset="0"/>
-              </a:rPr>
-              <a:t> support</a:t>
-            </a:r>
-            <a:endParaRPr lang="en-CA" sz="1400" dirty="0">
-              <a:latin typeface="Montserrat" panose="00000500000000000000" pitchFamily="2" charset="0"/>
-            </a:endParaRPr>
           </a:p>
         </p:txBody>
       </p:sp>
@@ -10016,7 +13449,7 @@
         <p:spPr>
           <a:xfrm>
             <a:off x="0" y="3144715"/>
-            <a:ext cx="9144000" cy="3160481"/>
+            <a:ext cx="9144000" cy="2966197"/>
           </a:xfrm>
           <a:prstGeom prst="rect">
             <a:avLst/>
@@ -10305,15 +13738,12 @@
               </a:rPr>
               <a:t>5</a:t>
             </a:r>
-            <a:r>
-              <a:rPr lang="en-CA" sz="1400" dirty="0">
-                <a:solidFill>
-                  <a:srgbClr val="ABB2BF"/>
-                </a:solidFill>
-                <a:latin typeface="Consolas" panose="020B0609020204030204" pitchFamily="49" charset="0"/>
-              </a:rPr>
-              <a:t>, </a:t>
-            </a:r>
+            <a:endParaRPr lang="en-CA" sz="1400" dirty="0">
+              <a:solidFill>
+                <a:srgbClr val="ABB2BF"/>
+              </a:solidFill>
+              <a:latin typeface="Consolas" panose="020B0609020204030204" pitchFamily="49" charset="0"/>
+            </a:endParaRPr>
           </a:p>
           <a:p>
             <a:pPr lvl="1">
@@ -10526,58 +13956,12 @@
               </a:rPr>
               <a:t>feature_names</a:t>
             </a:r>
-            <a:r>
-              <a:rPr lang="en-CA" sz="1400" dirty="0">
-                <a:solidFill>
-                  <a:srgbClr val="ABB2BF"/>
-                </a:solidFill>
-                <a:latin typeface="Consolas" panose="020B0609020204030204" pitchFamily="49" charset="0"/>
-              </a:rPr>
-              <a:t>,</a:t>
-            </a:r>
-          </a:p>
-          <a:p>
-            <a:pPr lvl="1">
-              <a:lnSpc>
-                <a:spcPts val="1425"/>
-              </a:lnSpc>
-            </a:pPr>
-            <a:r>
-              <a:rPr lang="en-CA" sz="1400" dirty="0">
-                <a:solidFill>
-                  <a:srgbClr val="ABB2BF"/>
-                </a:solidFill>
-                <a:latin typeface="Consolas" panose="020B0609020204030204" pitchFamily="49" charset="0"/>
-              </a:rPr>
-              <a:t>    </a:t>
-            </a:r>
-            <a:r>
-              <a:rPr lang="en-CA" sz="1400" dirty="0" err="1">
-                <a:solidFill>
-                  <a:srgbClr val="454E56"/>
-                </a:solidFill>
-                <a:latin typeface="Consolas" panose="020B0609020204030204" pitchFamily="49" charset="0"/>
-              </a:rPr>
-              <a:t>print_every_n</a:t>
-            </a:r>
-            <a:r>
-              <a:rPr lang="en-CA" sz="1400" dirty="0">
-                <a:solidFill>
-                  <a:srgbClr val="454E56"/>
-                </a:solidFill>
-                <a:latin typeface="Consolas" panose="020B0609020204030204" pitchFamily="49" charset="0"/>
-              </a:rPr>
-              <a:t>=</a:t>
-            </a:r>
-            <a:r>
-              <a:rPr lang="en-CA" sz="1400" dirty="0">
-                <a:solidFill>
-                  <a:srgbClr val="D19A66"/>
-                </a:solidFill>
-                <a:latin typeface="Consolas" panose="020B0609020204030204" pitchFamily="49" charset="0"/>
-              </a:rPr>
-              <a:t>10</a:t>
-            </a:r>
+            <a:endParaRPr lang="en-CA" sz="1400" dirty="0">
+              <a:solidFill>
+                <a:srgbClr val="ABB2BF"/>
+              </a:solidFill>
+              <a:latin typeface="Consolas" panose="020B0609020204030204" pitchFamily="49" charset="0"/>
+            </a:endParaRPr>
           </a:p>
           <a:p>
             <a:pPr lvl="1">
@@ -11563,7 +14947,7 @@
                 <a:latin typeface="Montserrat" panose="00000500000000000000" pitchFamily="2" charset="0"/>
                 <a:ea typeface="Yu Gothic UI Light" panose="020B0300000000000000" pitchFamily="34" charset="-128"/>
               </a:rPr>
-              <a:t>Algo – Histogram-based</a:t>
+              <a:t>Algo – Histogram method</a:t>
             </a:r>
           </a:p>
         </p:txBody>
@@ -11767,6 +15151,2037 @@
 </file>
 
 <file path=ppt/slides/slide6.xml><?xml version="1.0" encoding="utf-8"?>
+<p:sld xmlns:a="http://schemas.openxmlformats.org/drawingml/2006/main" xmlns:r="http://schemas.openxmlformats.org/officeDocument/2006/relationships" xmlns:p="http://schemas.openxmlformats.org/presentationml/2006/main">
+  <p:cSld>
+    <p:spTree>
+      <p:nvGrpSpPr>
+        <p:cNvPr id="1" name="">
+          <a:extLst>
+            <a:ext uri="{FF2B5EF4-FFF2-40B4-BE49-F238E27FC236}">
+              <a16:creationId xmlns:a16="http://schemas.microsoft.com/office/drawing/2014/main" id="{3B4EA32E-B5AC-6B2F-8ED7-602089EC1830}"/>
+            </a:ext>
+          </a:extLst>
+        </p:cNvPr>
+        <p:cNvGrpSpPr/>
+        <p:nvPr/>
+      </p:nvGrpSpPr>
+      <p:grpSpPr>
+        <a:xfrm>
+          <a:off x="0" y="0"/>
+          <a:ext cx="0" cy="0"/>
+          <a:chOff x="0" y="0"/>
+          <a:chExt cx="0" cy="0"/>
+        </a:xfrm>
+      </p:grpSpPr>
+      <p:sp>
+        <p:nvSpPr>
+          <p:cNvPr id="32" name="Rectangle 31">
+            <a:extLst>
+              <a:ext uri="{FF2B5EF4-FFF2-40B4-BE49-F238E27FC236}">
+                <a16:creationId xmlns:a16="http://schemas.microsoft.com/office/drawing/2014/main" id="{26A4CA46-EDA5-9E23-FC92-C4AADDEFB69A}"/>
+              </a:ext>
+            </a:extLst>
+          </p:cNvPr>
+          <p:cNvSpPr/>
+          <p:nvPr>
+            <p:custDataLst>
+              <p:tags r:id="rId1"/>
+            </p:custDataLst>
+          </p:nvPr>
+        </p:nvSpPr>
+        <p:spPr>
+          <a:xfrm>
+            <a:off x="281616" y="914401"/>
+            <a:ext cx="2292250" cy="83126"/>
+          </a:xfrm>
+          <a:prstGeom prst="rect">
+            <a:avLst/>
+          </a:prstGeom>
+          <a:solidFill>
+            <a:srgbClr val="033572"/>
+          </a:solidFill>
+          <a:ln>
+            <a:noFill/>
+          </a:ln>
+        </p:spPr>
+        <p:style>
+          <a:lnRef idx="2">
+            <a:schemeClr val="accent1">
+              <a:shade val="50000"/>
+            </a:schemeClr>
+          </a:lnRef>
+          <a:fillRef idx="1">
+            <a:schemeClr val="accent1"/>
+          </a:fillRef>
+          <a:effectRef idx="0">
+            <a:schemeClr val="accent1"/>
+          </a:effectRef>
+          <a:fontRef idx="minor">
+            <a:schemeClr val="lt1"/>
+          </a:fontRef>
+        </p:style>
+        <p:txBody>
+          <a:bodyPr rtlCol="0" anchor="ctr"/>
+          <a:lstStyle/>
+          <a:p>
+            <a:pPr algn="ctr"/>
+            <a:endParaRPr lang="en-CA" dirty="0"/>
+          </a:p>
+        </p:txBody>
+      </p:sp>
+      <p:pic>
+        <p:nvPicPr>
+          <p:cNvPr id="10" name="Picture 9">
+            <a:extLst>
+              <a:ext uri="{FF2B5EF4-FFF2-40B4-BE49-F238E27FC236}">
+                <a16:creationId xmlns:a16="http://schemas.microsoft.com/office/drawing/2014/main" id="{5CB1A57C-61A1-D3A7-3708-32F7C0C83DDE}"/>
+              </a:ext>
+            </a:extLst>
+          </p:cNvPr>
+          <p:cNvPicPr>
+            <a:picLocks noChangeAspect="1"/>
+          </p:cNvPicPr>
+          <p:nvPr>
+            <p:custDataLst>
+              <p:tags r:id="rId2"/>
+            </p:custDataLst>
+          </p:nvPr>
+        </p:nvPicPr>
+        <p:blipFill>
+          <a:blip r:embed="rId7" cstate="screen">
+            <a:extLst>
+              <a:ext uri="{28A0092B-C50C-407E-A947-70E740481C1C}">
+                <a14:useLocalDpi xmlns:a14="http://schemas.microsoft.com/office/drawing/2010/main"/>
+              </a:ext>
+            </a:extLst>
+          </a:blip>
+          <a:stretch>
+            <a:fillRect/>
+          </a:stretch>
+        </p:blipFill>
+        <p:spPr>
+          <a:xfrm>
+            <a:off x="281616" y="6486309"/>
+            <a:ext cx="1506045" cy="164931"/>
+          </a:xfrm>
+          <a:prstGeom prst="rect">
+            <a:avLst/>
+          </a:prstGeom>
+        </p:spPr>
+      </p:pic>
+      <p:sp>
+        <p:nvSpPr>
+          <p:cNvPr id="5" name="Slide Number Placeholder 4">
+            <a:extLst>
+              <a:ext uri="{FF2B5EF4-FFF2-40B4-BE49-F238E27FC236}">
+                <a16:creationId xmlns:a16="http://schemas.microsoft.com/office/drawing/2014/main" id="{A03140B7-31C7-28FF-E59C-7BF95919165D}"/>
+              </a:ext>
+            </a:extLst>
+          </p:cNvPr>
+          <p:cNvSpPr>
+            <a:spLocks noGrp="1"/>
+          </p:cNvSpPr>
+          <p:nvPr>
+            <p:ph type="sldNum" sz="quarter" idx="12"/>
+            <p:custDataLst>
+              <p:tags r:id="rId3"/>
+            </p:custDataLst>
+          </p:nvPr>
+        </p:nvSpPr>
+        <p:spPr/>
+        <p:txBody>
+          <a:bodyPr/>
+          <a:lstStyle/>
+          <a:p>
+            <a:fld id="{F8F2F176-31C6-47A3-A156-EEB678E90E74}" type="slidenum">
+              <a:rPr lang="en-CA" smtClean="0"/>
+              <a:pPr/>
+              <a:t>6</a:t>
+            </a:fld>
+            <a:endParaRPr lang="en-CA" dirty="0"/>
+          </a:p>
+        </p:txBody>
+      </p:sp>
+      <p:sp>
+        <p:nvSpPr>
+          <p:cNvPr id="14" name="Title 1">
+            <a:extLst>
+              <a:ext uri="{FF2B5EF4-FFF2-40B4-BE49-F238E27FC236}">
+                <a16:creationId xmlns:a16="http://schemas.microsoft.com/office/drawing/2014/main" id="{2403EF1E-7E74-7BF2-A0AC-911493F035E3}"/>
+              </a:ext>
+            </a:extLst>
+          </p:cNvPr>
+          <p:cNvSpPr>
+            <a:spLocks noGrp="1"/>
+          </p:cNvSpPr>
+          <p:nvPr>
+            <p:ph type="title"/>
+            <p:custDataLst>
+              <p:tags r:id="rId4"/>
+            </p:custDataLst>
+          </p:nvPr>
+        </p:nvSpPr>
+        <p:spPr>
+          <a:xfrm>
+            <a:off x="166256" y="206760"/>
+            <a:ext cx="7646555" cy="684834"/>
+          </a:xfrm>
+        </p:spPr>
+        <p:txBody>
+          <a:bodyPr>
+            <a:normAutofit/>
+          </a:bodyPr>
+          <a:lstStyle/>
+          <a:p>
+            <a:r>
+              <a:rPr lang="en-CA" sz="3200" dirty="0">
+                <a:latin typeface="Montserrat" panose="00000500000000000000" pitchFamily="2" charset="0"/>
+                <a:ea typeface="Yu Gothic UI Light" panose="020B0300000000000000" pitchFamily="34" charset="-128"/>
+              </a:rPr>
+              <a:t>Algo – Histogram method</a:t>
+            </a:r>
+          </a:p>
+        </p:txBody>
+      </p:sp>
+      <p:graphicFrame>
+        <p:nvGraphicFramePr>
+          <p:cNvPr id="4" name="Table 3">
+            <a:extLst>
+              <a:ext uri="{FF2B5EF4-FFF2-40B4-BE49-F238E27FC236}">
+                <a16:creationId xmlns:a16="http://schemas.microsoft.com/office/drawing/2014/main" id="{C415CD30-46D8-EADB-D414-A27728507ABE}"/>
+              </a:ext>
+            </a:extLst>
+          </p:cNvPr>
+          <p:cNvGraphicFramePr>
+            <a:graphicFrameLocks noGrp="1"/>
+          </p:cNvGraphicFramePr>
+          <p:nvPr>
+            <p:extLst>
+              <p:ext uri="{D42A27DB-BD31-4B8C-83A1-F6EECF244321}">
+                <p14:modId xmlns:p14="http://schemas.microsoft.com/office/powerpoint/2010/main" val="3571264698"/>
+              </p:ext>
+            </p:extLst>
+          </p:nvPr>
+        </p:nvGraphicFramePr>
+        <p:xfrm>
+          <a:off x="4968255" y="1869814"/>
+          <a:ext cx="3048000" cy="1193457"/>
+        </p:xfrm>
+        <a:graphic>
+          <a:graphicData uri="http://schemas.openxmlformats.org/drawingml/2006/table">
+            <a:tbl>
+              <a:tblPr>
+                <a:tableStyleId>{5C22544A-7EE6-4342-B048-85BDC9FD1C3A}</a:tableStyleId>
+              </a:tblPr>
+              <a:tblGrid>
+                <a:gridCol w="1016000">
+                  <a:extLst>
+                    <a:ext uri="{9D8B030D-6E8A-4147-A177-3AD203B41FA5}">
+                      <a16:colId xmlns:a16="http://schemas.microsoft.com/office/drawing/2014/main" val="669723027"/>
+                    </a:ext>
+                  </a:extLst>
+                </a:gridCol>
+                <a:gridCol w="1016000">
+                  <a:extLst>
+                    <a:ext uri="{9D8B030D-6E8A-4147-A177-3AD203B41FA5}">
+                      <a16:colId xmlns:a16="http://schemas.microsoft.com/office/drawing/2014/main" val="29716704"/>
+                    </a:ext>
+                  </a:extLst>
+                </a:gridCol>
+                <a:gridCol w="1016000">
+                  <a:extLst>
+                    <a:ext uri="{9D8B030D-6E8A-4147-A177-3AD203B41FA5}">
+                      <a16:colId xmlns:a16="http://schemas.microsoft.com/office/drawing/2014/main" val="1393516697"/>
+                    </a:ext>
+                  </a:extLst>
+                </a:gridCol>
+              </a:tblGrid>
+              <a:tr h="397819">
+                <a:tc>
+                  <a:txBody>
+                    <a:bodyPr/>
+                    <a:lstStyle/>
+                    <a:p>
+                      <a:pPr algn="ctr"/>
+                      <a:r>
+                        <a:rPr lang="fr-CA" dirty="0"/>
+                        <a:t>6.0</a:t>
+                      </a:r>
+                      <a:endParaRPr lang="en-CA" dirty="0"/>
+                    </a:p>
+                  </a:txBody>
+                  <a:tcPr anchor="ctr">
+                    <a:solidFill>
+                      <a:srgbClr val="26A671"/>
+                    </a:solidFill>
+                  </a:tcPr>
+                </a:tc>
+                <a:tc>
+                  <a:txBody>
+                    <a:bodyPr/>
+                    <a:lstStyle/>
+                    <a:p>
+                      <a:pPr algn="ctr"/>
+                      <a:endParaRPr lang="en-CA" dirty="0"/>
+                    </a:p>
+                  </a:txBody>
+                  <a:tcPr anchor="ctr">
+                    <a:solidFill>
+                      <a:srgbClr val="F0F3F7"/>
+                    </a:solidFill>
+                  </a:tcPr>
+                </a:tc>
+                <a:tc>
+                  <a:txBody>
+                    <a:bodyPr/>
+                    <a:lstStyle/>
+                    <a:p>
+                      <a:pPr algn="ctr"/>
+                      <a:endParaRPr lang="en-CA" dirty="0"/>
+                    </a:p>
+                  </a:txBody>
+                  <a:tcPr anchor="ctr">
+                    <a:solidFill>
+                      <a:srgbClr val="F0F3F7"/>
+                    </a:solidFill>
+                  </a:tcPr>
+                </a:tc>
+                <a:extLst>
+                  <a:ext uri="{0D108BD9-81ED-4DB2-BD59-A6C34878D82A}">
+                    <a16:rowId xmlns:a16="http://schemas.microsoft.com/office/drawing/2014/main" val="2327581051"/>
+                  </a:ext>
+                </a:extLst>
+              </a:tr>
+              <a:tr h="397819">
+                <a:tc>
+                  <a:txBody>
+                    <a:bodyPr/>
+                    <a:lstStyle/>
+                    <a:p>
+                      <a:pPr algn="ctr"/>
+                      <a:endParaRPr lang="en-CA" dirty="0"/>
+                    </a:p>
+                  </a:txBody>
+                  <a:tcPr anchor="ctr">
+                    <a:solidFill>
+                      <a:srgbClr val="F0F3F7"/>
+                    </a:solidFill>
+                  </a:tcPr>
+                </a:tc>
+                <a:tc>
+                  <a:txBody>
+                    <a:bodyPr/>
+                    <a:lstStyle/>
+                    <a:p>
+                      <a:pPr algn="ctr"/>
+                      <a:endParaRPr lang="en-CA" dirty="0"/>
+                    </a:p>
+                  </a:txBody>
+                  <a:tcPr anchor="ctr">
+                    <a:solidFill>
+                      <a:srgbClr val="F0F3F7"/>
+                    </a:solidFill>
+                  </a:tcPr>
+                </a:tc>
+                <a:tc>
+                  <a:txBody>
+                    <a:bodyPr/>
+                    <a:lstStyle/>
+                    <a:p>
+                      <a:pPr algn="ctr"/>
+                      <a:endParaRPr lang="en-CA"/>
+                    </a:p>
+                  </a:txBody>
+                  <a:tcPr anchor="ctr">
+                    <a:solidFill>
+                      <a:srgbClr val="F0F3F7"/>
+                    </a:solidFill>
+                  </a:tcPr>
+                </a:tc>
+                <a:extLst>
+                  <a:ext uri="{0D108BD9-81ED-4DB2-BD59-A6C34878D82A}">
+                    <a16:rowId xmlns:a16="http://schemas.microsoft.com/office/drawing/2014/main" val="239307572"/>
+                  </a:ext>
+                </a:extLst>
+              </a:tr>
+              <a:tr h="397819">
+                <a:tc>
+                  <a:txBody>
+                    <a:bodyPr/>
+                    <a:lstStyle/>
+                    <a:p>
+                      <a:pPr marL="0" marR="0" lvl="0" indent="0" algn="ctr" defTabSz="914400" rtl="0" eaLnBrk="1" fontAlgn="auto" latinLnBrk="0" hangingPunct="1">
+                        <a:lnSpc>
+                          <a:spcPct val="100000"/>
+                        </a:lnSpc>
+                        <a:spcBef>
+                          <a:spcPts val="0"/>
+                        </a:spcBef>
+                        <a:spcAft>
+                          <a:spcPts val="0"/>
+                        </a:spcAft>
+                        <a:buClrTx/>
+                        <a:buSzTx/>
+                        <a:buFontTx/>
+                        <a:buNone/>
+                        <a:tabLst/>
+                        <a:defRPr/>
+                      </a:pPr>
+                      <a:r>
+                        <a:rPr lang="fr-CA" dirty="0"/>
+                        <a:t>5.0</a:t>
+                      </a:r>
+                      <a:endParaRPr lang="en-CA" dirty="0"/>
+                    </a:p>
+                  </a:txBody>
+                  <a:tcPr anchor="ctr">
+                    <a:solidFill>
+                      <a:srgbClr val="E5616C"/>
+                    </a:solidFill>
+                  </a:tcPr>
+                </a:tc>
+                <a:tc>
+                  <a:txBody>
+                    <a:bodyPr/>
+                    <a:lstStyle/>
+                    <a:p>
+                      <a:pPr algn="ctr"/>
+                      <a:endParaRPr lang="en-CA" dirty="0"/>
+                    </a:p>
+                  </a:txBody>
+                  <a:tcPr anchor="ctr">
+                    <a:solidFill>
+                      <a:srgbClr val="F0F3F7"/>
+                    </a:solidFill>
+                  </a:tcPr>
+                </a:tc>
+                <a:tc>
+                  <a:txBody>
+                    <a:bodyPr/>
+                    <a:lstStyle/>
+                    <a:p>
+                      <a:pPr algn="ctr"/>
+                      <a:endParaRPr lang="en-CA" dirty="0"/>
+                    </a:p>
+                  </a:txBody>
+                  <a:tcPr anchor="ctr">
+                    <a:solidFill>
+                      <a:srgbClr val="F0F3F7"/>
+                    </a:solidFill>
+                  </a:tcPr>
+                </a:tc>
+                <a:extLst>
+                  <a:ext uri="{0D108BD9-81ED-4DB2-BD59-A6C34878D82A}">
+                    <a16:rowId xmlns:a16="http://schemas.microsoft.com/office/drawing/2014/main" val="703081991"/>
+                  </a:ext>
+                </a:extLst>
+              </a:tr>
+            </a:tbl>
+          </a:graphicData>
+        </a:graphic>
+      </p:graphicFrame>
+      <p:graphicFrame>
+        <p:nvGraphicFramePr>
+          <p:cNvPr id="6" name="Table 5">
+            <a:extLst>
+              <a:ext uri="{FF2B5EF4-FFF2-40B4-BE49-F238E27FC236}">
+                <a16:creationId xmlns:a16="http://schemas.microsoft.com/office/drawing/2014/main" id="{F920100B-C1F0-9F3B-D78D-9079C9093228}"/>
+              </a:ext>
+            </a:extLst>
+          </p:cNvPr>
+          <p:cNvGraphicFramePr>
+            <a:graphicFrameLocks noGrp="1"/>
+          </p:cNvGraphicFramePr>
+          <p:nvPr>
+            <p:extLst>
+              <p:ext uri="{D42A27DB-BD31-4B8C-83A1-F6EECF244321}">
+                <p14:modId xmlns:p14="http://schemas.microsoft.com/office/powerpoint/2010/main" val="1765023162"/>
+              </p:ext>
+            </p:extLst>
+          </p:nvPr>
+        </p:nvGraphicFramePr>
+        <p:xfrm>
+          <a:off x="3714186" y="1786153"/>
+          <a:ext cx="633506" cy="3156385"/>
+        </p:xfrm>
+        <a:graphic>
+          <a:graphicData uri="http://schemas.openxmlformats.org/drawingml/2006/table">
+            <a:tbl>
+              <a:tblPr>
+                <a:tableStyleId>{5C22544A-7EE6-4342-B048-85BDC9FD1C3A}</a:tableStyleId>
+              </a:tblPr>
+              <a:tblGrid>
+                <a:gridCol w="633506">
+                  <a:extLst>
+                    <a:ext uri="{9D8B030D-6E8A-4147-A177-3AD203B41FA5}">
+                      <a16:colId xmlns:a16="http://schemas.microsoft.com/office/drawing/2014/main" val="652616586"/>
+                    </a:ext>
+                  </a:extLst>
+                </a:gridCol>
+              </a:tblGrid>
+              <a:tr h="631277">
+                <a:tc>
+                  <a:txBody>
+                    <a:bodyPr/>
+                    <a:lstStyle/>
+                    <a:p>
+                      <a:pPr algn="ctr"/>
+                      <a:r>
+                        <a:rPr lang="fr-CA" dirty="0"/>
+                        <a:t>2.0</a:t>
+                      </a:r>
+                      <a:endParaRPr lang="en-CA" dirty="0"/>
+                    </a:p>
+                  </a:txBody>
+                  <a:tcPr anchor="ctr">
+                    <a:solidFill>
+                      <a:srgbClr val="26A671"/>
+                    </a:solidFill>
+                  </a:tcPr>
+                </a:tc>
+                <a:extLst>
+                  <a:ext uri="{0D108BD9-81ED-4DB2-BD59-A6C34878D82A}">
+                    <a16:rowId xmlns:a16="http://schemas.microsoft.com/office/drawing/2014/main" val="1656455933"/>
+                  </a:ext>
+                </a:extLst>
+              </a:tr>
+              <a:tr h="631277">
+                <a:tc>
+                  <a:txBody>
+                    <a:bodyPr/>
+                    <a:lstStyle/>
+                    <a:p>
+                      <a:pPr algn="ctr"/>
+                      <a:r>
+                        <a:rPr lang="fr-CA" dirty="0"/>
+                        <a:t>5.0</a:t>
+                      </a:r>
+                      <a:endParaRPr lang="en-CA" dirty="0"/>
+                    </a:p>
+                  </a:txBody>
+                  <a:tcPr anchor="ctr">
+                    <a:solidFill>
+                      <a:srgbClr val="E5616C"/>
+                    </a:solidFill>
+                  </a:tcPr>
+                </a:tc>
+                <a:extLst>
+                  <a:ext uri="{0D108BD9-81ED-4DB2-BD59-A6C34878D82A}">
+                    <a16:rowId xmlns:a16="http://schemas.microsoft.com/office/drawing/2014/main" val="2024282602"/>
+                  </a:ext>
+                </a:extLst>
+              </a:tr>
+              <a:tr h="631277">
+                <a:tc>
+                  <a:txBody>
+                    <a:bodyPr/>
+                    <a:lstStyle/>
+                    <a:p>
+                      <a:pPr algn="ctr"/>
+                      <a:r>
+                        <a:rPr lang="fr-CA" dirty="0"/>
+                        <a:t>-3.0</a:t>
+                      </a:r>
+                      <a:endParaRPr lang="en-CA" dirty="0"/>
+                    </a:p>
+                  </a:txBody>
+                  <a:tcPr anchor="ctr">
+                    <a:solidFill>
+                      <a:srgbClr val="F0F3F7"/>
+                    </a:solidFill>
+                  </a:tcPr>
+                </a:tc>
+                <a:extLst>
+                  <a:ext uri="{0D108BD9-81ED-4DB2-BD59-A6C34878D82A}">
+                    <a16:rowId xmlns:a16="http://schemas.microsoft.com/office/drawing/2014/main" val="2286503690"/>
+                  </a:ext>
+                </a:extLst>
+              </a:tr>
+              <a:tr h="631277">
+                <a:tc>
+                  <a:txBody>
+                    <a:bodyPr/>
+                    <a:lstStyle/>
+                    <a:p>
+                      <a:pPr algn="ctr"/>
+                      <a:r>
+                        <a:rPr lang="fr-CA" dirty="0"/>
+                        <a:t>4.0</a:t>
+                      </a:r>
+                      <a:endParaRPr lang="en-CA" dirty="0"/>
+                    </a:p>
+                  </a:txBody>
+                  <a:tcPr anchor="ctr">
+                    <a:solidFill>
+                      <a:srgbClr val="26A671"/>
+                    </a:solidFill>
+                  </a:tcPr>
+                </a:tc>
+                <a:extLst>
+                  <a:ext uri="{0D108BD9-81ED-4DB2-BD59-A6C34878D82A}">
+                    <a16:rowId xmlns:a16="http://schemas.microsoft.com/office/drawing/2014/main" val="3008325642"/>
+                  </a:ext>
+                </a:extLst>
+              </a:tr>
+              <a:tr h="631277">
+                <a:tc>
+                  <a:txBody>
+                    <a:bodyPr/>
+                    <a:lstStyle/>
+                    <a:p>
+                      <a:pPr algn="ctr"/>
+                      <a:endParaRPr lang="en-CA" dirty="0"/>
+                    </a:p>
+                  </a:txBody>
+                  <a:tcPr anchor="ctr">
+                    <a:solidFill>
+                      <a:srgbClr val="F0F3F7"/>
+                    </a:solidFill>
+                  </a:tcPr>
+                </a:tc>
+                <a:extLst>
+                  <a:ext uri="{0D108BD9-81ED-4DB2-BD59-A6C34878D82A}">
+                    <a16:rowId xmlns:a16="http://schemas.microsoft.com/office/drawing/2014/main" val="283280541"/>
+                  </a:ext>
+                </a:extLst>
+              </a:tr>
+            </a:tbl>
+          </a:graphicData>
+        </a:graphic>
+      </p:graphicFrame>
+      <p:graphicFrame>
+        <p:nvGraphicFramePr>
+          <p:cNvPr id="7" name="Table 6">
+            <a:extLst>
+              <a:ext uri="{FF2B5EF4-FFF2-40B4-BE49-F238E27FC236}">
+                <a16:creationId xmlns:a16="http://schemas.microsoft.com/office/drawing/2014/main" id="{62FD1425-CAC3-6E68-1695-EE2F857DD9DF}"/>
+              </a:ext>
+            </a:extLst>
+          </p:cNvPr>
+          <p:cNvGraphicFramePr>
+            <a:graphicFrameLocks noGrp="1"/>
+          </p:cNvGraphicFramePr>
+          <p:nvPr>
+            <p:extLst>
+              <p:ext uri="{D42A27DB-BD31-4B8C-83A1-F6EECF244321}">
+                <p14:modId xmlns:p14="http://schemas.microsoft.com/office/powerpoint/2010/main" val="1866795178"/>
+              </p:ext>
+            </p:extLst>
+          </p:nvPr>
+        </p:nvGraphicFramePr>
+        <p:xfrm>
+          <a:off x="1846735" y="1787864"/>
+          <a:ext cx="1455264" cy="3202875"/>
+        </p:xfrm>
+        <a:graphic>
+          <a:graphicData uri="http://schemas.openxmlformats.org/drawingml/2006/table">
+            <a:tbl>
+              <a:tblPr>
+                <a:tableStyleId>{5C22544A-7EE6-4342-B048-85BDC9FD1C3A}</a:tableStyleId>
+              </a:tblPr>
+              <a:tblGrid>
+                <a:gridCol w="485088">
+                  <a:extLst>
+                    <a:ext uri="{9D8B030D-6E8A-4147-A177-3AD203B41FA5}">
+                      <a16:colId xmlns:a16="http://schemas.microsoft.com/office/drawing/2014/main" val="2894392367"/>
+                    </a:ext>
+                  </a:extLst>
+                </a:gridCol>
+                <a:gridCol w="485088">
+                  <a:extLst>
+                    <a:ext uri="{9D8B030D-6E8A-4147-A177-3AD203B41FA5}">
+                      <a16:colId xmlns:a16="http://schemas.microsoft.com/office/drawing/2014/main" val="652616586"/>
+                    </a:ext>
+                  </a:extLst>
+                </a:gridCol>
+                <a:gridCol w="485088">
+                  <a:extLst>
+                    <a:ext uri="{9D8B030D-6E8A-4147-A177-3AD203B41FA5}">
+                      <a16:colId xmlns:a16="http://schemas.microsoft.com/office/drawing/2014/main" val="2462854038"/>
+                    </a:ext>
+                  </a:extLst>
+                </a:gridCol>
+              </a:tblGrid>
+              <a:tr h="640575">
+                <a:tc>
+                  <a:txBody>
+                    <a:bodyPr/>
+                    <a:lstStyle/>
+                    <a:p>
+                      <a:pPr algn="ctr"/>
+                      <a:r>
+                        <a:rPr lang="fr-CA" dirty="0"/>
+                        <a:t>1</a:t>
+                      </a:r>
+                      <a:endParaRPr lang="en-CA" dirty="0"/>
+                    </a:p>
+                  </a:txBody>
+                  <a:tcPr anchor="ctr">
+                    <a:solidFill>
+                      <a:srgbClr val="26A671"/>
+                    </a:solidFill>
+                  </a:tcPr>
+                </a:tc>
+                <a:tc>
+                  <a:txBody>
+                    <a:bodyPr/>
+                    <a:lstStyle/>
+                    <a:p>
+                      <a:pPr algn="ctr"/>
+                      <a:endParaRPr lang="en-CA" dirty="0"/>
+                    </a:p>
+                  </a:txBody>
+                  <a:tcPr anchor="ctr">
+                    <a:solidFill>
+                      <a:srgbClr val="F0F3F7"/>
+                    </a:solidFill>
+                  </a:tcPr>
+                </a:tc>
+                <a:tc>
+                  <a:txBody>
+                    <a:bodyPr/>
+                    <a:lstStyle/>
+                    <a:p>
+                      <a:pPr algn="ctr"/>
+                      <a:endParaRPr lang="en-CA" dirty="0"/>
+                    </a:p>
+                  </a:txBody>
+                  <a:tcPr anchor="ctr">
+                    <a:solidFill>
+                      <a:srgbClr val="F0F3F7"/>
+                    </a:solidFill>
+                  </a:tcPr>
+                </a:tc>
+                <a:extLst>
+                  <a:ext uri="{0D108BD9-81ED-4DB2-BD59-A6C34878D82A}">
+                    <a16:rowId xmlns:a16="http://schemas.microsoft.com/office/drawing/2014/main" val="1656455933"/>
+                  </a:ext>
+                </a:extLst>
+              </a:tr>
+              <a:tr h="640575">
+                <a:tc>
+                  <a:txBody>
+                    <a:bodyPr/>
+                    <a:lstStyle/>
+                    <a:p>
+                      <a:pPr algn="ctr"/>
+                      <a:r>
+                        <a:rPr lang="fr-CA" dirty="0"/>
+                        <a:t>3</a:t>
+                      </a:r>
+                      <a:endParaRPr lang="en-CA" dirty="0"/>
+                    </a:p>
+                  </a:txBody>
+                  <a:tcPr anchor="ctr">
+                    <a:solidFill>
+                      <a:srgbClr val="E5616C"/>
+                    </a:solidFill>
+                  </a:tcPr>
+                </a:tc>
+                <a:tc>
+                  <a:txBody>
+                    <a:bodyPr/>
+                    <a:lstStyle/>
+                    <a:p>
+                      <a:pPr algn="ctr"/>
+                      <a:endParaRPr lang="en-CA" dirty="0"/>
+                    </a:p>
+                  </a:txBody>
+                  <a:tcPr anchor="ctr">
+                    <a:solidFill>
+                      <a:srgbClr val="F0F3F7"/>
+                    </a:solidFill>
+                  </a:tcPr>
+                </a:tc>
+                <a:tc>
+                  <a:txBody>
+                    <a:bodyPr/>
+                    <a:lstStyle/>
+                    <a:p>
+                      <a:pPr algn="ctr"/>
+                      <a:endParaRPr lang="en-CA" dirty="0"/>
+                    </a:p>
+                  </a:txBody>
+                  <a:tcPr anchor="ctr">
+                    <a:solidFill>
+                      <a:srgbClr val="F0F3F7"/>
+                    </a:solidFill>
+                  </a:tcPr>
+                </a:tc>
+                <a:extLst>
+                  <a:ext uri="{0D108BD9-81ED-4DB2-BD59-A6C34878D82A}">
+                    <a16:rowId xmlns:a16="http://schemas.microsoft.com/office/drawing/2014/main" val="2024282602"/>
+                  </a:ext>
+                </a:extLst>
+              </a:tr>
+              <a:tr h="640575">
+                <a:tc>
+                  <a:txBody>
+                    <a:bodyPr/>
+                    <a:lstStyle/>
+                    <a:p>
+                      <a:pPr algn="ctr"/>
+                      <a:r>
+                        <a:rPr lang="fr-CA" dirty="0"/>
+                        <a:t>2</a:t>
+                      </a:r>
+                      <a:endParaRPr lang="en-CA" dirty="0"/>
+                    </a:p>
+                  </a:txBody>
+                  <a:tcPr anchor="ctr">
+                    <a:solidFill>
+                      <a:srgbClr val="F0F3F7"/>
+                    </a:solidFill>
+                  </a:tcPr>
+                </a:tc>
+                <a:tc>
+                  <a:txBody>
+                    <a:bodyPr/>
+                    <a:lstStyle/>
+                    <a:p>
+                      <a:pPr algn="ctr"/>
+                      <a:endParaRPr lang="en-CA" dirty="0"/>
+                    </a:p>
+                  </a:txBody>
+                  <a:tcPr anchor="ctr">
+                    <a:solidFill>
+                      <a:srgbClr val="F0F3F7"/>
+                    </a:solidFill>
+                  </a:tcPr>
+                </a:tc>
+                <a:tc>
+                  <a:txBody>
+                    <a:bodyPr/>
+                    <a:lstStyle/>
+                    <a:p>
+                      <a:pPr algn="ctr"/>
+                      <a:endParaRPr lang="en-CA" dirty="0"/>
+                    </a:p>
+                  </a:txBody>
+                  <a:tcPr anchor="ctr">
+                    <a:solidFill>
+                      <a:srgbClr val="F0F3F7"/>
+                    </a:solidFill>
+                  </a:tcPr>
+                </a:tc>
+                <a:extLst>
+                  <a:ext uri="{0D108BD9-81ED-4DB2-BD59-A6C34878D82A}">
+                    <a16:rowId xmlns:a16="http://schemas.microsoft.com/office/drawing/2014/main" val="2286503690"/>
+                  </a:ext>
+                </a:extLst>
+              </a:tr>
+              <a:tr h="640575">
+                <a:tc>
+                  <a:txBody>
+                    <a:bodyPr/>
+                    <a:lstStyle/>
+                    <a:p>
+                      <a:pPr algn="ctr"/>
+                      <a:r>
+                        <a:rPr lang="fr-CA" dirty="0"/>
+                        <a:t>1</a:t>
+                      </a:r>
+                      <a:endParaRPr lang="en-CA" dirty="0"/>
+                    </a:p>
+                  </a:txBody>
+                  <a:tcPr anchor="ctr">
+                    <a:solidFill>
+                      <a:srgbClr val="26A671"/>
+                    </a:solidFill>
+                  </a:tcPr>
+                </a:tc>
+                <a:tc>
+                  <a:txBody>
+                    <a:bodyPr/>
+                    <a:lstStyle/>
+                    <a:p>
+                      <a:pPr algn="ctr"/>
+                      <a:endParaRPr lang="en-CA" dirty="0"/>
+                    </a:p>
+                  </a:txBody>
+                  <a:tcPr anchor="ctr">
+                    <a:solidFill>
+                      <a:srgbClr val="F0F3F7"/>
+                    </a:solidFill>
+                  </a:tcPr>
+                </a:tc>
+                <a:tc>
+                  <a:txBody>
+                    <a:bodyPr/>
+                    <a:lstStyle/>
+                    <a:p>
+                      <a:pPr algn="ctr"/>
+                      <a:endParaRPr lang="en-CA" dirty="0"/>
+                    </a:p>
+                  </a:txBody>
+                  <a:tcPr anchor="ctr">
+                    <a:solidFill>
+                      <a:srgbClr val="F0F3F7"/>
+                    </a:solidFill>
+                  </a:tcPr>
+                </a:tc>
+                <a:extLst>
+                  <a:ext uri="{0D108BD9-81ED-4DB2-BD59-A6C34878D82A}">
+                    <a16:rowId xmlns:a16="http://schemas.microsoft.com/office/drawing/2014/main" val="3008325642"/>
+                  </a:ext>
+                </a:extLst>
+              </a:tr>
+              <a:tr h="640575">
+                <a:tc>
+                  <a:txBody>
+                    <a:bodyPr/>
+                    <a:lstStyle/>
+                    <a:p>
+                      <a:pPr algn="ctr"/>
+                      <a:r>
+                        <a:rPr lang="fr-CA" dirty="0"/>
+                        <a:t>…</a:t>
+                      </a:r>
+                      <a:endParaRPr lang="en-CA" dirty="0"/>
+                    </a:p>
+                  </a:txBody>
+                  <a:tcPr anchor="ctr">
+                    <a:solidFill>
+                      <a:srgbClr val="F0F3F7"/>
+                    </a:solidFill>
+                  </a:tcPr>
+                </a:tc>
+                <a:tc>
+                  <a:txBody>
+                    <a:bodyPr/>
+                    <a:lstStyle/>
+                    <a:p>
+                      <a:pPr algn="ctr"/>
+                      <a:endParaRPr lang="en-CA" dirty="0"/>
+                    </a:p>
+                  </a:txBody>
+                  <a:tcPr anchor="ctr">
+                    <a:solidFill>
+                      <a:srgbClr val="F0F3F7"/>
+                    </a:solidFill>
+                  </a:tcPr>
+                </a:tc>
+                <a:tc>
+                  <a:txBody>
+                    <a:bodyPr/>
+                    <a:lstStyle/>
+                    <a:p>
+                      <a:pPr algn="ctr"/>
+                      <a:endParaRPr lang="en-CA" dirty="0"/>
+                    </a:p>
+                  </a:txBody>
+                  <a:tcPr anchor="ctr">
+                    <a:solidFill>
+                      <a:srgbClr val="F0F3F7"/>
+                    </a:solidFill>
+                  </a:tcPr>
+                </a:tc>
+                <a:extLst>
+                  <a:ext uri="{0D108BD9-81ED-4DB2-BD59-A6C34878D82A}">
+                    <a16:rowId xmlns:a16="http://schemas.microsoft.com/office/drawing/2014/main" val="283280541"/>
+                  </a:ext>
+                </a:extLst>
+              </a:tr>
+            </a:tbl>
+          </a:graphicData>
+        </a:graphic>
+      </p:graphicFrame>
+      <p:sp>
+        <p:nvSpPr>
+          <p:cNvPr id="8" name="TextBox 7">
+            <a:extLst>
+              <a:ext uri="{FF2B5EF4-FFF2-40B4-BE49-F238E27FC236}">
+                <a16:creationId xmlns:a16="http://schemas.microsoft.com/office/drawing/2014/main" id="{C99A88C5-E575-30D2-C9A9-6CF5A19DA4AD}"/>
+              </a:ext>
+            </a:extLst>
+          </p:cNvPr>
+          <p:cNvSpPr txBox="1"/>
+          <p:nvPr/>
+        </p:nvSpPr>
+        <p:spPr>
+          <a:xfrm rot="5400000">
+            <a:off x="7659668" y="2338468"/>
+            <a:ext cx="1227151" cy="369332"/>
+          </a:xfrm>
+          <a:prstGeom prst="rect">
+            <a:avLst/>
+          </a:prstGeom>
+          <a:noFill/>
+        </p:spPr>
+        <p:txBody>
+          <a:bodyPr wrap="square" rtlCol="0">
+            <a:spAutoFit/>
+          </a:bodyPr>
+          <a:lstStyle/>
+          <a:p>
+            <a:pPr algn="ctr"/>
+            <a:r>
+              <a:rPr lang="fr-CA" dirty="0" err="1"/>
+              <a:t>nbins</a:t>
+            </a:r>
+            <a:endParaRPr lang="en-CA" dirty="0"/>
+          </a:p>
+        </p:txBody>
+      </p:sp>
+      <p:sp>
+        <p:nvSpPr>
+          <p:cNvPr id="11" name="TextBox 10">
+            <a:extLst>
+              <a:ext uri="{FF2B5EF4-FFF2-40B4-BE49-F238E27FC236}">
+                <a16:creationId xmlns:a16="http://schemas.microsoft.com/office/drawing/2014/main" id="{CF8C5EC1-5F2C-685F-7CEA-5170A67439C7}"/>
+              </a:ext>
+            </a:extLst>
+          </p:cNvPr>
+          <p:cNvSpPr txBox="1"/>
+          <p:nvPr/>
+        </p:nvSpPr>
+        <p:spPr>
+          <a:xfrm>
+            <a:off x="5808745" y="3110678"/>
+            <a:ext cx="1227151" cy="369332"/>
+          </a:xfrm>
+          <a:prstGeom prst="rect">
+            <a:avLst/>
+          </a:prstGeom>
+          <a:noFill/>
+        </p:spPr>
+        <p:txBody>
+          <a:bodyPr wrap="square" rtlCol="0">
+            <a:spAutoFit/>
+          </a:bodyPr>
+          <a:lstStyle/>
+          <a:p>
+            <a:pPr algn="ctr"/>
+            <a:r>
+              <a:rPr lang="fr-CA" dirty="0" err="1"/>
+              <a:t>features</a:t>
+            </a:r>
+            <a:endParaRPr lang="en-CA" dirty="0"/>
+          </a:p>
+        </p:txBody>
+      </p:sp>
+      <p:sp>
+        <p:nvSpPr>
+          <p:cNvPr id="12" name="TextBox 11">
+            <a:extLst>
+              <a:ext uri="{FF2B5EF4-FFF2-40B4-BE49-F238E27FC236}">
+                <a16:creationId xmlns:a16="http://schemas.microsoft.com/office/drawing/2014/main" id="{B5CBE8F7-3339-A0BC-5AA7-FEF4B28981D4}"/>
+              </a:ext>
+            </a:extLst>
+          </p:cNvPr>
+          <p:cNvSpPr txBox="1"/>
+          <p:nvPr/>
+        </p:nvSpPr>
+        <p:spPr>
+          <a:xfrm>
+            <a:off x="1947314" y="1415932"/>
+            <a:ext cx="1227151" cy="369332"/>
+          </a:xfrm>
+          <a:prstGeom prst="rect">
+            <a:avLst/>
+          </a:prstGeom>
+          <a:noFill/>
+        </p:spPr>
+        <p:txBody>
+          <a:bodyPr wrap="square" rtlCol="0">
+            <a:spAutoFit/>
+          </a:bodyPr>
+          <a:lstStyle/>
+          <a:p>
+            <a:pPr algn="ctr"/>
+            <a:r>
+              <a:rPr lang="fr-CA" b="1" dirty="0">
+                <a:solidFill>
+                  <a:srgbClr val="4571A5"/>
+                </a:solidFill>
+              </a:rPr>
+              <a:t>data bin id</a:t>
+            </a:r>
+            <a:endParaRPr lang="en-CA" b="1" dirty="0">
+              <a:solidFill>
+                <a:srgbClr val="4571A5"/>
+              </a:solidFill>
+            </a:endParaRPr>
+          </a:p>
+        </p:txBody>
+      </p:sp>
+      <p:sp>
+        <p:nvSpPr>
+          <p:cNvPr id="15" name="TextBox 14">
+            <a:extLst>
+              <a:ext uri="{FF2B5EF4-FFF2-40B4-BE49-F238E27FC236}">
+                <a16:creationId xmlns:a16="http://schemas.microsoft.com/office/drawing/2014/main" id="{2897AB2D-0BBA-8B0C-BAA2-C52F8ECEA10E}"/>
+              </a:ext>
+            </a:extLst>
+          </p:cNvPr>
+          <p:cNvSpPr txBox="1"/>
+          <p:nvPr/>
+        </p:nvSpPr>
+        <p:spPr>
+          <a:xfrm>
+            <a:off x="3417363" y="1415932"/>
+            <a:ext cx="1227151" cy="369332"/>
+          </a:xfrm>
+          <a:prstGeom prst="rect">
+            <a:avLst/>
+          </a:prstGeom>
+          <a:noFill/>
+        </p:spPr>
+        <p:txBody>
+          <a:bodyPr wrap="square" rtlCol="0">
+            <a:spAutoFit/>
+          </a:bodyPr>
+          <a:lstStyle/>
+          <a:p>
+            <a:pPr algn="ctr"/>
+            <a:r>
+              <a:rPr lang="fr-CA" b="1" dirty="0" err="1">
+                <a:solidFill>
+                  <a:srgbClr val="4571A5"/>
+                </a:solidFill>
+              </a:rPr>
+              <a:t>grads</a:t>
+            </a:r>
+            <a:endParaRPr lang="en-CA" b="1" dirty="0">
+              <a:solidFill>
+                <a:srgbClr val="4571A5"/>
+              </a:solidFill>
+            </a:endParaRPr>
+          </a:p>
+        </p:txBody>
+      </p:sp>
+      <p:sp>
+        <p:nvSpPr>
+          <p:cNvPr id="17" name="TextBox 16">
+            <a:extLst>
+              <a:ext uri="{FF2B5EF4-FFF2-40B4-BE49-F238E27FC236}">
+                <a16:creationId xmlns:a16="http://schemas.microsoft.com/office/drawing/2014/main" id="{4EFE12D5-678C-DE37-7902-8D98AA22E768}"/>
+              </a:ext>
+            </a:extLst>
+          </p:cNvPr>
+          <p:cNvSpPr txBox="1"/>
+          <p:nvPr/>
+        </p:nvSpPr>
+        <p:spPr>
+          <a:xfrm>
+            <a:off x="5852965" y="1420368"/>
+            <a:ext cx="1227151" cy="369332"/>
+          </a:xfrm>
+          <a:prstGeom prst="rect">
+            <a:avLst/>
+          </a:prstGeom>
+          <a:noFill/>
+        </p:spPr>
+        <p:txBody>
+          <a:bodyPr wrap="square" rtlCol="0">
+            <a:spAutoFit/>
+          </a:bodyPr>
+          <a:lstStyle/>
+          <a:p>
+            <a:pPr algn="ctr"/>
+            <a:r>
+              <a:rPr lang="fr-CA" b="1" dirty="0" err="1">
+                <a:solidFill>
+                  <a:srgbClr val="4571A5"/>
+                </a:solidFill>
+              </a:rPr>
+              <a:t>histogram</a:t>
+            </a:r>
+            <a:endParaRPr lang="en-CA" b="1" dirty="0">
+              <a:solidFill>
+                <a:srgbClr val="4571A5"/>
+              </a:solidFill>
+            </a:endParaRPr>
+          </a:p>
+        </p:txBody>
+      </p:sp>
+      <p:cxnSp>
+        <p:nvCxnSpPr>
+          <p:cNvPr id="18" name="Straight Arrow Connector 17">
+            <a:extLst>
+              <a:ext uri="{FF2B5EF4-FFF2-40B4-BE49-F238E27FC236}">
+                <a16:creationId xmlns:a16="http://schemas.microsoft.com/office/drawing/2014/main" id="{03302A61-4E42-867B-4279-9B5EB39B4715}"/>
+              </a:ext>
+            </a:extLst>
+          </p:cNvPr>
+          <p:cNvCxnSpPr>
+            <a:cxnSpLocks/>
+          </p:cNvCxnSpPr>
+          <p:nvPr/>
+        </p:nvCxnSpPr>
+        <p:spPr>
+          <a:xfrm>
+            <a:off x="1130918" y="2210353"/>
+            <a:ext cx="724058" cy="0"/>
+          </a:xfrm>
+          <a:prstGeom prst="straightConnector1">
+            <a:avLst/>
+          </a:prstGeom>
+          <a:ln w="9525">
+            <a:solidFill>
+              <a:srgbClr val="454E56"/>
+            </a:solidFill>
+            <a:tailEnd type="triangle"/>
+          </a:ln>
+        </p:spPr>
+        <p:style>
+          <a:lnRef idx="1">
+            <a:schemeClr val="accent1"/>
+          </a:lnRef>
+          <a:fillRef idx="0">
+            <a:schemeClr val="accent1"/>
+          </a:fillRef>
+          <a:effectRef idx="0">
+            <a:schemeClr val="accent1"/>
+          </a:effectRef>
+          <a:fontRef idx="minor">
+            <a:schemeClr val="tx1"/>
+          </a:fontRef>
+        </p:style>
+      </p:cxnSp>
+      <p:cxnSp>
+        <p:nvCxnSpPr>
+          <p:cNvPr id="22" name="Straight Arrow Connector 21">
+            <a:extLst>
+              <a:ext uri="{FF2B5EF4-FFF2-40B4-BE49-F238E27FC236}">
+                <a16:creationId xmlns:a16="http://schemas.microsoft.com/office/drawing/2014/main" id="{55E3E876-B56C-F600-73FB-21A688569A2C}"/>
+              </a:ext>
+            </a:extLst>
+          </p:cNvPr>
+          <p:cNvCxnSpPr>
+            <a:cxnSpLocks/>
+          </p:cNvCxnSpPr>
+          <p:nvPr/>
+        </p:nvCxnSpPr>
+        <p:spPr>
+          <a:xfrm flipV="1">
+            <a:off x="4347692" y="2078871"/>
+            <a:ext cx="620563" cy="80375"/>
+          </a:xfrm>
+          <a:prstGeom prst="straightConnector1">
+            <a:avLst/>
+          </a:prstGeom>
+          <a:ln w="9525">
+            <a:solidFill>
+              <a:srgbClr val="454E56"/>
+            </a:solidFill>
+            <a:tailEnd type="triangle"/>
+          </a:ln>
+        </p:spPr>
+        <p:style>
+          <a:lnRef idx="1">
+            <a:schemeClr val="accent1"/>
+          </a:lnRef>
+          <a:fillRef idx="0">
+            <a:schemeClr val="accent1"/>
+          </a:fillRef>
+          <a:effectRef idx="0">
+            <a:schemeClr val="accent1"/>
+          </a:effectRef>
+          <a:fontRef idx="minor">
+            <a:schemeClr val="tx1"/>
+          </a:fontRef>
+        </p:style>
+      </p:cxnSp>
+      <p:cxnSp>
+        <p:nvCxnSpPr>
+          <p:cNvPr id="27" name="Straight Arrow Connector 26">
+            <a:extLst>
+              <a:ext uri="{FF2B5EF4-FFF2-40B4-BE49-F238E27FC236}">
+                <a16:creationId xmlns:a16="http://schemas.microsoft.com/office/drawing/2014/main" id="{6ACE115D-941A-D6AE-3F56-FBF14751DED0}"/>
+              </a:ext>
+            </a:extLst>
+          </p:cNvPr>
+          <p:cNvCxnSpPr>
+            <a:cxnSpLocks/>
+          </p:cNvCxnSpPr>
+          <p:nvPr/>
+        </p:nvCxnSpPr>
+        <p:spPr>
+          <a:xfrm>
+            <a:off x="1122677" y="2763484"/>
+            <a:ext cx="724058" cy="0"/>
+          </a:xfrm>
+          <a:prstGeom prst="straightConnector1">
+            <a:avLst/>
+          </a:prstGeom>
+          <a:ln w="9525">
+            <a:solidFill>
+              <a:srgbClr val="454E56"/>
+            </a:solidFill>
+            <a:tailEnd type="triangle"/>
+          </a:ln>
+        </p:spPr>
+        <p:style>
+          <a:lnRef idx="1">
+            <a:schemeClr val="accent1"/>
+          </a:lnRef>
+          <a:fillRef idx="0">
+            <a:schemeClr val="accent1"/>
+          </a:fillRef>
+          <a:effectRef idx="0">
+            <a:schemeClr val="accent1"/>
+          </a:effectRef>
+          <a:fontRef idx="minor">
+            <a:schemeClr val="tx1"/>
+          </a:fontRef>
+        </p:style>
+      </p:cxnSp>
+      <p:cxnSp>
+        <p:nvCxnSpPr>
+          <p:cNvPr id="30" name="Straight Arrow Connector 29">
+            <a:extLst>
+              <a:ext uri="{FF2B5EF4-FFF2-40B4-BE49-F238E27FC236}">
+                <a16:creationId xmlns:a16="http://schemas.microsoft.com/office/drawing/2014/main" id="{30F90D13-3DBA-0593-DE37-70EF209D09AA}"/>
+              </a:ext>
+            </a:extLst>
+          </p:cNvPr>
+          <p:cNvCxnSpPr>
+            <a:cxnSpLocks/>
+          </p:cNvCxnSpPr>
+          <p:nvPr/>
+        </p:nvCxnSpPr>
+        <p:spPr>
+          <a:xfrm>
+            <a:off x="4347692" y="2763484"/>
+            <a:ext cx="620563" cy="80375"/>
+          </a:xfrm>
+          <a:prstGeom prst="straightConnector1">
+            <a:avLst/>
+          </a:prstGeom>
+          <a:ln w="9525">
+            <a:solidFill>
+              <a:srgbClr val="454E56"/>
+            </a:solidFill>
+            <a:tailEnd type="triangle"/>
+          </a:ln>
+        </p:spPr>
+        <p:style>
+          <a:lnRef idx="1">
+            <a:schemeClr val="accent1"/>
+          </a:lnRef>
+          <a:fillRef idx="0">
+            <a:schemeClr val="accent1"/>
+          </a:fillRef>
+          <a:effectRef idx="0">
+            <a:schemeClr val="accent1"/>
+          </a:effectRef>
+          <a:fontRef idx="minor">
+            <a:schemeClr val="tx1"/>
+          </a:fontRef>
+        </p:style>
+      </p:cxnSp>
+      <p:cxnSp>
+        <p:nvCxnSpPr>
+          <p:cNvPr id="37" name="Straight Arrow Connector 36">
+            <a:extLst>
+              <a:ext uri="{FF2B5EF4-FFF2-40B4-BE49-F238E27FC236}">
+                <a16:creationId xmlns:a16="http://schemas.microsoft.com/office/drawing/2014/main" id="{203D7E59-E6F4-E718-DE11-8B939A89F11C}"/>
+              </a:ext>
+            </a:extLst>
+          </p:cNvPr>
+          <p:cNvCxnSpPr>
+            <a:cxnSpLocks/>
+          </p:cNvCxnSpPr>
+          <p:nvPr/>
+        </p:nvCxnSpPr>
+        <p:spPr>
+          <a:xfrm>
+            <a:off x="1130918" y="3423239"/>
+            <a:ext cx="715817" cy="590902"/>
+          </a:xfrm>
+          <a:prstGeom prst="straightConnector1">
+            <a:avLst/>
+          </a:prstGeom>
+          <a:ln w="9525">
+            <a:solidFill>
+              <a:srgbClr val="454E56"/>
+            </a:solidFill>
+            <a:tailEnd type="triangle"/>
+          </a:ln>
+        </p:spPr>
+        <p:style>
+          <a:lnRef idx="1">
+            <a:schemeClr val="accent1"/>
+          </a:lnRef>
+          <a:fillRef idx="0">
+            <a:schemeClr val="accent1"/>
+          </a:fillRef>
+          <a:effectRef idx="0">
+            <a:schemeClr val="accent1"/>
+          </a:effectRef>
+          <a:fontRef idx="minor">
+            <a:schemeClr val="tx1"/>
+          </a:fontRef>
+        </p:style>
+      </p:cxnSp>
+      <p:sp>
+        <p:nvSpPr>
+          <p:cNvPr id="43" name="Rectangle 42">
+            <a:extLst>
+              <a:ext uri="{FF2B5EF4-FFF2-40B4-BE49-F238E27FC236}">
+                <a16:creationId xmlns:a16="http://schemas.microsoft.com/office/drawing/2014/main" id="{CA91BE4C-4E9D-0F18-ADE0-A0F0C13CDF13}"/>
+              </a:ext>
+            </a:extLst>
+          </p:cNvPr>
+          <p:cNvSpPr/>
+          <p:nvPr/>
+        </p:nvSpPr>
+        <p:spPr>
+          <a:xfrm>
+            <a:off x="5010090" y="3747322"/>
+            <a:ext cx="3961417" cy="2641525"/>
+          </a:xfrm>
+          <a:prstGeom prst="rect">
+            <a:avLst/>
+          </a:prstGeom>
+          <a:solidFill>
+            <a:srgbClr val="F9F9F9"/>
+          </a:solidFill>
+          <a:ln>
+            <a:noFill/>
+          </a:ln>
+        </p:spPr>
+        <p:style>
+          <a:lnRef idx="2">
+            <a:schemeClr val="accent1">
+              <a:shade val="15000"/>
+            </a:schemeClr>
+          </a:lnRef>
+          <a:fillRef idx="1">
+            <a:schemeClr val="accent1"/>
+          </a:fillRef>
+          <a:effectRef idx="0">
+            <a:schemeClr val="accent1"/>
+          </a:effectRef>
+          <a:fontRef idx="minor">
+            <a:schemeClr val="lt1"/>
+          </a:fontRef>
+        </p:style>
+        <p:txBody>
+          <a:bodyPr rtlCol="0" anchor="t"/>
+          <a:lstStyle/>
+          <a:p>
+            <a:r>
+              <a:rPr lang="fr-CA" dirty="0" err="1">
+                <a:solidFill>
+                  <a:schemeClr val="tx1"/>
+                </a:solidFill>
+                <a:latin typeface="Montserrat SemiBold" panose="00000700000000000000" pitchFamily="2" charset="0"/>
+              </a:rPr>
+              <a:t>Parallelization</a:t>
+            </a:r>
+            <a:endParaRPr lang="fr-CA" dirty="0">
+              <a:solidFill>
+                <a:schemeClr val="tx1"/>
+              </a:solidFill>
+              <a:latin typeface="Montserrat SemiBold" panose="00000700000000000000" pitchFamily="2" charset="0"/>
+            </a:endParaRPr>
+          </a:p>
+          <a:p>
+            <a:endParaRPr lang="fr-CA" dirty="0">
+              <a:solidFill>
+                <a:schemeClr val="tx1"/>
+              </a:solidFill>
+              <a:latin typeface="Montserrat SemiBold" panose="00000700000000000000" pitchFamily="2" charset="0"/>
+            </a:endParaRPr>
+          </a:p>
+          <a:p>
+            <a:r>
+              <a:rPr lang="fr-CA" dirty="0" err="1">
+                <a:solidFill>
+                  <a:schemeClr val="tx1"/>
+                </a:solidFill>
+                <a:latin typeface="Montserrat SemiBold" panose="00000700000000000000" pitchFamily="2" charset="0"/>
+              </a:rPr>
+              <a:t>grads</a:t>
+            </a:r>
+            <a:r>
+              <a:rPr lang="fr-CA" dirty="0">
+                <a:solidFill>
+                  <a:schemeClr val="tx1"/>
+                </a:solidFill>
+                <a:latin typeface="Montserrat" panose="00000500000000000000" pitchFamily="2" charset="0"/>
+              </a:rPr>
+              <a:t>: @threads over </a:t>
+            </a:r>
+            <a:r>
+              <a:rPr lang="fr-CA" dirty="0" err="1">
+                <a:solidFill>
+                  <a:srgbClr val="4571A5"/>
+                </a:solidFill>
+                <a:latin typeface="Montserrat" panose="00000500000000000000" pitchFamily="2" charset="0"/>
+              </a:rPr>
+              <a:t>nobs</a:t>
+            </a:r>
+            <a:endParaRPr lang="fr-CA" dirty="0">
+              <a:solidFill>
+                <a:srgbClr val="4571A5"/>
+              </a:solidFill>
+              <a:latin typeface="Montserrat" panose="00000500000000000000" pitchFamily="2" charset="0"/>
+            </a:endParaRPr>
+          </a:p>
+          <a:p>
+            <a:endParaRPr lang="fr-CA" dirty="0">
+              <a:solidFill>
+                <a:schemeClr val="tx1"/>
+              </a:solidFill>
+              <a:latin typeface="Montserrat" panose="00000500000000000000" pitchFamily="2" charset="0"/>
+            </a:endParaRPr>
+          </a:p>
+          <a:p>
+            <a:r>
+              <a:rPr lang="fr-CA" dirty="0" err="1">
+                <a:solidFill>
+                  <a:schemeClr val="tx1"/>
+                </a:solidFill>
+                <a:latin typeface="Montserrat SemiBold" panose="00000700000000000000" pitchFamily="2" charset="0"/>
+              </a:rPr>
+              <a:t>histogram</a:t>
+            </a:r>
+            <a:r>
+              <a:rPr lang="fr-CA" dirty="0">
+                <a:solidFill>
+                  <a:schemeClr val="tx1"/>
+                </a:solidFill>
+                <a:latin typeface="Montserrat" panose="00000500000000000000" pitchFamily="2" charset="0"/>
+              </a:rPr>
+              <a:t>: @threads over </a:t>
+            </a:r>
+            <a:r>
+              <a:rPr lang="fr-CA" dirty="0" err="1">
+                <a:solidFill>
+                  <a:srgbClr val="4571A5"/>
+                </a:solidFill>
+                <a:latin typeface="Montserrat" panose="00000500000000000000" pitchFamily="2" charset="0"/>
+              </a:rPr>
+              <a:t>features</a:t>
+            </a:r>
+            <a:r>
+              <a:rPr lang="fr-CA" dirty="0">
+                <a:solidFill>
+                  <a:srgbClr val="4571A5"/>
+                </a:solidFill>
+                <a:latin typeface="Montserrat" panose="00000500000000000000" pitchFamily="2" charset="0"/>
+              </a:rPr>
+              <a:t> (</a:t>
+            </a:r>
+            <a:r>
+              <a:rPr lang="fr-CA" dirty="0">
+                <a:solidFill>
+                  <a:schemeClr val="tx1"/>
+                </a:solidFill>
+                <a:latin typeface="Montserrat" panose="00000500000000000000" pitchFamily="2" charset="0"/>
+              </a:rPr>
+              <a:t>and </a:t>
+            </a:r>
+            <a:r>
+              <a:rPr lang="fr-CA" dirty="0" err="1">
+                <a:solidFill>
+                  <a:srgbClr val="4571A5"/>
+                </a:solidFill>
+                <a:latin typeface="Montserrat" panose="00000500000000000000" pitchFamily="2" charset="0"/>
+              </a:rPr>
+              <a:t>nobs</a:t>
+            </a:r>
+            <a:r>
+              <a:rPr lang="fr-CA" dirty="0">
+                <a:solidFill>
+                  <a:srgbClr val="4571A5"/>
+                </a:solidFill>
+                <a:latin typeface="Montserrat" panose="00000500000000000000" pitchFamily="2" charset="0"/>
+              </a:rPr>
+              <a:t> </a:t>
+            </a:r>
+            <a:r>
+              <a:rPr lang="fr-CA" dirty="0">
+                <a:solidFill>
+                  <a:schemeClr val="tx1"/>
+                </a:solidFill>
+                <a:latin typeface="Montserrat" panose="00000500000000000000" pitchFamily="2" charset="0"/>
+              </a:rPr>
+              <a:t>on GPU</a:t>
+            </a:r>
+            <a:r>
+              <a:rPr lang="fr-CA" dirty="0">
+                <a:solidFill>
+                  <a:srgbClr val="4571A5"/>
+                </a:solidFill>
+                <a:latin typeface="Montserrat" panose="00000500000000000000" pitchFamily="2" charset="0"/>
+              </a:rPr>
+              <a:t>)</a:t>
+            </a:r>
+          </a:p>
+          <a:p>
+            <a:endParaRPr lang="fr-CA" dirty="0">
+              <a:solidFill>
+                <a:srgbClr val="4571A5"/>
+              </a:solidFill>
+              <a:latin typeface="Montserrat" panose="00000500000000000000" pitchFamily="2" charset="0"/>
+            </a:endParaRPr>
+          </a:p>
+          <a:p>
+            <a:r>
+              <a:rPr lang="fr-CA" dirty="0" err="1">
+                <a:solidFill>
+                  <a:schemeClr val="tx1"/>
+                </a:solidFill>
+                <a:latin typeface="Montserrat SemiBold" panose="00000700000000000000" pitchFamily="2" charset="0"/>
+              </a:rPr>
+              <a:t>node</a:t>
+            </a:r>
+            <a:r>
+              <a:rPr lang="fr-CA" dirty="0">
+                <a:solidFill>
+                  <a:schemeClr val="tx1"/>
+                </a:solidFill>
+                <a:latin typeface="Montserrat SemiBold" panose="00000700000000000000" pitchFamily="2" charset="0"/>
+              </a:rPr>
+              <a:t> id update</a:t>
+            </a:r>
+            <a:r>
+              <a:rPr lang="fr-CA" dirty="0">
+                <a:solidFill>
+                  <a:schemeClr val="tx1"/>
+                </a:solidFill>
+                <a:latin typeface="Montserrat" panose="00000500000000000000" pitchFamily="2" charset="0"/>
+              </a:rPr>
+              <a:t>: @threads over </a:t>
+            </a:r>
+            <a:r>
+              <a:rPr lang="fr-CA" dirty="0" err="1">
+                <a:solidFill>
+                  <a:srgbClr val="4571A5"/>
+                </a:solidFill>
+                <a:latin typeface="Montserrat" panose="00000500000000000000" pitchFamily="2" charset="0"/>
+              </a:rPr>
+              <a:t>nodes</a:t>
+            </a:r>
+            <a:r>
+              <a:rPr lang="fr-CA" dirty="0">
+                <a:solidFill>
+                  <a:srgbClr val="4571A5"/>
+                </a:solidFill>
+                <a:latin typeface="Montserrat" panose="00000500000000000000" pitchFamily="2" charset="0"/>
+              </a:rPr>
+              <a:t> </a:t>
+            </a:r>
+            <a:r>
+              <a:rPr lang="fr-CA" dirty="0" err="1">
+                <a:solidFill>
+                  <a:srgbClr val="4571A5"/>
+                </a:solidFill>
+                <a:latin typeface="Montserrat" panose="00000500000000000000" pitchFamily="2" charset="0"/>
+              </a:rPr>
+              <a:t>nobs</a:t>
+            </a:r>
+            <a:endParaRPr lang="fr-CA" dirty="0">
+              <a:solidFill>
+                <a:srgbClr val="4571A5"/>
+              </a:solidFill>
+              <a:latin typeface="Montserrat" panose="00000500000000000000" pitchFamily="2" charset="0"/>
+            </a:endParaRPr>
+          </a:p>
+        </p:txBody>
+      </p:sp>
+      <p:graphicFrame>
+        <p:nvGraphicFramePr>
+          <p:cNvPr id="3" name="Table 2">
+            <a:extLst>
+              <a:ext uri="{FF2B5EF4-FFF2-40B4-BE49-F238E27FC236}">
+                <a16:creationId xmlns:a16="http://schemas.microsoft.com/office/drawing/2014/main" id="{4B192CE9-F6F7-D3CA-8392-C1EC38A84D2E}"/>
+              </a:ext>
+            </a:extLst>
+          </p:cNvPr>
+          <p:cNvGraphicFramePr>
+            <a:graphicFrameLocks noGrp="1"/>
+          </p:cNvGraphicFramePr>
+          <p:nvPr>
+            <p:extLst>
+              <p:ext uri="{D42A27DB-BD31-4B8C-83A1-F6EECF244321}">
+                <p14:modId xmlns:p14="http://schemas.microsoft.com/office/powerpoint/2010/main" val="854468433"/>
+              </p:ext>
+            </p:extLst>
+          </p:nvPr>
+        </p:nvGraphicFramePr>
+        <p:xfrm>
+          <a:off x="497412" y="1883478"/>
+          <a:ext cx="633506" cy="2437512"/>
+        </p:xfrm>
+        <a:graphic>
+          <a:graphicData uri="http://schemas.openxmlformats.org/drawingml/2006/table">
+            <a:tbl>
+              <a:tblPr>
+                <a:tableStyleId>{5C22544A-7EE6-4342-B048-85BDC9FD1C3A}</a:tableStyleId>
+              </a:tblPr>
+              <a:tblGrid>
+                <a:gridCol w="633506">
+                  <a:extLst>
+                    <a:ext uri="{9D8B030D-6E8A-4147-A177-3AD203B41FA5}">
+                      <a16:colId xmlns:a16="http://schemas.microsoft.com/office/drawing/2014/main" val="652616586"/>
+                    </a:ext>
+                  </a:extLst>
+                </a:gridCol>
+              </a:tblGrid>
+              <a:tr h="609378">
+                <a:tc>
+                  <a:txBody>
+                    <a:bodyPr/>
+                    <a:lstStyle/>
+                    <a:p>
+                      <a:pPr algn="ctr"/>
+                      <a:r>
+                        <a:rPr lang="fr-CA" dirty="0"/>
+                        <a:t>1</a:t>
+                      </a:r>
+                      <a:endParaRPr lang="en-CA" dirty="0"/>
+                    </a:p>
+                  </a:txBody>
+                  <a:tcPr anchor="ctr">
+                    <a:solidFill>
+                      <a:srgbClr val="F0F3F7"/>
+                    </a:solidFill>
+                  </a:tcPr>
+                </a:tc>
+                <a:extLst>
+                  <a:ext uri="{0D108BD9-81ED-4DB2-BD59-A6C34878D82A}">
+                    <a16:rowId xmlns:a16="http://schemas.microsoft.com/office/drawing/2014/main" val="1656455933"/>
+                  </a:ext>
+                </a:extLst>
+              </a:tr>
+              <a:tr h="609378">
+                <a:tc>
+                  <a:txBody>
+                    <a:bodyPr/>
+                    <a:lstStyle/>
+                    <a:p>
+                      <a:pPr algn="ctr"/>
+                      <a:r>
+                        <a:rPr lang="fr-CA" dirty="0"/>
+                        <a:t>2</a:t>
+                      </a:r>
+                      <a:endParaRPr lang="en-CA" dirty="0"/>
+                    </a:p>
+                  </a:txBody>
+                  <a:tcPr anchor="ctr">
+                    <a:solidFill>
+                      <a:srgbClr val="F0F3F7"/>
+                    </a:solidFill>
+                  </a:tcPr>
+                </a:tc>
+                <a:extLst>
+                  <a:ext uri="{0D108BD9-81ED-4DB2-BD59-A6C34878D82A}">
+                    <a16:rowId xmlns:a16="http://schemas.microsoft.com/office/drawing/2014/main" val="2024282602"/>
+                  </a:ext>
+                </a:extLst>
+              </a:tr>
+              <a:tr h="609378">
+                <a:tc>
+                  <a:txBody>
+                    <a:bodyPr/>
+                    <a:lstStyle/>
+                    <a:p>
+                      <a:pPr algn="ctr"/>
+                      <a:r>
+                        <a:rPr lang="fr-CA" dirty="0"/>
+                        <a:t>4</a:t>
+                      </a:r>
+                      <a:endParaRPr lang="en-CA" dirty="0"/>
+                    </a:p>
+                  </a:txBody>
+                  <a:tcPr anchor="ctr">
+                    <a:solidFill>
+                      <a:srgbClr val="F0F3F7"/>
+                    </a:solidFill>
+                  </a:tcPr>
+                </a:tc>
+                <a:extLst>
+                  <a:ext uri="{0D108BD9-81ED-4DB2-BD59-A6C34878D82A}">
+                    <a16:rowId xmlns:a16="http://schemas.microsoft.com/office/drawing/2014/main" val="2286503690"/>
+                  </a:ext>
+                </a:extLst>
+              </a:tr>
+              <a:tr h="609378">
+                <a:tc>
+                  <a:txBody>
+                    <a:bodyPr/>
+                    <a:lstStyle/>
+                    <a:p>
+                      <a:pPr algn="ctr"/>
+                      <a:r>
+                        <a:rPr lang="fr-CA" dirty="0"/>
+                        <a:t>…</a:t>
+                      </a:r>
+                      <a:endParaRPr lang="en-CA" dirty="0"/>
+                    </a:p>
+                  </a:txBody>
+                  <a:tcPr anchor="ctr">
+                    <a:solidFill>
+                      <a:srgbClr val="F0F3F7"/>
+                    </a:solidFill>
+                  </a:tcPr>
+                </a:tc>
+                <a:extLst>
+                  <a:ext uri="{0D108BD9-81ED-4DB2-BD59-A6C34878D82A}">
+                    <a16:rowId xmlns:a16="http://schemas.microsoft.com/office/drawing/2014/main" val="3008325642"/>
+                  </a:ext>
+                </a:extLst>
+              </a:tr>
+            </a:tbl>
+          </a:graphicData>
+        </a:graphic>
+      </p:graphicFrame>
+      <p:sp>
+        <p:nvSpPr>
+          <p:cNvPr id="19" name="TextBox 18">
+            <a:extLst>
+              <a:ext uri="{FF2B5EF4-FFF2-40B4-BE49-F238E27FC236}">
+                <a16:creationId xmlns:a16="http://schemas.microsoft.com/office/drawing/2014/main" id="{AFF417CB-32B1-5A38-BCCE-BE2CB58EB8A9}"/>
+              </a:ext>
+            </a:extLst>
+          </p:cNvPr>
+          <p:cNvSpPr txBox="1"/>
+          <p:nvPr/>
+        </p:nvSpPr>
+        <p:spPr>
+          <a:xfrm>
+            <a:off x="200590" y="1415932"/>
+            <a:ext cx="1227151" cy="369332"/>
+          </a:xfrm>
+          <a:prstGeom prst="rect">
+            <a:avLst/>
+          </a:prstGeom>
+          <a:noFill/>
+        </p:spPr>
+        <p:txBody>
+          <a:bodyPr wrap="square" rtlCol="0">
+            <a:spAutoFit/>
+          </a:bodyPr>
+          <a:lstStyle/>
+          <a:p>
+            <a:pPr algn="ctr"/>
+            <a:r>
+              <a:rPr lang="fr-CA" b="1" dirty="0" err="1">
+                <a:solidFill>
+                  <a:srgbClr val="4571A5"/>
+                </a:solidFill>
+              </a:rPr>
+              <a:t>node</a:t>
+            </a:r>
+            <a:r>
+              <a:rPr lang="fr-CA" b="1" dirty="0">
+                <a:solidFill>
+                  <a:srgbClr val="4571A5"/>
+                </a:solidFill>
+              </a:rPr>
+              <a:t> </a:t>
+            </a:r>
+            <a:r>
+              <a:rPr lang="fr-CA" b="1" dirty="0" err="1">
+                <a:solidFill>
+                  <a:srgbClr val="4571A5"/>
+                </a:solidFill>
+              </a:rPr>
+              <a:t>ids</a:t>
+            </a:r>
+            <a:endParaRPr lang="en-CA" b="1" dirty="0">
+              <a:solidFill>
+                <a:srgbClr val="4571A5"/>
+              </a:solidFill>
+            </a:endParaRPr>
+          </a:p>
+        </p:txBody>
+      </p:sp>
+      <p:cxnSp>
+        <p:nvCxnSpPr>
+          <p:cNvPr id="41" name="Straight Arrow Connector 40">
+            <a:extLst>
+              <a:ext uri="{FF2B5EF4-FFF2-40B4-BE49-F238E27FC236}">
+                <a16:creationId xmlns:a16="http://schemas.microsoft.com/office/drawing/2014/main" id="{E119E3DB-3974-99D3-B207-DF890908DE30}"/>
+              </a:ext>
+            </a:extLst>
+          </p:cNvPr>
+          <p:cNvCxnSpPr>
+            <a:cxnSpLocks/>
+          </p:cNvCxnSpPr>
+          <p:nvPr/>
+        </p:nvCxnSpPr>
+        <p:spPr>
+          <a:xfrm flipV="1">
+            <a:off x="4347692" y="2078871"/>
+            <a:ext cx="620563" cy="2009035"/>
+          </a:xfrm>
+          <a:prstGeom prst="straightConnector1">
+            <a:avLst/>
+          </a:prstGeom>
+          <a:ln w="9525">
+            <a:solidFill>
+              <a:srgbClr val="454E56"/>
+            </a:solidFill>
+            <a:tailEnd type="triangle"/>
+          </a:ln>
+        </p:spPr>
+        <p:style>
+          <a:lnRef idx="1">
+            <a:schemeClr val="accent1"/>
+          </a:lnRef>
+          <a:fillRef idx="0">
+            <a:schemeClr val="accent1"/>
+          </a:fillRef>
+          <a:effectRef idx="0">
+            <a:schemeClr val="accent1"/>
+          </a:effectRef>
+          <a:fontRef idx="minor">
+            <a:schemeClr val="tx1"/>
+          </a:fontRef>
+        </p:style>
+      </p:cxnSp>
+      <p:cxnSp>
+        <p:nvCxnSpPr>
+          <p:cNvPr id="50" name="Straight Arrow Connector 49">
+            <a:extLst>
+              <a:ext uri="{FF2B5EF4-FFF2-40B4-BE49-F238E27FC236}">
+                <a16:creationId xmlns:a16="http://schemas.microsoft.com/office/drawing/2014/main" id="{D277FF41-66E8-8332-F56B-2EC28A384D68}"/>
+              </a:ext>
+            </a:extLst>
+          </p:cNvPr>
+          <p:cNvCxnSpPr>
+            <a:cxnSpLocks/>
+          </p:cNvCxnSpPr>
+          <p:nvPr/>
+        </p:nvCxnSpPr>
+        <p:spPr>
+          <a:xfrm>
+            <a:off x="2348753" y="4014141"/>
+            <a:ext cx="1365433" cy="0"/>
+          </a:xfrm>
+          <a:prstGeom prst="straightConnector1">
+            <a:avLst/>
+          </a:prstGeom>
+          <a:ln w="9525">
+            <a:solidFill>
+              <a:srgbClr val="454E56"/>
+            </a:solidFill>
+            <a:tailEnd type="triangle"/>
+          </a:ln>
+        </p:spPr>
+        <p:style>
+          <a:lnRef idx="1">
+            <a:schemeClr val="accent1"/>
+          </a:lnRef>
+          <a:fillRef idx="0">
+            <a:schemeClr val="accent1"/>
+          </a:fillRef>
+          <a:effectRef idx="0">
+            <a:schemeClr val="accent1"/>
+          </a:effectRef>
+          <a:fontRef idx="minor">
+            <a:schemeClr val="tx1"/>
+          </a:fontRef>
+        </p:style>
+      </p:cxnSp>
+      <p:cxnSp>
+        <p:nvCxnSpPr>
+          <p:cNvPr id="56" name="Straight Arrow Connector 55">
+            <a:extLst>
+              <a:ext uri="{FF2B5EF4-FFF2-40B4-BE49-F238E27FC236}">
+                <a16:creationId xmlns:a16="http://schemas.microsoft.com/office/drawing/2014/main" id="{23D29D77-6061-3658-558D-0A2F7D553ECF}"/>
+              </a:ext>
+            </a:extLst>
+          </p:cNvPr>
+          <p:cNvCxnSpPr>
+            <a:cxnSpLocks/>
+          </p:cNvCxnSpPr>
+          <p:nvPr/>
+        </p:nvCxnSpPr>
+        <p:spPr>
+          <a:xfrm>
+            <a:off x="2348753" y="2763484"/>
+            <a:ext cx="1365433" cy="0"/>
+          </a:xfrm>
+          <a:prstGeom prst="straightConnector1">
+            <a:avLst/>
+          </a:prstGeom>
+          <a:ln w="9525">
+            <a:solidFill>
+              <a:srgbClr val="454E56"/>
+            </a:solidFill>
+            <a:tailEnd type="triangle"/>
+          </a:ln>
+        </p:spPr>
+        <p:style>
+          <a:lnRef idx="1">
+            <a:schemeClr val="accent1"/>
+          </a:lnRef>
+          <a:fillRef idx="0">
+            <a:schemeClr val="accent1"/>
+          </a:fillRef>
+          <a:effectRef idx="0">
+            <a:schemeClr val="accent1"/>
+          </a:effectRef>
+          <a:fontRef idx="minor">
+            <a:schemeClr val="tx1"/>
+          </a:fontRef>
+        </p:style>
+      </p:cxnSp>
+      <p:cxnSp>
+        <p:nvCxnSpPr>
+          <p:cNvPr id="57" name="Straight Arrow Connector 56">
+            <a:extLst>
+              <a:ext uri="{FF2B5EF4-FFF2-40B4-BE49-F238E27FC236}">
+                <a16:creationId xmlns:a16="http://schemas.microsoft.com/office/drawing/2014/main" id="{76280BE4-213D-9227-BDD4-6CD970495E3F}"/>
+              </a:ext>
+            </a:extLst>
+          </p:cNvPr>
+          <p:cNvCxnSpPr>
+            <a:cxnSpLocks/>
+          </p:cNvCxnSpPr>
+          <p:nvPr/>
+        </p:nvCxnSpPr>
+        <p:spPr>
+          <a:xfrm>
+            <a:off x="2348753" y="2078871"/>
+            <a:ext cx="1365433" cy="0"/>
+          </a:xfrm>
+          <a:prstGeom prst="straightConnector1">
+            <a:avLst/>
+          </a:prstGeom>
+          <a:ln w="9525">
+            <a:solidFill>
+              <a:srgbClr val="454E56"/>
+            </a:solidFill>
+            <a:tailEnd type="triangle"/>
+          </a:ln>
+        </p:spPr>
+        <p:style>
+          <a:lnRef idx="1">
+            <a:schemeClr val="accent1"/>
+          </a:lnRef>
+          <a:fillRef idx="0">
+            <a:schemeClr val="accent1"/>
+          </a:fillRef>
+          <a:effectRef idx="0">
+            <a:schemeClr val="accent1"/>
+          </a:effectRef>
+          <a:fontRef idx="minor">
+            <a:schemeClr val="tx1"/>
+          </a:fontRef>
+        </p:style>
+      </p:cxnSp>
+    </p:spTree>
+    <p:extLst>
+      <p:ext uri="{BB962C8B-B14F-4D97-AF65-F5344CB8AC3E}">
+        <p14:creationId xmlns:p14="http://schemas.microsoft.com/office/powerpoint/2010/main" val="3986932239"/>
+      </p:ext>
+    </p:extLst>
+  </p:cSld>
+  <p:clrMapOvr>
+    <a:masterClrMapping/>
+  </p:clrMapOvr>
+</p:sld>
+</file>
+
+<file path=ppt/slides/slide7.xml><?xml version="1.0" encoding="utf-8"?>
 <p:sld xmlns:a="http://schemas.openxmlformats.org/drawingml/2006/main" xmlns:r="http://schemas.openxmlformats.org/officeDocument/2006/relationships" xmlns:p="http://schemas.openxmlformats.org/presentationml/2006/main">
   <p:cSld>
     <p:spTree>
@@ -11850,7 +17265,7 @@
             <a:fld id="{F8F2F176-31C6-47A3-A156-EEB678E90E74}" type="slidenum">
               <a:rPr lang="en-CA" smtClean="0"/>
               <a:pPr/>
-              <a:t>6</a:t>
+              <a:t>7</a:t>
             </a:fld>
             <a:endParaRPr lang="en-CA" dirty="0"/>
           </a:p>
@@ -13680,7 +19095,7 @@
 </p:sld>
 </file>
 
-<file path=ppt/slides/slide7.xml><?xml version="1.0" encoding="utf-8"?>
+<file path=ppt/slides/slide8.xml><?xml version="1.0" encoding="utf-8"?>
 <p:sld xmlns:a="http://schemas.openxmlformats.org/drawingml/2006/main" xmlns:r="http://schemas.openxmlformats.org/officeDocument/2006/relationships" xmlns:p="http://schemas.openxmlformats.org/presentationml/2006/main">
   <p:cSld>
     <p:spTree>
@@ -13826,7 +19241,7 @@
             <a:fld id="{F8F2F176-31C6-47A3-A156-EEB678E90E74}" type="slidenum">
               <a:rPr lang="en-CA" smtClean="0"/>
               <a:pPr/>
-              <a:t>7</a:t>
+              <a:t>8</a:t>
             </a:fld>
             <a:endParaRPr lang="en-CA" dirty="0"/>
           </a:p>
@@ -14697,7 +20112,7 @@
 </p:sld>
 </file>
 
-<file path=ppt/slides/slide8.xml><?xml version="1.0" encoding="utf-8"?>
+<file path=ppt/slides/slide9.xml><?xml version="1.0" encoding="utf-8"?>
 <p:sld xmlns:a="http://schemas.openxmlformats.org/drawingml/2006/main" xmlns:r="http://schemas.openxmlformats.org/officeDocument/2006/relationships" xmlns:p="http://schemas.openxmlformats.org/presentationml/2006/main">
   <p:cSld>
     <p:spTree>
@@ -14843,7 +20258,7 @@
             <a:fld id="{F8F2F176-31C6-47A3-A156-EEB678E90E74}" type="slidenum">
               <a:rPr lang="en-CA" smtClean="0"/>
               <a:pPr/>
-              <a:t>8</a:t>
+              <a:t>9</a:t>
             </a:fld>
             <a:endParaRPr lang="en-CA" dirty="0"/>
           </a:p>
@@ -15244,2064 +20659,6 @@
     <p:extLst>
       <p:ext uri="{BB962C8B-B14F-4D97-AF65-F5344CB8AC3E}">
         <p14:creationId xmlns:p14="http://schemas.microsoft.com/office/powerpoint/2010/main" val="3944438450"/>
-      </p:ext>
-    </p:extLst>
-  </p:cSld>
-  <p:clrMapOvr>
-    <a:masterClrMapping/>
-  </p:clrMapOvr>
-</p:sld>
-</file>
-
-<file path=ppt/slides/slide9.xml><?xml version="1.0" encoding="utf-8"?>
-<p:sld xmlns:a="http://schemas.openxmlformats.org/drawingml/2006/main" xmlns:r="http://schemas.openxmlformats.org/officeDocument/2006/relationships" xmlns:p="http://schemas.openxmlformats.org/presentationml/2006/main">
-  <p:cSld>
-    <p:spTree>
-      <p:nvGrpSpPr>
-        <p:cNvPr id="1" name="">
-          <a:extLst>
-            <a:ext uri="{FF2B5EF4-FFF2-40B4-BE49-F238E27FC236}">
-              <a16:creationId xmlns:a16="http://schemas.microsoft.com/office/drawing/2014/main" id="{EA7F380D-0F54-DB87-731D-FCCEF111C9AD}"/>
-            </a:ext>
-          </a:extLst>
-        </p:cNvPr>
-        <p:cNvGrpSpPr/>
-        <p:nvPr/>
-      </p:nvGrpSpPr>
-      <p:grpSpPr>
-        <a:xfrm>
-          <a:off x="0" y="0"/>
-          <a:ext cx="0" cy="0"/>
-          <a:chOff x="0" y="0"/>
-          <a:chExt cx="0" cy="0"/>
-        </a:xfrm>
-      </p:grpSpPr>
-      <p:sp>
-        <p:nvSpPr>
-          <p:cNvPr id="54" name="Rectangle 53">
-            <a:extLst>
-              <a:ext uri="{FF2B5EF4-FFF2-40B4-BE49-F238E27FC236}">
-                <a16:creationId xmlns:a16="http://schemas.microsoft.com/office/drawing/2014/main" id="{0D82F699-3513-832E-F7B6-D120A9306569}"/>
-              </a:ext>
-            </a:extLst>
-          </p:cNvPr>
-          <p:cNvSpPr/>
-          <p:nvPr/>
-        </p:nvSpPr>
-        <p:spPr>
-          <a:xfrm>
-            <a:off x="4666967" y="1256553"/>
-            <a:ext cx="3961417" cy="4344894"/>
-          </a:xfrm>
-          <a:prstGeom prst="rect">
-            <a:avLst/>
-          </a:prstGeom>
-          <a:solidFill>
-            <a:srgbClr val="F9F9F9"/>
-          </a:solidFill>
-          <a:ln>
-            <a:noFill/>
-          </a:ln>
-        </p:spPr>
-        <p:style>
-          <a:lnRef idx="2">
-            <a:schemeClr val="accent1">
-              <a:shade val="15000"/>
-            </a:schemeClr>
-          </a:lnRef>
-          <a:fillRef idx="1">
-            <a:schemeClr val="accent1"/>
-          </a:fillRef>
-          <a:effectRef idx="0">
-            <a:schemeClr val="accent1"/>
-          </a:effectRef>
-          <a:fontRef idx="minor">
-            <a:schemeClr val="lt1"/>
-          </a:fontRef>
-        </p:style>
-        <p:txBody>
-          <a:bodyPr rtlCol="0" anchor="t"/>
-          <a:lstStyle/>
-          <a:p>
-            <a:r>
-              <a:rPr lang="fr-CA" sz="2400" dirty="0" err="1">
-                <a:solidFill>
-                  <a:schemeClr val="tx1"/>
-                </a:solidFill>
-                <a:latin typeface="Montserrat" panose="00000500000000000000" pitchFamily="2" charset="0"/>
-              </a:rPr>
-              <a:t>Oblivious</a:t>
-            </a:r>
-            <a:endParaRPr lang="fr-CA" sz="2400" dirty="0">
-              <a:solidFill>
-                <a:schemeClr val="tx1"/>
-              </a:solidFill>
-              <a:latin typeface="Montserrat" panose="00000500000000000000" pitchFamily="2" charset="0"/>
-            </a:endParaRPr>
-          </a:p>
-          <a:p>
-            <a:endParaRPr lang="fr-CA" sz="2400" dirty="0">
-              <a:solidFill>
-                <a:schemeClr val="tx1"/>
-              </a:solidFill>
-              <a:latin typeface="Montserrat" panose="00000500000000000000" pitchFamily="2" charset="0"/>
-            </a:endParaRPr>
-          </a:p>
-          <a:p>
-            <a:endParaRPr lang="fr-CA" sz="2400" dirty="0">
-              <a:solidFill>
-                <a:schemeClr val="tx1"/>
-              </a:solidFill>
-              <a:latin typeface="Montserrat" panose="00000500000000000000" pitchFamily="2" charset="0"/>
-            </a:endParaRPr>
-          </a:p>
-          <a:p>
-            <a:endParaRPr lang="fr-CA" sz="2400" dirty="0">
-              <a:solidFill>
-                <a:schemeClr val="tx1"/>
-              </a:solidFill>
-              <a:latin typeface="Montserrat" panose="00000500000000000000" pitchFamily="2" charset="0"/>
-            </a:endParaRPr>
-          </a:p>
-          <a:p>
-            <a:endParaRPr lang="fr-CA" sz="2400" dirty="0">
-              <a:solidFill>
-                <a:schemeClr val="tx1"/>
-              </a:solidFill>
-              <a:latin typeface="Montserrat" panose="00000500000000000000" pitchFamily="2" charset="0"/>
-            </a:endParaRPr>
-          </a:p>
-          <a:p>
-            <a:endParaRPr lang="fr-CA" sz="2400" dirty="0">
-              <a:solidFill>
-                <a:schemeClr val="tx1"/>
-              </a:solidFill>
-              <a:latin typeface="Montserrat" panose="00000500000000000000" pitchFamily="2" charset="0"/>
-            </a:endParaRPr>
-          </a:p>
-          <a:p>
-            <a:endParaRPr lang="fr-CA" sz="2400" dirty="0">
-              <a:solidFill>
-                <a:schemeClr val="tx1"/>
-              </a:solidFill>
-              <a:latin typeface="Montserrat" panose="00000500000000000000" pitchFamily="2" charset="0"/>
-            </a:endParaRPr>
-          </a:p>
-          <a:p>
-            <a:endParaRPr lang="fr-CA" sz="2400" dirty="0">
-              <a:solidFill>
-                <a:schemeClr val="tx1"/>
-              </a:solidFill>
-              <a:latin typeface="Montserrat" panose="00000500000000000000" pitchFamily="2" charset="0"/>
-            </a:endParaRPr>
-          </a:p>
-          <a:p>
-            <a:r>
-              <a:rPr lang="fr-CA" b="1" dirty="0" err="1">
-                <a:solidFill>
-                  <a:schemeClr val="tx1"/>
-                </a:solidFill>
-                <a:latin typeface="Montserrat" panose="00000500000000000000" pitchFamily="2" charset="0"/>
-              </a:rPr>
-              <a:t>EvoTreeRegressor</a:t>
-            </a:r>
-            <a:r>
-              <a:rPr lang="fr-CA" dirty="0">
-                <a:solidFill>
-                  <a:schemeClr val="tx1"/>
-                </a:solidFill>
-                <a:latin typeface="Montserrat" panose="00000500000000000000" pitchFamily="2" charset="0"/>
-              </a:rPr>
-              <a:t>(</a:t>
-            </a:r>
-          </a:p>
-          <a:p>
-            <a:r>
-              <a:rPr lang="fr-CA" dirty="0">
-                <a:solidFill>
-                  <a:schemeClr val="tx1"/>
-                </a:solidFill>
-                <a:latin typeface="Montserrat" panose="00000500000000000000" pitchFamily="2" charset="0"/>
-              </a:rPr>
-              <a:t>	</a:t>
-            </a:r>
-            <a:r>
-              <a:rPr lang="fr-CA" b="1" dirty="0" err="1">
-                <a:solidFill>
-                  <a:srgbClr val="4571A5"/>
-                </a:solidFill>
-                <a:latin typeface="Montserrat" panose="00000500000000000000" pitchFamily="2" charset="0"/>
-              </a:rPr>
-              <a:t>tree_type</a:t>
-            </a:r>
-            <a:r>
-              <a:rPr lang="fr-CA" b="1" dirty="0">
-                <a:solidFill>
-                  <a:srgbClr val="4571A5"/>
-                </a:solidFill>
-                <a:latin typeface="Montserrat" panose="00000500000000000000" pitchFamily="2" charset="0"/>
-              </a:rPr>
-              <a:t> = :</a:t>
-            </a:r>
-            <a:r>
-              <a:rPr lang="fr-CA" b="1" dirty="0" err="1">
-                <a:solidFill>
-                  <a:srgbClr val="4571A5"/>
-                </a:solidFill>
-                <a:latin typeface="Montserrat" panose="00000500000000000000" pitchFamily="2" charset="0"/>
-              </a:rPr>
-              <a:t>oblivious</a:t>
-            </a:r>
-            <a:r>
-              <a:rPr lang="fr-CA" dirty="0">
-                <a:solidFill>
-                  <a:schemeClr val="tx1"/>
-                </a:solidFill>
-                <a:latin typeface="Montserrat" panose="00000500000000000000" pitchFamily="2" charset="0"/>
-              </a:rPr>
-              <a:t>,</a:t>
-            </a:r>
-          </a:p>
-          <a:p>
-            <a:r>
-              <a:rPr lang="fr-CA" dirty="0">
-                <a:solidFill>
-                  <a:schemeClr val="tx1"/>
-                </a:solidFill>
-                <a:latin typeface="Montserrat" panose="00000500000000000000" pitchFamily="2" charset="0"/>
-              </a:rPr>
-              <a:t>	</a:t>
-            </a:r>
-            <a:r>
-              <a:rPr lang="fr-CA" dirty="0" err="1">
-                <a:solidFill>
-                  <a:schemeClr val="tx1"/>
-                </a:solidFill>
-                <a:latin typeface="Montserrat" panose="00000500000000000000" pitchFamily="2" charset="0"/>
-              </a:rPr>
-              <a:t>kwargs</a:t>
-            </a:r>
-            <a:r>
-              <a:rPr lang="fr-CA" dirty="0">
-                <a:solidFill>
-                  <a:schemeClr val="tx1"/>
-                </a:solidFill>
-                <a:latin typeface="Montserrat" panose="00000500000000000000" pitchFamily="2" charset="0"/>
-              </a:rPr>
-              <a:t>…</a:t>
-            </a:r>
-          </a:p>
-          <a:p>
-            <a:r>
-              <a:rPr lang="fr-CA" dirty="0">
-                <a:solidFill>
-                  <a:schemeClr val="tx1"/>
-                </a:solidFill>
-                <a:latin typeface="Montserrat" panose="00000500000000000000" pitchFamily="2" charset="0"/>
-              </a:rPr>
-              <a:t>)</a:t>
-            </a:r>
-            <a:endParaRPr lang="en-CA" sz="1400" dirty="0">
-              <a:solidFill>
-                <a:schemeClr val="tx1"/>
-              </a:solidFill>
-              <a:latin typeface="Montserrat" panose="00000500000000000000" pitchFamily="2" charset="0"/>
-            </a:endParaRPr>
-          </a:p>
-          <a:p>
-            <a:endParaRPr lang="en-CA" dirty="0">
-              <a:solidFill>
-                <a:schemeClr val="tx1"/>
-              </a:solidFill>
-              <a:latin typeface="Montserrat" panose="00000500000000000000" pitchFamily="2" charset="0"/>
-            </a:endParaRPr>
-          </a:p>
-        </p:txBody>
-      </p:sp>
-      <p:sp>
-        <p:nvSpPr>
-          <p:cNvPr id="53" name="Rectangle 52">
-            <a:extLst>
-              <a:ext uri="{FF2B5EF4-FFF2-40B4-BE49-F238E27FC236}">
-                <a16:creationId xmlns:a16="http://schemas.microsoft.com/office/drawing/2014/main" id="{DEDE7221-DA05-7C18-5EAC-69AD87340CD5}"/>
-              </a:ext>
-            </a:extLst>
-          </p:cNvPr>
-          <p:cNvSpPr/>
-          <p:nvPr/>
-        </p:nvSpPr>
-        <p:spPr>
-          <a:xfrm>
-            <a:off x="242556" y="1256553"/>
-            <a:ext cx="3961417" cy="4344894"/>
-          </a:xfrm>
-          <a:prstGeom prst="rect">
-            <a:avLst/>
-          </a:prstGeom>
-          <a:solidFill>
-            <a:srgbClr val="F9F9F9"/>
-          </a:solidFill>
-          <a:ln>
-            <a:noFill/>
-          </a:ln>
-        </p:spPr>
-        <p:style>
-          <a:lnRef idx="2">
-            <a:schemeClr val="accent1">
-              <a:shade val="15000"/>
-            </a:schemeClr>
-          </a:lnRef>
-          <a:fillRef idx="1">
-            <a:schemeClr val="accent1"/>
-          </a:fillRef>
-          <a:effectRef idx="0">
-            <a:schemeClr val="accent1"/>
-          </a:effectRef>
-          <a:fontRef idx="minor">
-            <a:schemeClr val="lt1"/>
-          </a:fontRef>
-        </p:style>
-        <p:txBody>
-          <a:bodyPr rtlCol="0" anchor="t"/>
-          <a:lstStyle/>
-          <a:p>
-            <a:r>
-              <a:rPr lang="fr-CA" sz="2400" dirty="0" err="1">
-                <a:solidFill>
-                  <a:schemeClr val="tx1"/>
-                </a:solidFill>
-                <a:latin typeface="Montserrat" panose="00000500000000000000" pitchFamily="2" charset="0"/>
-              </a:rPr>
-              <a:t>Binary</a:t>
-            </a:r>
-            <a:endParaRPr lang="fr-CA" sz="2400" dirty="0">
-              <a:solidFill>
-                <a:schemeClr val="tx1"/>
-              </a:solidFill>
-              <a:latin typeface="Montserrat" panose="00000500000000000000" pitchFamily="2" charset="0"/>
-            </a:endParaRPr>
-          </a:p>
-          <a:p>
-            <a:endParaRPr lang="fr-CA" sz="2400" dirty="0">
-              <a:solidFill>
-                <a:schemeClr val="tx1"/>
-              </a:solidFill>
-              <a:latin typeface="Montserrat" panose="00000500000000000000" pitchFamily="2" charset="0"/>
-            </a:endParaRPr>
-          </a:p>
-          <a:p>
-            <a:endParaRPr lang="fr-CA" sz="2400" dirty="0">
-              <a:solidFill>
-                <a:schemeClr val="tx1"/>
-              </a:solidFill>
-              <a:latin typeface="Montserrat" panose="00000500000000000000" pitchFamily="2" charset="0"/>
-            </a:endParaRPr>
-          </a:p>
-          <a:p>
-            <a:endParaRPr lang="fr-CA" sz="2400" dirty="0">
-              <a:solidFill>
-                <a:schemeClr val="tx1"/>
-              </a:solidFill>
-              <a:latin typeface="Montserrat" panose="00000500000000000000" pitchFamily="2" charset="0"/>
-            </a:endParaRPr>
-          </a:p>
-          <a:p>
-            <a:endParaRPr lang="fr-CA" sz="2400" dirty="0">
-              <a:solidFill>
-                <a:schemeClr val="tx1"/>
-              </a:solidFill>
-              <a:latin typeface="Montserrat" panose="00000500000000000000" pitchFamily="2" charset="0"/>
-            </a:endParaRPr>
-          </a:p>
-          <a:p>
-            <a:endParaRPr lang="fr-CA" sz="2400" dirty="0">
-              <a:solidFill>
-                <a:schemeClr val="tx1"/>
-              </a:solidFill>
-              <a:latin typeface="Montserrat" panose="00000500000000000000" pitchFamily="2" charset="0"/>
-            </a:endParaRPr>
-          </a:p>
-          <a:p>
-            <a:endParaRPr lang="fr-CA" sz="2400" dirty="0">
-              <a:solidFill>
-                <a:schemeClr val="tx1"/>
-              </a:solidFill>
-              <a:latin typeface="Montserrat" panose="00000500000000000000" pitchFamily="2" charset="0"/>
-            </a:endParaRPr>
-          </a:p>
-          <a:p>
-            <a:endParaRPr lang="fr-CA" sz="2400" dirty="0">
-              <a:solidFill>
-                <a:schemeClr val="tx1"/>
-              </a:solidFill>
-              <a:latin typeface="Montserrat" panose="00000500000000000000" pitchFamily="2" charset="0"/>
-            </a:endParaRPr>
-          </a:p>
-          <a:p>
-            <a:r>
-              <a:rPr lang="fr-CA" sz="1600" b="1" dirty="0" err="1">
-                <a:solidFill>
-                  <a:schemeClr val="tx1"/>
-                </a:solidFill>
-                <a:latin typeface="Montserrat" panose="00000500000000000000" pitchFamily="2" charset="0"/>
-              </a:rPr>
-              <a:t>EvoTreeRegressor</a:t>
-            </a:r>
-            <a:r>
-              <a:rPr lang="fr-CA" sz="1600" dirty="0">
-                <a:solidFill>
-                  <a:schemeClr val="tx1"/>
-                </a:solidFill>
-                <a:latin typeface="Montserrat" panose="00000500000000000000" pitchFamily="2" charset="0"/>
-              </a:rPr>
-              <a:t>(</a:t>
-            </a:r>
-          </a:p>
-          <a:p>
-            <a:r>
-              <a:rPr lang="fr-CA" sz="1600" dirty="0">
-                <a:solidFill>
-                  <a:schemeClr val="tx1"/>
-                </a:solidFill>
-                <a:latin typeface="Montserrat" panose="00000500000000000000" pitchFamily="2" charset="0"/>
-              </a:rPr>
-              <a:t>	</a:t>
-            </a:r>
-            <a:r>
-              <a:rPr lang="fr-CA" sz="1600" b="1" dirty="0" err="1">
-                <a:solidFill>
-                  <a:srgbClr val="4571A5"/>
-                </a:solidFill>
-                <a:latin typeface="Montserrat" panose="00000500000000000000" pitchFamily="2" charset="0"/>
-              </a:rPr>
-              <a:t>tree_type</a:t>
-            </a:r>
-            <a:r>
-              <a:rPr lang="fr-CA" sz="1600" b="1" dirty="0">
-                <a:solidFill>
-                  <a:srgbClr val="4571A5"/>
-                </a:solidFill>
-                <a:latin typeface="Montserrat" panose="00000500000000000000" pitchFamily="2" charset="0"/>
-              </a:rPr>
-              <a:t> = :</a:t>
-            </a:r>
-            <a:r>
-              <a:rPr lang="fr-CA" sz="1600" b="1" dirty="0" err="1">
-                <a:solidFill>
-                  <a:srgbClr val="4571A5"/>
-                </a:solidFill>
-                <a:latin typeface="Montserrat" panose="00000500000000000000" pitchFamily="2" charset="0"/>
-              </a:rPr>
-              <a:t>binary</a:t>
-            </a:r>
-            <a:r>
-              <a:rPr lang="fr-CA" sz="1600" dirty="0">
-                <a:solidFill>
-                  <a:schemeClr val="tx1"/>
-                </a:solidFill>
-                <a:latin typeface="Montserrat" panose="00000500000000000000" pitchFamily="2" charset="0"/>
-              </a:rPr>
-              <a:t>,</a:t>
-            </a:r>
-          </a:p>
-          <a:p>
-            <a:r>
-              <a:rPr lang="fr-CA" sz="1600" dirty="0">
-                <a:solidFill>
-                  <a:schemeClr val="tx1"/>
-                </a:solidFill>
-                <a:latin typeface="Montserrat" panose="00000500000000000000" pitchFamily="2" charset="0"/>
-              </a:rPr>
-              <a:t>	</a:t>
-            </a:r>
-            <a:r>
-              <a:rPr lang="fr-CA" sz="1600" dirty="0" err="1">
-                <a:solidFill>
-                  <a:schemeClr val="tx1"/>
-                </a:solidFill>
-                <a:latin typeface="Montserrat" panose="00000500000000000000" pitchFamily="2" charset="0"/>
-              </a:rPr>
-              <a:t>kwargs</a:t>
-            </a:r>
-            <a:r>
-              <a:rPr lang="fr-CA" sz="1600" dirty="0">
-                <a:solidFill>
-                  <a:schemeClr val="tx1"/>
-                </a:solidFill>
-                <a:latin typeface="Montserrat" panose="00000500000000000000" pitchFamily="2" charset="0"/>
-              </a:rPr>
-              <a:t>…</a:t>
-            </a:r>
-          </a:p>
-          <a:p>
-            <a:r>
-              <a:rPr lang="fr-CA" sz="1600" dirty="0">
-                <a:solidFill>
-                  <a:schemeClr val="tx1"/>
-                </a:solidFill>
-                <a:latin typeface="Montserrat" panose="00000500000000000000" pitchFamily="2" charset="0"/>
-              </a:rPr>
-              <a:t>)</a:t>
-            </a:r>
-            <a:endParaRPr lang="en-CA" sz="1200" dirty="0">
-              <a:solidFill>
-                <a:schemeClr val="tx1"/>
-              </a:solidFill>
-              <a:latin typeface="Montserrat" panose="00000500000000000000" pitchFamily="2" charset="0"/>
-            </a:endParaRPr>
-          </a:p>
-        </p:txBody>
-      </p:sp>
-      <p:sp>
-        <p:nvSpPr>
-          <p:cNvPr id="32" name="Rectangle 31">
-            <a:extLst>
-              <a:ext uri="{FF2B5EF4-FFF2-40B4-BE49-F238E27FC236}">
-                <a16:creationId xmlns:a16="http://schemas.microsoft.com/office/drawing/2014/main" id="{047141F7-0575-1C2E-CEF8-5970F080B200}"/>
-              </a:ext>
-            </a:extLst>
-          </p:cNvPr>
-          <p:cNvSpPr/>
-          <p:nvPr>
-            <p:custDataLst>
-              <p:tags r:id="rId1"/>
-            </p:custDataLst>
-          </p:nvPr>
-        </p:nvSpPr>
-        <p:spPr>
-          <a:xfrm>
-            <a:off x="281616" y="914401"/>
-            <a:ext cx="2292250" cy="83126"/>
-          </a:xfrm>
-          <a:prstGeom prst="rect">
-            <a:avLst/>
-          </a:prstGeom>
-          <a:solidFill>
-            <a:srgbClr val="033572"/>
-          </a:solidFill>
-          <a:ln>
-            <a:noFill/>
-          </a:ln>
-        </p:spPr>
-        <p:style>
-          <a:lnRef idx="2">
-            <a:schemeClr val="accent1">
-              <a:shade val="50000"/>
-            </a:schemeClr>
-          </a:lnRef>
-          <a:fillRef idx="1">
-            <a:schemeClr val="accent1"/>
-          </a:fillRef>
-          <a:effectRef idx="0">
-            <a:schemeClr val="accent1"/>
-          </a:effectRef>
-          <a:fontRef idx="minor">
-            <a:schemeClr val="lt1"/>
-          </a:fontRef>
-        </p:style>
-        <p:txBody>
-          <a:bodyPr rtlCol="0" anchor="ctr"/>
-          <a:lstStyle/>
-          <a:p>
-            <a:pPr algn="ctr"/>
-            <a:endParaRPr lang="en-CA" dirty="0"/>
-          </a:p>
-        </p:txBody>
-      </p:sp>
-      <p:pic>
-        <p:nvPicPr>
-          <p:cNvPr id="10" name="Picture 9">
-            <a:extLst>
-              <a:ext uri="{FF2B5EF4-FFF2-40B4-BE49-F238E27FC236}">
-                <a16:creationId xmlns:a16="http://schemas.microsoft.com/office/drawing/2014/main" id="{750F7CD6-E752-5095-6DFD-ED1C0CB4D18D}"/>
-              </a:ext>
-            </a:extLst>
-          </p:cNvPr>
-          <p:cNvPicPr>
-            <a:picLocks noChangeAspect="1"/>
-          </p:cNvPicPr>
-          <p:nvPr>
-            <p:custDataLst>
-              <p:tags r:id="rId2"/>
-            </p:custDataLst>
-          </p:nvPr>
-        </p:nvPicPr>
-        <p:blipFill>
-          <a:blip r:embed="rId7" cstate="screen">
-            <a:extLst>
-              <a:ext uri="{28A0092B-C50C-407E-A947-70E740481C1C}">
-                <a14:useLocalDpi xmlns:a14="http://schemas.microsoft.com/office/drawing/2010/main"/>
-              </a:ext>
-            </a:extLst>
-          </a:blip>
-          <a:stretch>
-            <a:fillRect/>
-          </a:stretch>
-        </p:blipFill>
-        <p:spPr>
-          <a:xfrm>
-            <a:off x="281616" y="6486309"/>
-            <a:ext cx="1506045" cy="164931"/>
-          </a:xfrm>
-          <a:prstGeom prst="rect">
-            <a:avLst/>
-          </a:prstGeom>
-        </p:spPr>
-      </p:pic>
-      <p:sp>
-        <p:nvSpPr>
-          <p:cNvPr id="5" name="Slide Number Placeholder 4">
-            <a:extLst>
-              <a:ext uri="{FF2B5EF4-FFF2-40B4-BE49-F238E27FC236}">
-                <a16:creationId xmlns:a16="http://schemas.microsoft.com/office/drawing/2014/main" id="{6222D8BF-624E-1C31-A4E4-AECE4AD3D795}"/>
-              </a:ext>
-            </a:extLst>
-          </p:cNvPr>
-          <p:cNvSpPr>
-            <a:spLocks noGrp="1"/>
-          </p:cNvSpPr>
-          <p:nvPr>
-            <p:ph type="sldNum" sz="quarter" idx="12"/>
-            <p:custDataLst>
-              <p:tags r:id="rId3"/>
-            </p:custDataLst>
-          </p:nvPr>
-        </p:nvSpPr>
-        <p:spPr/>
-        <p:txBody>
-          <a:bodyPr/>
-          <a:lstStyle/>
-          <a:p>
-            <a:fld id="{F8F2F176-31C6-47A3-A156-EEB678E90E74}" type="slidenum">
-              <a:rPr lang="en-CA" smtClean="0"/>
-              <a:pPr/>
-              <a:t>9</a:t>
-            </a:fld>
-            <a:endParaRPr lang="en-CA" dirty="0"/>
-          </a:p>
-        </p:txBody>
-      </p:sp>
-      <p:sp>
-        <p:nvSpPr>
-          <p:cNvPr id="14" name="Title 1">
-            <a:extLst>
-              <a:ext uri="{FF2B5EF4-FFF2-40B4-BE49-F238E27FC236}">
-                <a16:creationId xmlns:a16="http://schemas.microsoft.com/office/drawing/2014/main" id="{3456A1CE-D7B1-F8D3-3D96-F7766BE357A6}"/>
-              </a:ext>
-            </a:extLst>
-          </p:cNvPr>
-          <p:cNvSpPr>
-            <a:spLocks noGrp="1"/>
-          </p:cNvSpPr>
-          <p:nvPr>
-            <p:ph type="title"/>
-            <p:custDataLst>
-              <p:tags r:id="rId4"/>
-            </p:custDataLst>
-          </p:nvPr>
-        </p:nvSpPr>
-        <p:spPr>
-          <a:xfrm>
-            <a:off x="166256" y="206760"/>
-            <a:ext cx="7646555" cy="684834"/>
-          </a:xfrm>
-        </p:spPr>
-        <p:txBody>
-          <a:bodyPr>
-            <a:normAutofit/>
-          </a:bodyPr>
-          <a:lstStyle/>
-          <a:p>
-            <a:r>
-              <a:rPr lang="en-CA" sz="3200" dirty="0">
-                <a:latin typeface="Montserrat" panose="00000500000000000000" pitchFamily="2" charset="0"/>
-                <a:ea typeface="Yu Gothic UI Light" panose="020B0300000000000000" pitchFamily="34" charset="-128"/>
-              </a:rPr>
-              <a:t>Oblivious Tree Structure</a:t>
-            </a:r>
-          </a:p>
-        </p:txBody>
-      </p:sp>
-      <p:sp>
-        <p:nvSpPr>
-          <p:cNvPr id="2" name="Rectangle 1">
-            <a:extLst>
-              <a:ext uri="{FF2B5EF4-FFF2-40B4-BE49-F238E27FC236}">
-                <a16:creationId xmlns:a16="http://schemas.microsoft.com/office/drawing/2014/main" id="{D1D3709E-E2A5-A24F-231F-EE269F5D24E6}"/>
-              </a:ext>
-            </a:extLst>
-          </p:cNvPr>
-          <p:cNvSpPr/>
-          <p:nvPr/>
-        </p:nvSpPr>
-        <p:spPr>
-          <a:xfrm>
-            <a:off x="1814306" y="1882389"/>
-            <a:ext cx="823526" cy="416428"/>
-          </a:xfrm>
-          <a:prstGeom prst="rect">
-            <a:avLst/>
-          </a:prstGeom>
-          <a:solidFill>
-            <a:srgbClr val="7D568A"/>
-          </a:solidFill>
-          <a:ln>
-            <a:noFill/>
-          </a:ln>
-        </p:spPr>
-        <p:style>
-          <a:lnRef idx="2">
-            <a:schemeClr val="accent1">
-              <a:shade val="15000"/>
-            </a:schemeClr>
-          </a:lnRef>
-          <a:fillRef idx="1">
-            <a:schemeClr val="accent1"/>
-          </a:fillRef>
-          <a:effectRef idx="0">
-            <a:schemeClr val="accent1"/>
-          </a:effectRef>
-          <a:fontRef idx="minor">
-            <a:schemeClr val="lt1"/>
-          </a:fontRef>
-        </p:style>
-        <p:txBody>
-          <a:bodyPr rtlCol="0" anchor="ctr"/>
-          <a:lstStyle/>
-          <a:p>
-            <a:pPr algn="ctr"/>
-            <a:r>
-              <a:rPr lang="fr-CA" sz="1200" dirty="0"/>
-              <a:t>feat-3</a:t>
-            </a:r>
-          </a:p>
-          <a:p>
-            <a:pPr algn="ctr"/>
-            <a:r>
-              <a:rPr lang="fr-CA" sz="1200" dirty="0"/>
-              <a:t>&lt;= 1.23</a:t>
-            </a:r>
-            <a:endParaRPr lang="en-CA" sz="1200" dirty="0"/>
-          </a:p>
-        </p:txBody>
-      </p:sp>
-      <p:sp>
-        <p:nvSpPr>
-          <p:cNvPr id="4" name="Rectangle 3">
-            <a:extLst>
-              <a:ext uri="{FF2B5EF4-FFF2-40B4-BE49-F238E27FC236}">
-                <a16:creationId xmlns:a16="http://schemas.microsoft.com/office/drawing/2014/main" id="{DD9FF057-A878-1965-A5FD-1D09222B5698}"/>
-              </a:ext>
-            </a:extLst>
-          </p:cNvPr>
-          <p:cNvSpPr/>
-          <p:nvPr/>
-        </p:nvSpPr>
-        <p:spPr>
-          <a:xfrm>
-            <a:off x="990781" y="2602234"/>
-            <a:ext cx="823526" cy="416428"/>
-          </a:xfrm>
-          <a:prstGeom prst="rect">
-            <a:avLst/>
-          </a:prstGeom>
-          <a:solidFill>
-            <a:srgbClr val="26A671"/>
-          </a:solidFill>
-          <a:ln>
-            <a:noFill/>
-          </a:ln>
-        </p:spPr>
-        <p:style>
-          <a:lnRef idx="2">
-            <a:schemeClr val="accent1">
-              <a:shade val="15000"/>
-            </a:schemeClr>
-          </a:lnRef>
-          <a:fillRef idx="1">
-            <a:schemeClr val="accent1"/>
-          </a:fillRef>
-          <a:effectRef idx="0">
-            <a:schemeClr val="accent1"/>
-          </a:effectRef>
-          <a:fontRef idx="minor">
-            <a:schemeClr val="lt1"/>
-          </a:fontRef>
-        </p:style>
-        <p:txBody>
-          <a:bodyPr rtlCol="0" anchor="ctr"/>
-          <a:lstStyle/>
-          <a:p>
-            <a:pPr algn="ctr"/>
-            <a:r>
-              <a:rPr lang="fr-CA" sz="1200" dirty="0"/>
-              <a:t>feat-1</a:t>
-            </a:r>
-          </a:p>
-          <a:p>
-            <a:pPr algn="ctr"/>
-            <a:r>
-              <a:rPr lang="fr-CA" sz="1200" dirty="0"/>
-              <a:t>&lt;= 1.23</a:t>
-            </a:r>
-            <a:endParaRPr lang="en-CA" sz="1200" dirty="0"/>
-          </a:p>
-        </p:txBody>
-      </p:sp>
-      <p:sp>
-        <p:nvSpPr>
-          <p:cNvPr id="6" name="Rectangle 5">
-            <a:extLst>
-              <a:ext uri="{FF2B5EF4-FFF2-40B4-BE49-F238E27FC236}">
-                <a16:creationId xmlns:a16="http://schemas.microsoft.com/office/drawing/2014/main" id="{CF2A0236-1D81-D374-66AD-8417CC4C6942}"/>
-              </a:ext>
-            </a:extLst>
-          </p:cNvPr>
-          <p:cNvSpPr/>
-          <p:nvPr/>
-        </p:nvSpPr>
-        <p:spPr>
-          <a:xfrm>
-            <a:off x="2637832" y="2602234"/>
-            <a:ext cx="823526" cy="416428"/>
-          </a:xfrm>
-          <a:prstGeom prst="rect">
-            <a:avLst/>
-          </a:prstGeom>
-          <a:solidFill>
-            <a:srgbClr val="E5616C"/>
-          </a:solidFill>
-          <a:ln>
-            <a:noFill/>
-          </a:ln>
-        </p:spPr>
-        <p:style>
-          <a:lnRef idx="2">
-            <a:schemeClr val="accent1">
-              <a:shade val="15000"/>
-            </a:schemeClr>
-          </a:lnRef>
-          <a:fillRef idx="1">
-            <a:schemeClr val="accent1"/>
-          </a:fillRef>
-          <a:effectRef idx="0">
-            <a:schemeClr val="accent1"/>
-          </a:effectRef>
-          <a:fontRef idx="minor">
-            <a:schemeClr val="lt1"/>
-          </a:fontRef>
-        </p:style>
-        <p:txBody>
-          <a:bodyPr rtlCol="0" anchor="ctr"/>
-          <a:lstStyle/>
-          <a:p>
-            <a:pPr algn="ctr"/>
-            <a:r>
-              <a:rPr lang="fr-CA" sz="1200" dirty="0"/>
-              <a:t>feat-3</a:t>
-            </a:r>
-          </a:p>
-          <a:p>
-            <a:pPr algn="ctr"/>
-            <a:r>
-              <a:rPr lang="fr-CA" sz="1200" dirty="0"/>
-              <a:t>&lt;= 4.56</a:t>
-            </a:r>
-            <a:endParaRPr lang="en-CA" sz="1200" dirty="0"/>
-          </a:p>
-        </p:txBody>
-      </p:sp>
-      <p:sp>
-        <p:nvSpPr>
-          <p:cNvPr id="7" name="Rectangle 6">
-            <a:extLst>
-              <a:ext uri="{FF2B5EF4-FFF2-40B4-BE49-F238E27FC236}">
-                <a16:creationId xmlns:a16="http://schemas.microsoft.com/office/drawing/2014/main" id="{D3B8A206-0C81-C537-77C2-44356360373E}"/>
-              </a:ext>
-            </a:extLst>
-          </p:cNvPr>
-          <p:cNvSpPr/>
-          <p:nvPr/>
-        </p:nvSpPr>
-        <p:spPr>
-          <a:xfrm>
-            <a:off x="603139" y="3319507"/>
-            <a:ext cx="675174" cy="416428"/>
-          </a:xfrm>
-          <a:prstGeom prst="rect">
-            <a:avLst/>
-          </a:prstGeom>
-          <a:solidFill>
-            <a:srgbClr val="C9CCD1"/>
-          </a:solidFill>
-          <a:ln>
-            <a:noFill/>
-          </a:ln>
-        </p:spPr>
-        <p:style>
-          <a:lnRef idx="2">
-            <a:schemeClr val="accent1">
-              <a:shade val="15000"/>
-            </a:schemeClr>
-          </a:lnRef>
-          <a:fillRef idx="1">
-            <a:schemeClr val="accent1"/>
-          </a:fillRef>
-          <a:effectRef idx="0">
-            <a:schemeClr val="accent1"/>
-          </a:effectRef>
-          <a:fontRef idx="minor">
-            <a:schemeClr val="lt1"/>
-          </a:fontRef>
-        </p:style>
-        <p:txBody>
-          <a:bodyPr rtlCol="0" anchor="ctr"/>
-          <a:lstStyle/>
-          <a:p>
-            <a:pPr algn="ctr"/>
-            <a:r>
-              <a:rPr lang="fr-CA" sz="1200" dirty="0"/>
-              <a:t>leaf-1</a:t>
-            </a:r>
-            <a:endParaRPr lang="en-CA" sz="1200" dirty="0"/>
-          </a:p>
-        </p:txBody>
-      </p:sp>
-      <p:sp>
-        <p:nvSpPr>
-          <p:cNvPr id="8" name="Rectangle 7">
-            <a:extLst>
-              <a:ext uri="{FF2B5EF4-FFF2-40B4-BE49-F238E27FC236}">
-                <a16:creationId xmlns:a16="http://schemas.microsoft.com/office/drawing/2014/main" id="{D68D0AC8-B4AA-33E8-9C31-7D01E04B7428}"/>
-              </a:ext>
-            </a:extLst>
-          </p:cNvPr>
-          <p:cNvSpPr/>
-          <p:nvPr/>
-        </p:nvSpPr>
-        <p:spPr>
-          <a:xfrm>
-            <a:off x="1451692" y="3325990"/>
-            <a:ext cx="675174" cy="416428"/>
-          </a:xfrm>
-          <a:prstGeom prst="rect">
-            <a:avLst/>
-          </a:prstGeom>
-          <a:solidFill>
-            <a:srgbClr val="C9CCD1"/>
-          </a:solidFill>
-          <a:ln>
-            <a:noFill/>
-          </a:ln>
-        </p:spPr>
-        <p:style>
-          <a:lnRef idx="2">
-            <a:schemeClr val="accent1">
-              <a:shade val="15000"/>
-            </a:schemeClr>
-          </a:lnRef>
-          <a:fillRef idx="1">
-            <a:schemeClr val="accent1"/>
-          </a:fillRef>
-          <a:effectRef idx="0">
-            <a:schemeClr val="accent1"/>
-          </a:effectRef>
-          <a:fontRef idx="minor">
-            <a:schemeClr val="lt1"/>
-          </a:fontRef>
-        </p:style>
-        <p:txBody>
-          <a:bodyPr rtlCol="0" anchor="ctr"/>
-          <a:lstStyle/>
-          <a:p>
-            <a:pPr algn="ctr"/>
-            <a:r>
-              <a:rPr lang="fr-CA" sz="1200" dirty="0"/>
-              <a:t>leaf-2</a:t>
-            </a:r>
-            <a:endParaRPr lang="en-CA" sz="1200" dirty="0"/>
-          </a:p>
-        </p:txBody>
-      </p:sp>
-      <p:sp>
-        <p:nvSpPr>
-          <p:cNvPr id="9" name="Rectangle 8">
-            <a:extLst>
-              <a:ext uri="{FF2B5EF4-FFF2-40B4-BE49-F238E27FC236}">
-                <a16:creationId xmlns:a16="http://schemas.microsoft.com/office/drawing/2014/main" id="{8C4BFB3C-6BE2-9EBE-EC6E-313668A01BF1}"/>
-              </a:ext>
-            </a:extLst>
-          </p:cNvPr>
-          <p:cNvSpPr/>
-          <p:nvPr/>
-        </p:nvSpPr>
-        <p:spPr>
-          <a:xfrm>
-            <a:off x="2300245" y="3325990"/>
-            <a:ext cx="675174" cy="416428"/>
-          </a:xfrm>
-          <a:prstGeom prst="rect">
-            <a:avLst/>
-          </a:prstGeom>
-          <a:solidFill>
-            <a:srgbClr val="C9CCD1"/>
-          </a:solidFill>
-          <a:ln>
-            <a:noFill/>
-          </a:ln>
-        </p:spPr>
-        <p:style>
-          <a:lnRef idx="2">
-            <a:schemeClr val="accent1">
-              <a:shade val="15000"/>
-            </a:schemeClr>
-          </a:lnRef>
-          <a:fillRef idx="1">
-            <a:schemeClr val="accent1"/>
-          </a:fillRef>
-          <a:effectRef idx="0">
-            <a:schemeClr val="accent1"/>
-          </a:effectRef>
-          <a:fontRef idx="minor">
-            <a:schemeClr val="lt1"/>
-          </a:fontRef>
-        </p:style>
-        <p:txBody>
-          <a:bodyPr rtlCol="0" anchor="ctr"/>
-          <a:lstStyle/>
-          <a:p>
-            <a:pPr algn="ctr"/>
-            <a:r>
-              <a:rPr lang="fr-CA" sz="1200" dirty="0"/>
-              <a:t>leaf-3</a:t>
-            </a:r>
-            <a:endParaRPr lang="en-CA" sz="1200" dirty="0"/>
-          </a:p>
-        </p:txBody>
-      </p:sp>
-      <p:sp>
-        <p:nvSpPr>
-          <p:cNvPr id="11" name="Rectangle 10">
-            <a:extLst>
-              <a:ext uri="{FF2B5EF4-FFF2-40B4-BE49-F238E27FC236}">
-                <a16:creationId xmlns:a16="http://schemas.microsoft.com/office/drawing/2014/main" id="{4A048460-EAF0-0971-20C5-BBD79D81C64F}"/>
-              </a:ext>
-            </a:extLst>
-          </p:cNvPr>
-          <p:cNvSpPr/>
-          <p:nvPr/>
-        </p:nvSpPr>
-        <p:spPr>
-          <a:xfrm>
-            <a:off x="3148798" y="3325990"/>
-            <a:ext cx="675174" cy="416428"/>
-          </a:xfrm>
-          <a:prstGeom prst="rect">
-            <a:avLst/>
-          </a:prstGeom>
-          <a:solidFill>
-            <a:srgbClr val="C9CCD1"/>
-          </a:solidFill>
-          <a:ln>
-            <a:noFill/>
-          </a:ln>
-        </p:spPr>
-        <p:style>
-          <a:lnRef idx="2">
-            <a:schemeClr val="accent1">
-              <a:shade val="15000"/>
-            </a:schemeClr>
-          </a:lnRef>
-          <a:fillRef idx="1">
-            <a:schemeClr val="accent1"/>
-          </a:fillRef>
-          <a:effectRef idx="0">
-            <a:schemeClr val="accent1"/>
-          </a:effectRef>
-          <a:fontRef idx="minor">
-            <a:schemeClr val="lt1"/>
-          </a:fontRef>
-        </p:style>
-        <p:txBody>
-          <a:bodyPr rtlCol="0" anchor="ctr"/>
-          <a:lstStyle/>
-          <a:p>
-            <a:pPr algn="ctr"/>
-            <a:r>
-              <a:rPr lang="fr-CA" sz="1200" dirty="0"/>
-              <a:t>leaf-4</a:t>
-            </a:r>
-            <a:endParaRPr lang="en-CA" sz="1200" dirty="0"/>
-          </a:p>
-        </p:txBody>
-      </p:sp>
-      <p:cxnSp>
-        <p:nvCxnSpPr>
-          <p:cNvPr id="21" name="Straight Arrow Connector 20">
-            <a:extLst>
-              <a:ext uri="{FF2B5EF4-FFF2-40B4-BE49-F238E27FC236}">
-                <a16:creationId xmlns:a16="http://schemas.microsoft.com/office/drawing/2014/main" id="{396EC668-EE88-333F-0AC6-DAF0ED4445E0}"/>
-              </a:ext>
-            </a:extLst>
-          </p:cNvPr>
-          <p:cNvCxnSpPr>
-            <a:stCxn id="2" idx="2"/>
-            <a:endCxn id="4" idx="0"/>
-          </p:cNvCxnSpPr>
-          <p:nvPr/>
-        </p:nvCxnSpPr>
-        <p:spPr>
-          <a:xfrm flipH="1">
-            <a:off x="1402544" y="2298817"/>
-            <a:ext cx="823525" cy="303417"/>
-          </a:xfrm>
-          <a:prstGeom prst="straightConnector1">
-            <a:avLst/>
-          </a:prstGeom>
-          <a:ln w="9525">
-            <a:solidFill>
-              <a:srgbClr val="454E56"/>
-            </a:solidFill>
-            <a:tailEnd type="triangle"/>
-          </a:ln>
-        </p:spPr>
-        <p:style>
-          <a:lnRef idx="1">
-            <a:schemeClr val="accent1"/>
-          </a:lnRef>
-          <a:fillRef idx="0">
-            <a:schemeClr val="accent1"/>
-          </a:fillRef>
-          <a:effectRef idx="0">
-            <a:schemeClr val="accent1"/>
-          </a:effectRef>
-          <a:fontRef idx="minor">
-            <a:schemeClr val="tx1"/>
-          </a:fontRef>
-        </p:style>
-      </p:cxnSp>
-      <p:cxnSp>
-        <p:nvCxnSpPr>
-          <p:cNvPr id="22" name="Straight Arrow Connector 21">
-            <a:extLst>
-              <a:ext uri="{FF2B5EF4-FFF2-40B4-BE49-F238E27FC236}">
-                <a16:creationId xmlns:a16="http://schemas.microsoft.com/office/drawing/2014/main" id="{37E9EFCA-AAA3-B448-403E-EE44BB8DF30A}"/>
-              </a:ext>
-            </a:extLst>
-          </p:cNvPr>
-          <p:cNvCxnSpPr>
-            <a:cxnSpLocks/>
-            <a:stCxn id="2" idx="2"/>
-            <a:endCxn id="6" idx="0"/>
-          </p:cNvCxnSpPr>
-          <p:nvPr/>
-        </p:nvCxnSpPr>
-        <p:spPr>
-          <a:xfrm>
-            <a:off x="2226069" y="2298817"/>
-            <a:ext cx="823526" cy="303417"/>
-          </a:xfrm>
-          <a:prstGeom prst="straightConnector1">
-            <a:avLst/>
-          </a:prstGeom>
-          <a:ln w="9525">
-            <a:solidFill>
-              <a:srgbClr val="454E56"/>
-            </a:solidFill>
-            <a:tailEnd type="triangle"/>
-          </a:ln>
-        </p:spPr>
-        <p:style>
-          <a:lnRef idx="1">
-            <a:schemeClr val="accent1"/>
-          </a:lnRef>
-          <a:fillRef idx="0">
-            <a:schemeClr val="accent1"/>
-          </a:fillRef>
-          <a:effectRef idx="0">
-            <a:schemeClr val="accent1"/>
-          </a:effectRef>
-          <a:fontRef idx="minor">
-            <a:schemeClr val="tx1"/>
-          </a:fontRef>
-        </p:style>
-      </p:cxnSp>
-      <p:cxnSp>
-        <p:nvCxnSpPr>
-          <p:cNvPr id="25" name="Straight Arrow Connector 24">
-            <a:extLst>
-              <a:ext uri="{FF2B5EF4-FFF2-40B4-BE49-F238E27FC236}">
-                <a16:creationId xmlns:a16="http://schemas.microsoft.com/office/drawing/2014/main" id="{283D0E71-1E8F-DD77-8E26-A5CC16B5A9F1}"/>
-              </a:ext>
-            </a:extLst>
-          </p:cNvPr>
-          <p:cNvCxnSpPr>
-            <a:cxnSpLocks/>
-            <a:stCxn id="6" idx="2"/>
-            <a:endCxn id="11" idx="0"/>
-          </p:cNvCxnSpPr>
-          <p:nvPr/>
-        </p:nvCxnSpPr>
-        <p:spPr>
-          <a:xfrm>
-            <a:off x="3049595" y="3018662"/>
-            <a:ext cx="436790" cy="307328"/>
-          </a:xfrm>
-          <a:prstGeom prst="straightConnector1">
-            <a:avLst/>
-          </a:prstGeom>
-          <a:ln w="9525">
-            <a:solidFill>
-              <a:srgbClr val="454E56"/>
-            </a:solidFill>
-            <a:tailEnd type="triangle"/>
-          </a:ln>
-        </p:spPr>
-        <p:style>
-          <a:lnRef idx="1">
-            <a:schemeClr val="accent1"/>
-          </a:lnRef>
-          <a:fillRef idx="0">
-            <a:schemeClr val="accent1"/>
-          </a:fillRef>
-          <a:effectRef idx="0">
-            <a:schemeClr val="accent1"/>
-          </a:effectRef>
-          <a:fontRef idx="minor">
-            <a:schemeClr val="tx1"/>
-          </a:fontRef>
-        </p:style>
-      </p:cxnSp>
-      <p:cxnSp>
-        <p:nvCxnSpPr>
-          <p:cNvPr id="28" name="Straight Arrow Connector 27">
-            <a:extLst>
-              <a:ext uri="{FF2B5EF4-FFF2-40B4-BE49-F238E27FC236}">
-                <a16:creationId xmlns:a16="http://schemas.microsoft.com/office/drawing/2014/main" id="{5B6EBE6E-4408-EAA1-1273-C0A8E1839312}"/>
-              </a:ext>
-            </a:extLst>
-          </p:cNvPr>
-          <p:cNvCxnSpPr>
-            <a:cxnSpLocks/>
-            <a:stCxn id="4" idx="2"/>
-            <a:endCxn id="7" idx="0"/>
-          </p:cNvCxnSpPr>
-          <p:nvPr/>
-        </p:nvCxnSpPr>
-        <p:spPr>
-          <a:xfrm flipH="1">
-            <a:off x="940726" y="3018662"/>
-            <a:ext cx="461818" cy="300845"/>
-          </a:xfrm>
-          <a:prstGeom prst="straightConnector1">
-            <a:avLst/>
-          </a:prstGeom>
-          <a:ln w="9525">
-            <a:solidFill>
-              <a:srgbClr val="454E56"/>
-            </a:solidFill>
-            <a:tailEnd type="triangle"/>
-          </a:ln>
-        </p:spPr>
-        <p:style>
-          <a:lnRef idx="1">
-            <a:schemeClr val="accent1"/>
-          </a:lnRef>
-          <a:fillRef idx="0">
-            <a:schemeClr val="accent1"/>
-          </a:fillRef>
-          <a:effectRef idx="0">
-            <a:schemeClr val="accent1"/>
-          </a:effectRef>
-          <a:fontRef idx="minor">
-            <a:schemeClr val="tx1"/>
-          </a:fontRef>
-        </p:style>
-      </p:cxnSp>
-      <p:cxnSp>
-        <p:nvCxnSpPr>
-          <p:cNvPr id="31" name="Straight Arrow Connector 30">
-            <a:extLst>
-              <a:ext uri="{FF2B5EF4-FFF2-40B4-BE49-F238E27FC236}">
-                <a16:creationId xmlns:a16="http://schemas.microsoft.com/office/drawing/2014/main" id="{6B92D357-4C3F-51B9-81E6-671C7A519BB4}"/>
-              </a:ext>
-            </a:extLst>
-          </p:cNvPr>
-          <p:cNvCxnSpPr>
-            <a:cxnSpLocks/>
-            <a:stCxn id="4" idx="2"/>
-            <a:endCxn id="8" idx="0"/>
-          </p:cNvCxnSpPr>
-          <p:nvPr/>
-        </p:nvCxnSpPr>
-        <p:spPr>
-          <a:xfrm>
-            <a:off x="1402544" y="3018662"/>
-            <a:ext cx="386735" cy="307328"/>
-          </a:xfrm>
-          <a:prstGeom prst="straightConnector1">
-            <a:avLst/>
-          </a:prstGeom>
-          <a:ln w="9525">
-            <a:solidFill>
-              <a:srgbClr val="454E56"/>
-            </a:solidFill>
-            <a:tailEnd type="triangle"/>
-          </a:ln>
-        </p:spPr>
-        <p:style>
-          <a:lnRef idx="1">
-            <a:schemeClr val="accent1"/>
-          </a:lnRef>
-          <a:fillRef idx="0">
-            <a:schemeClr val="accent1"/>
-          </a:fillRef>
-          <a:effectRef idx="0">
-            <a:schemeClr val="accent1"/>
-          </a:effectRef>
-          <a:fontRef idx="minor">
-            <a:schemeClr val="tx1"/>
-          </a:fontRef>
-        </p:style>
-      </p:cxnSp>
-      <p:cxnSp>
-        <p:nvCxnSpPr>
-          <p:cNvPr id="35" name="Straight Arrow Connector 34">
-            <a:extLst>
-              <a:ext uri="{FF2B5EF4-FFF2-40B4-BE49-F238E27FC236}">
-                <a16:creationId xmlns:a16="http://schemas.microsoft.com/office/drawing/2014/main" id="{39DC2FF9-7FFA-E4B9-0D2E-C34365BE4D10}"/>
-              </a:ext>
-            </a:extLst>
-          </p:cNvPr>
-          <p:cNvCxnSpPr>
-            <a:cxnSpLocks/>
-            <a:stCxn id="6" idx="2"/>
-            <a:endCxn id="9" idx="0"/>
-          </p:cNvCxnSpPr>
-          <p:nvPr/>
-        </p:nvCxnSpPr>
-        <p:spPr>
-          <a:xfrm flipH="1">
-            <a:off x="2637832" y="3018662"/>
-            <a:ext cx="411763" cy="307328"/>
-          </a:xfrm>
-          <a:prstGeom prst="straightConnector1">
-            <a:avLst/>
-          </a:prstGeom>
-          <a:ln w="9525">
-            <a:solidFill>
-              <a:srgbClr val="454E56"/>
-            </a:solidFill>
-            <a:tailEnd type="triangle"/>
-          </a:ln>
-        </p:spPr>
-        <p:style>
-          <a:lnRef idx="1">
-            <a:schemeClr val="accent1"/>
-          </a:lnRef>
-          <a:fillRef idx="0">
-            <a:schemeClr val="accent1"/>
-          </a:fillRef>
-          <a:effectRef idx="0">
-            <a:schemeClr val="accent1"/>
-          </a:effectRef>
-          <a:fontRef idx="minor">
-            <a:schemeClr val="tx1"/>
-          </a:fontRef>
-        </p:style>
-      </p:cxnSp>
-      <p:sp>
-        <p:nvSpPr>
-          <p:cNvPr id="39" name="Rectangle 38">
-            <a:extLst>
-              <a:ext uri="{FF2B5EF4-FFF2-40B4-BE49-F238E27FC236}">
-                <a16:creationId xmlns:a16="http://schemas.microsoft.com/office/drawing/2014/main" id="{CCC2FAF7-F919-BF6A-5381-54BF90B4518F}"/>
-              </a:ext>
-            </a:extLst>
-          </p:cNvPr>
-          <p:cNvSpPr/>
-          <p:nvPr/>
-        </p:nvSpPr>
-        <p:spPr>
-          <a:xfrm>
-            <a:off x="6210163" y="1882389"/>
-            <a:ext cx="823526" cy="416428"/>
-          </a:xfrm>
-          <a:prstGeom prst="rect">
-            <a:avLst/>
-          </a:prstGeom>
-          <a:solidFill>
-            <a:srgbClr val="7D568A"/>
-          </a:solidFill>
-          <a:ln>
-            <a:noFill/>
-          </a:ln>
-        </p:spPr>
-        <p:style>
-          <a:lnRef idx="2">
-            <a:schemeClr val="accent1">
-              <a:shade val="15000"/>
-            </a:schemeClr>
-          </a:lnRef>
-          <a:fillRef idx="1">
-            <a:schemeClr val="accent1"/>
-          </a:fillRef>
-          <a:effectRef idx="0">
-            <a:schemeClr val="accent1"/>
-          </a:effectRef>
-          <a:fontRef idx="minor">
-            <a:schemeClr val="lt1"/>
-          </a:fontRef>
-        </p:style>
-        <p:txBody>
-          <a:bodyPr rtlCol="0" anchor="ctr"/>
-          <a:lstStyle/>
-          <a:p>
-            <a:pPr algn="ctr"/>
-            <a:r>
-              <a:rPr lang="fr-CA" sz="1200" dirty="0"/>
-              <a:t>feat-3</a:t>
-            </a:r>
-          </a:p>
-          <a:p>
-            <a:pPr algn="ctr"/>
-            <a:r>
-              <a:rPr lang="fr-CA" sz="1200" dirty="0"/>
-              <a:t>&lt;= 1.23</a:t>
-            </a:r>
-            <a:endParaRPr lang="en-CA" sz="1200" dirty="0"/>
-          </a:p>
-        </p:txBody>
-      </p:sp>
-      <p:sp>
-        <p:nvSpPr>
-          <p:cNvPr id="40" name="Rectangle 39">
-            <a:extLst>
-              <a:ext uri="{FF2B5EF4-FFF2-40B4-BE49-F238E27FC236}">
-                <a16:creationId xmlns:a16="http://schemas.microsoft.com/office/drawing/2014/main" id="{40A84F3A-9988-B629-F04D-13A231362127}"/>
-              </a:ext>
-            </a:extLst>
-          </p:cNvPr>
-          <p:cNvSpPr/>
-          <p:nvPr/>
-        </p:nvSpPr>
-        <p:spPr>
-          <a:xfrm>
-            <a:off x="5386638" y="2593945"/>
-            <a:ext cx="823526" cy="416428"/>
-          </a:xfrm>
-          <a:prstGeom prst="rect">
-            <a:avLst/>
-          </a:prstGeom>
-          <a:solidFill>
-            <a:srgbClr val="5891D5"/>
-          </a:solidFill>
-          <a:ln>
-            <a:noFill/>
-          </a:ln>
-        </p:spPr>
-        <p:style>
-          <a:lnRef idx="2">
-            <a:schemeClr val="accent1">
-              <a:shade val="15000"/>
-            </a:schemeClr>
-          </a:lnRef>
-          <a:fillRef idx="1">
-            <a:schemeClr val="accent1"/>
-          </a:fillRef>
-          <a:effectRef idx="0">
-            <a:schemeClr val="accent1"/>
-          </a:effectRef>
-          <a:fontRef idx="minor">
-            <a:schemeClr val="lt1"/>
-          </a:fontRef>
-        </p:style>
-        <p:txBody>
-          <a:bodyPr rtlCol="0" anchor="ctr"/>
-          <a:lstStyle/>
-          <a:p>
-            <a:pPr algn="ctr"/>
-            <a:r>
-              <a:rPr lang="fr-CA" sz="1200" dirty="0"/>
-              <a:t>feat-2</a:t>
-            </a:r>
-          </a:p>
-          <a:p>
-            <a:pPr algn="ctr"/>
-            <a:r>
-              <a:rPr lang="fr-CA" sz="1200" dirty="0"/>
-              <a:t>&lt;= 4.56</a:t>
-            </a:r>
-            <a:endParaRPr lang="en-CA" sz="1200" dirty="0"/>
-          </a:p>
-        </p:txBody>
-      </p:sp>
-      <p:sp>
-        <p:nvSpPr>
-          <p:cNvPr id="41" name="Rectangle 40">
-            <a:extLst>
-              <a:ext uri="{FF2B5EF4-FFF2-40B4-BE49-F238E27FC236}">
-                <a16:creationId xmlns:a16="http://schemas.microsoft.com/office/drawing/2014/main" id="{5C6B6A24-583D-1E6A-B787-3AB84C653330}"/>
-              </a:ext>
-            </a:extLst>
-          </p:cNvPr>
-          <p:cNvSpPr/>
-          <p:nvPr/>
-        </p:nvSpPr>
-        <p:spPr>
-          <a:xfrm>
-            <a:off x="7033689" y="2593945"/>
-            <a:ext cx="823526" cy="416428"/>
-          </a:xfrm>
-          <a:prstGeom prst="rect">
-            <a:avLst/>
-          </a:prstGeom>
-          <a:solidFill>
-            <a:srgbClr val="5891D5"/>
-          </a:solidFill>
-          <a:ln>
-            <a:noFill/>
-          </a:ln>
-        </p:spPr>
-        <p:style>
-          <a:lnRef idx="2">
-            <a:schemeClr val="accent1">
-              <a:shade val="15000"/>
-            </a:schemeClr>
-          </a:lnRef>
-          <a:fillRef idx="1">
-            <a:schemeClr val="accent1"/>
-          </a:fillRef>
-          <a:effectRef idx="0">
-            <a:schemeClr val="accent1"/>
-          </a:effectRef>
-          <a:fontRef idx="minor">
-            <a:schemeClr val="lt1"/>
-          </a:fontRef>
-        </p:style>
-        <p:txBody>
-          <a:bodyPr rtlCol="0" anchor="ctr"/>
-          <a:lstStyle/>
-          <a:p>
-            <a:pPr algn="ctr"/>
-            <a:r>
-              <a:rPr lang="fr-CA" sz="1200" dirty="0"/>
-              <a:t>feat-2</a:t>
-            </a:r>
-          </a:p>
-          <a:p>
-            <a:pPr algn="ctr"/>
-            <a:r>
-              <a:rPr lang="fr-CA" sz="1200" dirty="0"/>
-              <a:t>&lt;= 4.56</a:t>
-            </a:r>
-            <a:endParaRPr lang="en-CA" sz="1200" dirty="0"/>
-          </a:p>
-        </p:txBody>
-      </p:sp>
-      <p:sp>
-        <p:nvSpPr>
-          <p:cNvPr id="42" name="Rectangle 41">
-            <a:extLst>
-              <a:ext uri="{FF2B5EF4-FFF2-40B4-BE49-F238E27FC236}">
-                <a16:creationId xmlns:a16="http://schemas.microsoft.com/office/drawing/2014/main" id="{6EA35AE8-958A-CFBC-3FA0-BFA694C45E66}"/>
-              </a:ext>
-            </a:extLst>
-          </p:cNvPr>
-          <p:cNvSpPr/>
-          <p:nvPr/>
-        </p:nvSpPr>
-        <p:spPr>
-          <a:xfrm>
-            <a:off x="4998996" y="3311218"/>
-            <a:ext cx="675174" cy="416428"/>
-          </a:xfrm>
-          <a:prstGeom prst="rect">
-            <a:avLst/>
-          </a:prstGeom>
-          <a:solidFill>
-            <a:srgbClr val="C9CCD1"/>
-          </a:solidFill>
-          <a:ln>
-            <a:noFill/>
-          </a:ln>
-        </p:spPr>
-        <p:style>
-          <a:lnRef idx="2">
-            <a:schemeClr val="accent1">
-              <a:shade val="15000"/>
-            </a:schemeClr>
-          </a:lnRef>
-          <a:fillRef idx="1">
-            <a:schemeClr val="accent1"/>
-          </a:fillRef>
-          <a:effectRef idx="0">
-            <a:schemeClr val="accent1"/>
-          </a:effectRef>
-          <a:fontRef idx="minor">
-            <a:schemeClr val="lt1"/>
-          </a:fontRef>
-        </p:style>
-        <p:txBody>
-          <a:bodyPr rtlCol="0" anchor="ctr"/>
-          <a:lstStyle/>
-          <a:p>
-            <a:pPr algn="ctr"/>
-            <a:r>
-              <a:rPr lang="fr-CA" sz="1200" dirty="0"/>
-              <a:t>leaf-1</a:t>
-            </a:r>
-            <a:endParaRPr lang="en-CA" sz="1200" dirty="0"/>
-          </a:p>
-        </p:txBody>
-      </p:sp>
-      <p:sp>
-        <p:nvSpPr>
-          <p:cNvPr id="43" name="Rectangle 42">
-            <a:extLst>
-              <a:ext uri="{FF2B5EF4-FFF2-40B4-BE49-F238E27FC236}">
-                <a16:creationId xmlns:a16="http://schemas.microsoft.com/office/drawing/2014/main" id="{0300848F-C011-4935-1EED-77A18E8490D0}"/>
-              </a:ext>
-            </a:extLst>
-          </p:cNvPr>
-          <p:cNvSpPr/>
-          <p:nvPr/>
-        </p:nvSpPr>
-        <p:spPr>
-          <a:xfrm>
-            <a:off x="5847549" y="3317701"/>
-            <a:ext cx="675174" cy="416428"/>
-          </a:xfrm>
-          <a:prstGeom prst="rect">
-            <a:avLst/>
-          </a:prstGeom>
-          <a:solidFill>
-            <a:srgbClr val="C9CCD1"/>
-          </a:solidFill>
-          <a:ln>
-            <a:noFill/>
-          </a:ln>
-        </p:spPr>
-        <p:style>
-          <a:lnRef idx="2">
-            <a:schemeClr val="accent1">
-              <a:shade val="15000"/>
-            </a:schemeClr>
-          </a:lnRef>
-          <a:fillRef idx="1">
-            <a:schemeClr val="accent1"/>
-          </a:fillRef>
-          <a:effectRef idx="0">
-            <a:schemeClr val="accent1"/>
-          </a:effectRef>
-          <a:fontRef idx="minor">
-            <a:schemeClr val="lt1"/>
-          </a:fontRef>
-        </p:style>
-        <p:txBody>
-          <a:bodyPr rtlCol="0" anchor="ctr"/>
-          <a:lstStyle/>
-          <a:p>
-            <a:pPr algn="ctr"/>
-            <a:r>
-              <a:rPr lang="fr-CA" sz="1200" dirty="0"/>
-              <a:t>leaf-2</a:t>
-            </a:r>
-            <a:endParaRPr lang="en-CA" sz="1200" dirty="0"/>
-          </a:p>
-        </p:txBody>
-      </p:sp>
-      <p:sp>
-        <p:nvSpPr>
-          <p:cNvPr id="44" name="Rectangle 43">
-            <a:extLst>
-              <a:ext uri="{FF2B5EF4-FFF2-40B4-BE49-F238E27FC236}">
-                <a16:creationId xmlns:a16="http://schemas.microsoft.com/office/drawing/2014/main" id="{571296CE-6A77-38C1-560E-E550CB146520}"/>
-              </a:ext>
-            </a:extLst>
-          </p:cNvPr>
-          <p:cNvSpPr/>
-          <p:nvPr/>
-        </p:nvSpPr>
-        <p:spPr>
-          <a:xfrm>
-            <a:off x="6696102" y="3317701"/>
-            <a:ext cx="675174" cy="416428"/>
-          </a:xfrm>
-          <a:prstGeom prst="rect">
-            <a:avLst/>
-          </a:prstGeom>
-          <a:solidFill>
-            <a:srgbClr val="C9CCD1"/>
-          </a:solidFill>
-          <a:ln>
-            <a:noFill/>
-          </a:ln>
-        </p:spPr>
-        <p:style>
-          <a:lnRef idx="2">
-            <a:schemeClr val="accent1">
-              <a:shade val="15000"/>
-            </a:schemeClr>
-          </a:lnRef>
-          <a:fillRef idx="1">
-            <a:schemeClr val="accent1"/>
-          </a:fillRef>
-          <a:effectRef idx="0">
-            <a:schemeClr val="accent1"/>
-          </a:effectRef>
-          <a:fontRef idx="minor">
-            <a:schemeClr val="lt1"/>
-          </a:fontRef>
-        </p:style>
-        <p:txBody>
-          <a:bodyPr rtlCol="0" anchor="ctr"/>
-          <a:lstStyle/>
-          <a:p>
-            <a:pPr algn="ctr"/>
-            <a:r>
-              <a:rPr lang="fr-CA" sz="1200" dirty="0"/>
-              <a:t>leaf-3</a:t>
-            </a:r>
-            <a:endParaRPr lang="en-CA" sz="1200" dirty="0"/>
-          </a:p>
-        </p:txBody>
-      </p:sp>
-      <p:sp>
-        <p:nvSpPr>
-          <p:cNvPr id="45" name="Rectangle 44">
-            <a:extLst>
-              <a:ext uri="{FF2B5EF4-FFF2-40B4-BE49-F238E27FC236}">
-                <a16:creationId xmlns:a16="http://schemas.microsoft.com/office/drawing/2014/main" id="{ADBDE16E-0DF5-E09C-8AC4-E167291F97C0}"/>
-              </a:ext>
-            </a:extLst>
-          </p:cNvPr>
-          <p:cNvSpPr/>
-          <p:nvPr/>
-        </p:nvSpPr>
-        <p:spPr>
-          <a:xfrm>
-            <a:off x="7544655" y="3317701"/>
-            <a:ext cx="675174" cy="416428"/>
-          </a:xfrm>
-          <a:prstGeom prst="rect">
-            <a:avLst/>
-          </a:prstGeom>
-          <a:solidFill>
-            <a:srgbClr val="C9CCD1"/>
-          </a:solidFill>
-          <a:ln>
-            <a:noFill/>
-          </a:ln>
-        </p:spPr>
-        <p:style>
-          <a:lnRef idx="2">
-            <a:schemeClr val="accent1">
-              <a:shade val="15000"/>
-            </a:schemeClr>
-          </a:lnRef>
-          <a:fillRef idx="1">
-            <a:schemeClr val="accent1"/>
-          </a:fillRef>
-          <a:effectRef idx="0">
-            <a:schemeClr val="accent1"/>
-          </a:effectRef>
-          <a:fontRef idx="minor">
-            <a:schemeClr val="lt1"/>
-          </a:fontRef>
-        </p:style>
-        <p:txBody>
-          <a:bodyPr rtlCol="0" anchor="ctr"/>
-          <a:lstStyle/>
-          <a:p>
-            <a:pPr algn="ctr"/>
-            <a:r>
-              <a:rPr lang="fr-CA" sz="1200" dirty="0"/>
-              <a:t>leaf-4</a:t>
-            </a:r>
-            <a:endParaRPr lang="en-CA" sz="1200" dirty="0"/>
-          </a:p>
-        </p:txBody>
-      </p:sp>
-      <p:cxnSp>
-        <p:nvCxnSpPr>
-          <p:cNvPr id="46" name="Straight Arrow Connector 45">
-            <a:extLst>
-              <a:ext uri="{FF2B5EF4-FFF2-40B4-BE49-F238E27FC236}">
-                <a16:creationId xmlns:a16="http://schemas.microsoft.com/office/drawing/2014/main" id="{989F1306-F42C-A626-8C4E-ED48F17D084A}"/>
-              </a:ext>
-            </a:extLst>
-          </p:cNvPr>
-          <p:cNvCxnSpPr>
-            <a:stCxn id="39" idx="2"/>
-            <a:endCxn id="40" idx="0"/>
-          </p:cNvCxnSpPr>
-          <p:nvPr/>
-        </p:nvCxnSpPr>
-        <p:spPr>
-          <a:xfrm flipH="1">
-            <a:off x="5798401" y="2298817"/>
-            <a:ext cx="823525" cy="295128"/>
-          </a:xfrm>
-          <a:prstGeom prst="straightConnector1">
-            <a:avLst/>
-          </a:prstGeom>
-          <a:ln w="9525">
-            <a:solidFill>
-              <a:srgbClr val="454E56"/>
-            </a:solidFill>
-            <a:tailEnd type="triangle"/>
-          </a:ln>
-        </p:spPr>
-        <p:style>
-          <a:lnRef idx="1">
-            <a:schemeClr val="accent1"/>
-          </a:lnRef>
-          <a:fillRef idx="0">
-            <a:schemeClr val="accent1"/>
-          </a:fillRef>
-          <a:effectRef idx="0">
-            <a:schemeClr val="accent1"/>
-          </a:effectRef>
-          <a:fontRef idx="minor">
-            <a:schemeClr val="tx1"/>
-          </a:fontRef>
-        </p:style>
-      </p:cxnSp>
-      <p:cxnSp>
-        <p:nvCxnSpPr>
-          <p:cNvPr id="47" name="Straight Arrow Connector 46">
-            <a:extLst>
-              <a:ext uri="{FF2B5EF4-FFF2-40B4-BE49-F238E27FC236}">
-                <a16:creationId xmlns:a16="http://schemas.microsoft.com/office/drawing/2014/main" id="{85FA8B54-A516-CC1E-3471-1BA2016E18BB}"/>
-              </a:ext>
-            </a:extLst>
-          </p:cNvPr>
-          <p:cNvCxnSpPr>
-            <a:cxnSpLocks/>
-            <a:stCxn id="39" idx="2"/>
-            <a:endCxn id="41" idx="0"/>
-          </p:cNvCxnSpPr>
-          <p:nvPr/>
-        </p:nvCxnSpPr>
-        <p:spPr>
-          <a:xfrm>
-            <a:off x="6621926" y="2298817"/>
-            <a:ext cx="823526" cy="295128"/>
-          </a:xfrm>
-          <a:prstGeom prst="straightConnector1">
-            <a:avLst/>
-          </a:prstGeom>
-          <a:ln w="9525">
-            <a:solidFill>
-              <a:srgbClr val="454E56"/>
-            </a:solidFill>
-            <a:tailEnd type="triangle"/>
-          </a:ln>
-        </p:spPr>
-        <p:style>
-          <a:lnRef idx="1">
-            <a:schemeClr val="accent1"/>
-          </a:lnRef>
-          <a:fillRef idx="0">
-            <a:schemeClr val="accent1"/>
-          </a:fillRef>
-          <a:effectRef idx="0">
-            <a:schemeClr val="accent1"/>
-          </a:effectRef>
-          <a:fontRef idx="minor">
-            <a:schemeClr val="tx1"/>
-          </a:fontRef>
-        </p:style>
-      </p:cxnSp>
-      <p:cxnSp>
-        <p:nvCxnSpPr>
-          <p:cNvPr id="48" name="Straight Arrow Connector 47">
-            <a:extLst>
-              <a:ext uri="{FF2B5EF4-FFF2-40B4-BE49-F238E27FC236}">
-                <a16:creationId xmlns:a16="http://schemas.microsoft.com/office/drawing/2014/main" id="{783A6519-A6BE-EF01-747A-A74831D84210}"/>
-              </a:ext>
-            </a:extLst>
-          </p:cNvPr>
-          <p:cNvCxnSpPr>
-            <a:cxnSpLocks/>
-            <a:stCxn id="41" idx="2"/>
-            <a:endCxn id="45" idx="0"/>
-          </p:cNvCxnSpPr>
-          <p:nvPr/>
-        </p:nvCxnSpPr>
-        <p:spPr>
-          <a:xfrm>
-            <a:off x="7445452" y="3010373"/>
-            <a:ext cx="436790" cy="307328"/>
-          </a:xfrm>
-          <a:prstGeom prst="straightConnector1">
-            <a:avLst/>
-          </a:prstGeom>
-          <a:ln w="9525">
-            <a:solidFill>
-              <a:srgbClr val="454E56"/>
-            </a:solidFill>
-            <a:tailEnd type="triangle"/>
-          </a:ln>
-        </p:spPr>
-        <p:style>
-          <a:lnRef idx="1">
-            <a:schemeClr val="accent1"/>
-          </a:lnRef>
-          <a:fillRef idx="0">
-            <a:schemeClr val="accent1"/>
-          </a:fillRef>
-          <a:effectRef idx="0">
-            <a:schemeClr val="accent1"/>
-          </a:effectRef>
-          <a:fontRef idx="minor">
-            <a:schemeClr val="tx1"/>
-          </a:fontRef>
-        </p:style>
-      </p:cxnSp>
-      <p:cxnSp>
-        <p:nvCxnSpPr>
-          <p:cNvPr id="49" name="Straight Arrow Connector 48">
-            <a:extLst>
-              <a:ext uri="{FF2B5EF4-FFF2-40B4-BE49-F238E27FC236}">
-                <a16:creationId xmlns:a16="http://schemas.microsoft.com/office/drawing/2014/main" id="{35133A1C-09F1-151D-8FAF-89EA556FC607}"/>
-              </a:ext>
-            </a:extLst>
-          </p:cNvPr>
-          <p:cNvCxnSpPr>
-            <a:cxnSpLocks/>
-            <a:stCxn id="40" idx="2"/>
-            <a:endCxn id="42" idx="0"/>
-          </p:cNvCxnSpPr>
-          <p:nvPr/>
-        </p:nvCxnSpPr>
-        <p:spPr>
-          <a:xfrm flipH="1">
-            <a:off x="5336583" y="3010373"/>
-            <a:ext cx="461818" cy="300845"/>
-          </a:xfrm>
-          <a:prstGeom prst="straightConnector1">
-            <a:avLst/>
-          </a:prstGeom>
-          <a:ln w="9525">
-            <a:solidFill>
-              <a:srgbClr val="454E56"/>
-            </a:solidFill>
-            <a:tailEnd type="triangle"/>
-          </a:ln>
-        </p:spPr>
-        <p:style>
-          <a:lnRef idx="1">
-            <a:schemeClr val="accent1"/>
-          </a:lnRef>
-          <a:fillRef idx="0">
-            <a:schemeClr val="accent1"/>
-          </a:fillRef>
-          <a:effectRef idx="0">
-            <a:schemeClr val="accent1"/>
-          </a:effectRef>
-          <a:fontRef idx="minor">
-            <a:schemeClr val="tx1"/>
-          </a:fontRef>
-        </p:style>
-      </p:cxnSp>
-      <p:cxnSp>
-        <p:nvCxnSpPr>
-          <p:cNvPr id="50" name="Straight Arrow Connector 49">
-            <a:extLst>
-              <a:ext uri="{FF2B5EF4-FFF2-40B4-BE49-F238E27FC236}">
-                <a16:creationId xmlns:a16="http://schemas.microsoft.com/office/drawing/2014/main" id="{455C7D5B-E2C7-633F-A166-719FD6E9D39D}"/>
-              </a:ext>
-            </a:extLst>
-          </p:cNvPr>
-          <p:cNvCxnSpPr>
-            <a:cxnSpLocks/>
-            <a:stCxn id="40" idx="2"/>
-            <a:endCxn id="43" idx="0"/>
-          </p:cNvCxnSpPr>
-          <p:nvPr/>
-        </p:nvCxnSpPr>
-        <p:spPr>
-          <a:xfrm>
-            <a:off x="5798401" y="3010373"/>
-            <a:ext cx="386735" cy="307328"/>
-          </a:xfrm>
-          <a:prstGeom prst="straightConnector1">
-            <a:avLst/>
-          </a:prstGeom>
-          <a:ln w="9525">
-            <a:solidFill>
-              <a:srgbClr val="454E56"/>
-            </a:solidFill>
-            <a:tailEnd type="triangle"/>
-          </a:ln>
-        </p:spPr>
-        <p:style>
-          <a:lnRef idx="1">
-            <a:schemeClr val="accent1"/>
-          </a:lnRef>
-          <a:fillRef idx="0">
-            <a:schemeClr val="accent1"/>
-          </a:fillRef>
-          <a:effectRef idx="0">
-            <a:schemeClr val="accent1"/>
-          </a:effectRef>
-          <a:fontRef idx="minor">
-            <a:schemeClr val="tx1"/>
-          </a:fontRef>
-        </p:style>
-      </p:cxnSp>
-      <p:cxnSp>
-        <p:nvCxnSpPr>
-          <p:cNvPr id="51" name="Straight Arrow Connector 50">
-            <a:extLst>
-              <a:ext uri="{FF2B5EF4-FFF2-40B4-BE49-F238E27FC236}">
-                <a16:creationId xmlns:a16="http://schemas.microsoft.com/office/drawing/2014/main" id="{5F457C37-026D-0AED-3907-8CF1C8629DB6}"/>
-              </a:ext>
-            </a:extLst>
-          </p:cNvPr>
-          <p:cNvCxnSpPr>
-            <a:cxnSpLocks/>
-            <a:stCxn id="41" idx="2"/>
-            <a:endCxn id="44" idx="0"/>
-          </p:cNvCxnSpPr>
-          <p:nvPr/>
-        </p:nvCxnSpPr>
-        <p:spPr>
-          <a:xfrm flipH="1">
-            <a:off x="7033689" y="3010373"/>
-            <a:ext cx="411763" cy="307328"/>
-          </a:xfrm>
-          <a:prstGeom prst="straightConnector1">
-            <a:avLst/>
-          </a:prstGeom>
-          <a:ln w="9525">
-            <a:solidFill>
-              <a:srgbClr val="454E56"/>
-            </a:solidFill>
-            <a:tailEnd type="triangle"/>
-          </a:ln>
-        </p:spPr>
-        <p:style>
-          <a:lnRef idx="1">
-            <a:schemeClr val="accent1"/>
-          </a:lnRef>
-          <a:fillRef idx="0">
-            <a:schemeClr val="accent1"/>
-          </a:fillRef>
-          <a:effectRef idx="0">
-            <a:schemeClr val="accent1"/>
-          </a:effectRef>
-          <a:fontRef idx="minor">
-            <a:schemeClr val="tx1"/>
-          </a:fontRef>
-        </p:style>
-      </p:cxnSp>
-    </p:spTree>
-    <p:extLst>
-      <p:ext uri="{BB962C8B-B14F-4D97-AF65-F5344CB8AC3E}">
-        <p14:creationId xmlns:p14="http://schemas.microsoft.com/office/powerpoint/2010/main" val="1726085195"/>
       </p:ext>
     </p:extLst>
   </p:cSld>
@@ -17367,13 +20724,13 @@
 
 <file path=ppt/tags/tag18.xml><?xml version="1.0" encoding="utf-8"?>
 <p:tagLst xmlns:a="http://schemas.openxmlformats.org/drawingml/2006/main" xmlns:r="http://schemas.openxmlformats.org/officeDocument/2006/relationships" xmlns:p="http://schemas.openxmlformats.org/presentationml/2006/main">
-  <p:tag name="NUM" val="3"/>
+  <p:tag name="NUM" val="2"/>
 </p:tagLst>
 </file>
 
 <file path=ppt/tags/tag19.xml><?xml version="1.0" encoding="utf-8"?>
 <p:tagLst xmlns:a="http://schemas.openxmlformats.org/drawingml/2006/main" xmlns:r="http://schemas.openxmlformats.org/officeDocument/2006/relationships" xmlns:p="http://schemas.openxmlformats.org/presentationml/2006/main">
-  <p:tag name="NUM" val="4"/>
+  <p:tag name="NUM" val="3"/>
 </p:tagLst>
 </file>
 
@@ -17385,37 +20742,37 @@
 
 <file path=ppt/tags/tag20.xml><?xml version="1.0" encoding="utf-8"?>
 <p:tagLst xmlns:a="http://schemas.openxmlformats.org/drawingml/2006/main" xmlns:r="http://schemas.openxmlformats.org/officeDocument/2006/relationships" xmlns:p="http://schemas.openxmlformats.org/presentationml/2006/main">
-  <p:tag name="NUM" val="6"/>
+  <p:tag name="NUM" val="4"/>
 </p:tagLst>
 </file>
 
 <file path=ppt/tags/tag21.xml><?xml version="1.0" encoding="utf-8"?>
 <p:tagLst xmlns:a="http://schemas.openxmlformats.org/drawingml/2006/main" xmlns:r="http://schemas.openxmlformats.org/officeDocument/2006/relationships" xmlns:p="http://schemas.openxmlformats.org/presentationml/2006/main">
-  <p:tag name="NUM" val="2"/>
+  <p:tag name="NUM" val="6"/>
 </p:tagLst>
 </file>
 
 <file path=ppt/tags/tag22.xml><?xml version="1.0" encoding="utf-8"?>
 <p:tagLst xmlns:a="http://schemas.openxmlformats.org/drawingml/2006/main" xmlns:r="http://schemas.openxmlformats.org/officeDocument/2006/relationships" xmlns:p="http://schemas.openxmlformats.org/presentationml/2006/main">
-  <p:tag name="NUM" val="2"/>
+  <p:tag name="NUM" val="3"/>
 </p:tagLst>
 </file>
 
 <file path=ppt/tags/tag23.xml><?xml version="1.0" encoding="utf-8"?>
 <p:tagLst xmlns:a="http://schemas.openxmlformats.org/drawingml/2006/main" xmlns:r="http://schemas.openxmlformats.org/officeDocument/2006/relationships" xmlns:p="http://schemas.openxmlformats.org/presentationml/2006/main">
-  <p:tag name="NUM" val="3"/>
+  <p:tag name="NUM" val="4"/>
 </p:tagLst>
 </file>
 
 <file path=ppt/tags/tag24.xml><?xml version="1.0" encoding="utf-8"?>
 <p:tagLst xmlns:a="http://schemas.openxmlformats.org/drawingml/2006/main" xmlns:r="http://schemas.openxmlformats.org/officeDocument/2006/relationships" xmlns:p="http://schemas.openxmlformats.org/presentationml/2006/main">
-  <p:tag name="NUM" val="4"/>
+  <p:tag name="NUM" val="6"/>
 </p:tagLst>
 </file>
 
 <file path=ppt/tags/tag25.xml><?xml version="1.0" encoding="utf-8"?>
 <p:tagLst xmlns:a="http://schemas.openxmlformats.org/drawingml/2006/main" xmlns:r="http://schemas.openxmlformats.org/officeDocument/2006/relationships" xmlns:p="http://schemas.openxmlformats.org/presentationml/2006/main">
-  <p:tag name="NUM" val="6"/>
+  <p:tag name="NUM" val="2"/>
 </p:tagLst>
 </file>
 
@@ -17553,25 +20910,25 @@
 
 <file path=ppt/tags/tag46.xml><?xml version="1.0" encoding="utf-8"?>
 <p:tagLst xmlns:a="http://schemas.openxmlformats.org/drawingml/2006/main" xmlns:r="http://schemas.openxmlformats.org/officeDocument/2006/relationships" xmlns:p="http://schemas.openxmlformats.org/presentationml/2006/main">
-  <p:tag name="NUM" val="3"/>
+  <p:tag name="NUM" val="2"/>
 </p:tagLst>
 </file>
 
 <file path=ppt/tags/tag47.xml><?xml version="1.0" encoding="utf-8"?>
 <p:tagLst xmlns:a="http://schemas.openxmlformats.org/drawingml/2006/main" xmlns:r="http://schemas.openxmlformats.org/officeDocument/2006/relationships" xmlns:p="http://schemas.openxmlformats.org/presentationml/2006/main">
-  <p:tag name="NUM" val="4"/>
+  <p:tag name="NUM" val="3"/>
 </p:tagLst>
 </file>
 
 <file path=ppt/tags/tag48.xml><?xml version="1.0" encoding="utf-8"?>
 <p:tagLst xmlns:a="http://schemas.openxmlformats.org/drawingml/2006/main" xmlns:r="http://schemas.openxmlformats.org/officeDocument/2006/relationships" xmlns:p="http://schemas.openxmlformats.org/presentationml/2006/main">
-  <p:tag name="NUM" val="6"/>
+  <p:tag name="NUM" val="4"/>
 </p:tagLst>
 </file>
 
 <file path=ppt/tags/tag49.xml><?xml version="1.0" encoding="utf-8"?>
 <p:tagLst xmlns:a="http://schemas.openxmlformats.org/drawingml/2006/main" xmlns:r="http://schemas.openxmlformats.org/officeDocument/2006/relationships" xmlns:p="http://schemas.openxmlformats.org/presentationml/2006/main">
-  <p:tag name="NUM" val="2"/>
+  <p:tag name="NUM" val="6"/>
 </p:tagLst>
 </file>
 
@@ -17607,17 +20964,65 @@
 
 <file path=ppt/tags/tag54.xml><?xml version="1.0" encoding="utf-8"?>
 <p:tagLst xmlns:a="http://schemas.openxmlformats.org/drawingml/2006/main" xmlns:r="http://schemas.openxmlformats.org/officeDocument/2006/relationships" xmlns:p="http://schemas.openxmlformats.org/presentationml/2006/main">
-  <p:tag name="NUM" val="1"/>
+  <p:tag name="NUM" val="3"/>
 </p:tagLst>
 </file>
 
 <file path=ppt/tags/tag55.xml><?xml version="1.0" encoding="utf-8"?>
 <p:tagLst xmlns:a="http://schemas.openxmlformats.org/drawingml/2006/main" xmlns:r="http://schemas.openxmlformats.org/officeDocument/2006/relationships" xmlns:p="http://schemas.openxmlformats.org/presentationml/2006/main">
+  <p:tag name="NUM" val="4"/>
+</p:tagLst>
+</file>
+
+<file path=ppt/tags/tag56.xml><?xml version="1.0" encoding="utf-8"?>
+<p:tagLst xmlns:a="http://schemas.openxmlformats.org/drawingml/2006/main" xmlns:r="http://schemas.openxmlformats.org/officeDocument/2006/relationships" xmlns:p="http://schemas.openxmlformats.org/presentationml/2006/main">
+  <p:tag name="NUM" val="6"/>
+</p:tagLst>
+</file>
+
+<file path=ppt/tags/tag57.xml><?xml version="1.0" encoding="utf-8"?>
+<p:tagLst xmlns:a="http://schemas.openxmlformats.org/drawingml/2006/main" xmlns:r="http://schemas.openxmlformats.org/officeDocument/2006/relationships" xmlns:p="http://schemas.openxmlformats.org/presentationml/2006/main">
   <p:tag name="NUM" val="2"/>
 </p:tagLst>
 </file>
 
+<file path=ppt/tags/tag58.xml><?xml version="1.0" encoding="utf-8"?>
+<p:tagLst xmlns:a="http://schemas.openxmlformats.org/drawingml/2006/main" xmlns:r="http://schemas.openxmlformats.org/officeDocument/2006/relationships" xmlns:p="http://schemas.openxmlformats.org/presentationml/2006/main">
+  <p:tag name="NUM" val="3"/>
+</p:tagLst>
+</file>
+
+<file path=ppt/tags/tag59.xml><?xml version="1.0" encoding="utf-8"?>
+<p:tagLst xmlns:a="http://schemas.openxmlformats.org/drawingml/2006/main" xmlns:r="http://schemas.openxmlformats.org/officeDocument/2006/relationships" xmlns:p="http://schemas.openxmlformats.org/presentationml/2006/main">
+  <p:tag name="NUM" val="4"/>
+</p:tagLst>
+</file>
+
 <file path=ppt/tags/tag6.xml><?xml version="1.0" encoding="utf-8"?>
+<p:tagLst xmlns:a="http://schemas.openxmlformats.org/drawingml/2006/main" xmlns:r="http://schemas.openxmlformats.org/officeDocument/2006/relationships" xmlns:p="http://schemas.openxmlformats.org/presentationml/2006/main">
+  <p:tag name="NUM" val="2"/>
+</p:tagLst>
+</file>
+
+<file path=ppt/tags/tag60.xml><?xml version="1.0" encoding="utf-8"?>
+<p:tagLst xmlns:a="http://schemas.openxmlformats.org/drawingml/2006/main" xmlns:r="http://schemas.openxmlformats.org/officeDocument/2006/relationships" xmlns:p="http://schemas.openxmlformats.org/presentationml/2006/main">
+  <p:tag name="NUM" val="6"/>
+</p:tagLst>
+</file>
+
+<file path=ppt/tags/tag61.xml><?xml version="1.0" encoding="utf-8"?>
+<p:tagLst xmlns:a="http://schemas.openxmlformats.org/drawingml/2006/main" xmlns:r="http://schemas.openxmlformats.org/officeDocument/2006/relationships" xmlns:p="http://schemas.openxmlformats.org/presentationml/2006/main">
+  <p:tag name="NUM" val="2"/>
+</p:tagLst>
+</file>
+
+<file path=ppt/tags/tag62.xml><?xml version="1.0" encoding="utf-8"?>
+<p:tagLst xmlns:a="http://schemas.openxmlformats.org/drawingml/2006/main" xmlns:r="http://schemas.openxmlformats.org/officeDocument/2006/relationships" xmlns:p="http://schemas.openxmlformats.org/presentationml/2006/main">
+  <p:tag name="NUM" val="1"/>
+</p:tagLst>
+</file>
+
+<file path=ppt/tags/tag63.xml><?xml version="1.0" encoding="utf-8"?>
 <p:tagLst xmlns:a="http://schemas.openxmlformats.org/drawingml/2006/main" xmlns:r="http://schemas.openxmlformats.org/officeDocument/2006/relationships" xmlns:p="http://schemas.openxmlformats.org/presentationml/2006/main">
   <p:tag name="NUM" val="2"/>
 </p:tagLst>

--- a/docs/juliacon/EvoTrees-JuliaCon2025.pptx
+++ b/docs/juliacon/EvoTrees-JuliaCon2025.pptx
@@ -12209,49 +12209,49 @@
               <a:rPr lang="fr-CA" dirty="0" err="1">
                 <a:latin typeface="Montserrat" panose="00000500000000000000" pitchFamily="2" charset="0"/>
               </a:rPr>
-              <a:t>Fairly</a:t>
+              <a:t>Easy</a:t>
             </a:r>
             <a:r>
               <a:rPr lang="fr-CA" dirty="0">
                 <a:latin typeface="Montserrat" panose="00000500000000000000" pitchFamily="2" charset="0"/>
               </a:rPr>
+              <a:t> for single </a:t>
+            </a:r>
+            <a:r>
+              <a:rPr lang="fr-CA" dirty="0" err="1">
+                <a:latin typeface="Montserrat" panose="00000500000000000000" pitchFamily="2" charset="0"/>
+              </a:rPr>
+              <a:t>parameter</a:t>
+            </a:r>
+            <a:r>
+              <a:rPr lang="fr-CA" dirty="0">
+                <a:latin typeface="Montserrat" panose="00000500000000000000" pitchFamily="2" charset="0"/>
+              </a:rPr>
               <a:t> </a:t>
             </a:r>
             <a:r>
               <a:rPr lang="fr-CA" dirty="0" err="1">
                 <a:latin typeface="Montserrat" panose="00000500000000000000" pitchFamily="2" charset="0"/>
               </a:rPr>
-              <a:t>easy</a:t>
+              <a:t>loss</a:t>
             </a:r>
             <a:r>
               <a:rPr lang="fr-CA" dirty="0">
                 <a:latin typeface="Montserrat" panose="00000500000000000000" pitchFamily="2" charset="0"/>
               </a:rPr>
-              <a:t> for single </a:t>
+              <a:t>, but </a:t>
             </a:r>
             <a:r>
               <a:rPr lang="fr-CA" dirty="0" err="1">
                 <a:latin typeface="Montserrat" panose="00000500000000000000" pitchFamily="2" charset="0"/>
               </a:rPr>
-              <a:t>parameters</a:t>
+              <a:t>also</a:t>
             </a:r>
             <a:r>
               <a:rPr lang="fr-CA" dirty="0">
                 <a:latin typeface="Montserrat" panose="00000500000000000000" pitchFamily="2" charset="0"/>
               </a:rPr>
-              <a:t> </a:t>
-            </a:r>
-            <a:r>
-              <a:rPr lang="fr-CA" dirty="0" err="1">
-                <a:latin typeface="Montserrat" panose="00000500000000000000" pitchFamily="2" charset="0"/>
-              </a:rPr>
-              <a:t>loss</a:t>
-            </a:r>
-            <a:r>
-              <a:rPr lang="fr-CA" dirty="0">
-                <a:latin typeface="Montserrat" panose="00000500000000000000" pitchFamily="2" charset="0"/>
-              </a:rPr>
-              <a:t>, but trivial to </a:t>
+              <a:t> trivial to </a:t>
             </a:r>
             <a:r>
               <a:rPr lang="fr-CA" dirty="0" err="1">
@@ -12341,7 +12341,7 @@
               <a:rPr lang="fr-CA" dirty="0" err="1">
                 <a:latin typeface="Montserrat" panose="00000500000000000000" pitchFamily="2" charset="0"/>
               </a:rPr>
-              <a:t>heirsitics</a:t>
+              <a:t>heuristics</a:t>
             </a:r>
             <a:r>
               <a:rPr lang="fr-CA" dirty="0">
